--- a/contents/figs/mkfig.pptx
+++ b/contents/figs/mkfig.pptx
@@ -16,6 +16,7 @@
     <p:sldId id="264" r:id="rId10"/>
     <p:sldId id="265" r:id="rId11"/>
     <p:sldId id="266" r:id="rId12"/>
+    <p:sldId id="267" r:id="rId13"/>
   </p:sldIdLst>
   <p:sldSz cx="12192000" cy="6858000"/>
   <p:notesSz cx="6858000" cy="9144000"/>
@@ -269,7 +270,7 @@
           <a:p>
             <a:fld id="{1FE77418-63AD-0D42-AD46-6F16D2BF5D76}" type="datetimeFigureOut">
               <a:rPr kumimoji="1" lang="ja-JP" altLang="en-US" smtClean="0"/>
-              <a:t>2025/10/27</a:t>
+              <a:t>2025/11/6</a:t>
             </a:fld>
             <a:endParaRPr kumimoji="1" lang="ja-JP" altLang="en-US"/>
           </a:p>
@@ -499,7 +500,7 @@
           <a:p>
             <a:fld id="{1FE77418-63AD-0D42-AD46-6F16D2BF5D76}" type="datetimeFigureOut">
               <a:rPr kumimoji="1" lang="ja-JP" altLang="en-US" smtClean="0"/>
-              <a:t>2025/10/27</a:t>
+              <a:t>2025/11/6</a:t>
             </a:fld>
             <a:endParaRPr kumimoji="1" lang="ja-JP" altLang="en-US"/>
           </a:p>
@@ -739,7 +740,7 @@
           <a:p>
             <a:fld id="{1FE77418-63AD-0D42-AD46-6F16D2BF5D76}" type="datetimeFigureOut">
               <a:rPr kumimoji="1" lang="ja-JP" altLang="en-US" smtClean="0"/>
-              <a:t>2025/10/27</a:t>
+              <a:t>2025/11/6</a:t>
             </a:fld>
             <a:endParaRPr kumimoji="1" lang="ja-JP" altLang="en-US"/>
           </a:p>
@@ -969,7 +970,7 @@
           <a:p>
             <a:fld id="{1FE77418-63AD-0D42-AD46-6F16D2BF5D76}" type="datetimeFigureOut">
               <a:rPr kumimoji="1" lang="ja-JP" altLang="en-US" smtClean="0"/>
-              <a:t>2025/10/27</a:t>
+              <a:t>2025/11/6</a:t>
             </a:fld>
             <a:endParaRPr kumimoji="1" lang="ja-JP" altLang="en-US"/>
           </a:p>
@@ -1244,7 +1245,7 @@
           <a:p>
             <a:fld id="{1FE77418-63AD-0D42-AD46-6F16D2BF5D76}" type="datetimeFigureOut">
               <a:rPr kumimoji="1" lang="ja-JP" altLang="en-US" smtClean="0"/>
-              <a:t>2025/10/27</a:t>
+              <a:t>2025/11/6</a:t>
             </a:fld>
             <a:endParaRPr kumimoji="1" lang="ja-JP" altLang="en-US"/>
           </a:p>
@@ -1573,7 +1574,7 @@
           <a:p>
             <a:fld id="{1FE77418-63AD-0D42-AD46-6F16D2BF5D76}" type="datetimeFigureOut">
               <a:rPr kumimoji="1" lang="ja-JP" altLang="en-US" smtClean="0"/>
-              <a:t>2025/10/27</a:t>
+              <a:t>2025/11/6</a:t>
             </a:fld>
             <a:endParaRPr kumimoji="1" lang="ja-JP" altLang="en-US"/>
           </a:p>
@@ -2049,7 +2050,7 @@
           <a:p>
             <a:fld id="{1FE77418-63AD-0D42-AD46-6F16D2BF5D76}" type="datetimeFigureOut">
               <a:rPr kumimoji="1" lang="ja-JP" altLang="en-US" smtClean="0"/>
-              <a:t>2025/10/27</a:t>
+              <a:t>2025/11/6</a:t>
             </a:fld>
             <a:endParaRPr kumimoji="1" lang="ja-JP" altLang="en-US"/>
           </a:p>
@@ -2190,7 +2191,7 @@
           <a:p>
             <a:fld id="{1FE77418-63AD-0D42-AD46-6F16D2BF5D76}" type="datetimeFigureOut">
               <a:rPr kumimoji="1" lang="ja-JP" altLang="en-US" smtClean="0"/>
-              <a:t>2025/10/27</a:t>
+              <a:t>2025/11/6</a:t>
             </a:fld>
             <a:endParaRPr kumimoji="1" lang="ja-JP" altLang="en-US"/>
           </a:p>
@@ -2303,7 +2304,7 @@
           <a:p>
             <a:fld id="{1FE77418-63AD-0D42-AD46-6F16D2BF5D76}" type="datetimeFigureOut">
               <a:rPr kumimoji="1" lang="ja-JP" altLang="en-US" smtClean="0"/>
-              <a:t>2025/10/27</a:t>
+              <a:t>2025/11/6</a:t>
             </a:fld>
             <a:endParaRPr kumimoji="1" lang="ja-JP" altLang="en-US"/>
           </a:p>
@@ -2646,7 +2647,7 @@
           <a:p>
             <a:fld id="{1FE77418-63AD-0D42-AD46-6F16D2BF5D76}" type="datetimeFigureOut">
               <a:rPr kumimoji="1" lang="ja-JP" altLang="en-US" smtClean="0"/>
-              <a:t>2025/10/27</a:t>
+              <a:t>2025/11/6</a:t>
             </a:fld>
             <a:endParaRPr kumimoji="1" lang="ja-JP" altLang="en-US"/>
           </a:p>
@@ -2934,7 +2935,7 @@
           <a:p>
             <a:fld id="{1FE77418-63AD-0D42-AD46-6F16D2BF5D76}" type="datetimeFigureOut">
               <a:rPr kumimoji="1" lang="ja-JP" altLang="en-US" smtClean="0"/>
-              <a:t>2025/10/27</a:t>
+              <a:t>2025/11/6</a:t>
             </a:fld>
             <a:endParaRPr kumimoji="1" lang="ja-JP" altLang="en-US"/>
           </a:p>
@@ -3207,7 +3208,7 @@
           <a:p>
             <a:fld id="{1FE77418-63AD-0D42-AD46-6F16D2BF5D76}" type="datetimeFigureOut">
               <a:rPr kumimoji="1" lang="ja-JP" altLang="en-US" smtClean="0"/>
-              <a:t>2025/10/27</a:t>
+              <a:t>2025/11/6</a:t>
             </a:fld>
             <a:endParaRPr kumimoji="1" lang="ja-JP" altLang="en-US"/>
           </a:p>
@@ -3704,8 +3705,8 @@
           <a:chExt cx="0" cy="0"/>
         </a:xfrm>
       </p:grpSpPr>
-      <mc:AlternateContent xmlns:mc="http://schemas.openxmlformats.org/markup-compatibility/2006">
-        <mc:Choice xmlns:a14="http://schemas.microsoft.com/office/drawing/2010/main" Requires="a14">
+      <mc:AlternateContent xmlns:mc="http://schemas.openxmlformats.org/markup-compatibility/2006" xmlns:a14="http://schemas.microsoft.com/office/drawing/2010/main">
+        <mc:Choice Requires="a14">
           <p:graphicFrame>
             <p:nvGraphicFramePr>
               <p:cNvPr id="4" name="表 3">
@@ -5185,7 +5186,7 @@
             </a:graphic>
           </p:graphicFrame>
         </mc:Choice>
-        <mc:Fallback>
+        <mc:Fallback xmlns="">
           <p:graphicFrame>
             <p:nvGraphicFramePr>
               <p:cNvPr id="4" name="表 3">
@@ -6444,8 +6445,8 @@
           </a:graphicData>
         </a:graphic>
       </p:graphicFrame>
-      <mc:AlternateContent xmlns:mc="http://schemas.openxmlformats.org/markup-compatibility/2006">
-        <mc:Choice xmlns:a14="http://schemas.microsoft.com/office/drawing/2010/main" Requires="a14">
+      <mc:AlternateContent xmlns:mc="http://schemas.openxmlformats.org/markup-compatibility/2006" xmlns:a14="http://schemas.microsoft.com/office/drawing/2010/main">
+        <mc:Choice Requires="a14">
           <p:graphicFrame>
             <p:nvGraphicFramePr>
               <p:cNvPr id="5" name="表 4">
@@ -7797,7 +7798,7 @@
             </a:graphic>
           </p:graphicFrame>
         </mc:Choice>
-        <mc:Fallback>
+        <mc:Fallback xmlns="">
           <p:graphicFrame>
             <p:nvGraphicFramePr>
               <p:cNvPr id="5" name="表 4">
@@ -9623,8 +9624,8 @@
           </a:fontRef>
         </p:style>
       </p:cxnSp>
-      <mc:AlternateContent xmlns:mc="http://schemas.openxmlformats.org/markup-compatibility/2006">
-        <mc:Choice xmlns:a14="http://schemas.microsoft.com/office/drawing/2010/main" Requires="a14">
+      <mc:AlternateContent xmlns:mc="http://schemas.openxmlformats.org/markup-compatibility/2006" xmlns:a14="http://schemas.microsoft.com/office/drawing/2010/main">
+        <mc:Choice Requires="a14">
           <p:graphicFrame>
             <p:nvGraphicFramePr>
               <p:cNvPr id="61" name="表 60">
@@ -10952,7 +10953,7 @@
             </a:graphic>
           </p:graphicFrame>
         </mc:Choice>
-        <mc:Fallback>
+        <mc:Fallback xmlns="">
           <p:graphicFrame>
             <p:nvGraphicFramePr>
               <p:cNvPr id="61" name="表 60">
@@ -11690,6 +11691,5140 @@
     <p:extLst>
       <p:ext uri="{BB962C8B-B14F-4D97-AF65-F5344CB8AC3E}">
         <p14:creationId xmlns:p14="http://schemas.microsoft.com/office/powerpoint/2010/main" val="3883295934"/>
+      </p:ext>
+    </p:extLst>
+  </p:cSld>
+  <p:clrMapOvr>
+    <a:masterClrMapping/>
+  </p:clrMapOvr>
+</p:sld>
+</file>
+
+<file path=ppt/slides/slide12.xml><?xml version="1.0" encoding="utf-8"?>
+<p:sld xmlns:a="http://schemas.openxmlformats.org/drawingml/2006/main" xmlns:r="http://schemas.openxmlformats.org/officeDocument/2006/relationships" xmlns:p="http://schemas.openxmlformats.org/presentationml/2006/main">
+  <p:cSld>
+    <p:spTree>
+      <p:nvGrpSpPr>
+        <p:cNvPr id="1" name="">
+          <a:extLst>
+            <a:ext uri="{FF2B5EF4-FFF2-40B4-BE49-F238E27FC236}">
+              <a16:creationId xmlns:a16="http://schemas.microsoft.com/office/drawing/2014/main" id="{8187DF5D-A800-DC9A-4621-F2167EDECC9E}"/>
+            </a:ext>
+          </a:extLst>
+        </p:cNvPr>
+        <p:cNvGrpSpPr/>
+        <p:nvPr/>
+      </p:nvGrpSpPr>
+      <p:grpSpPr>
+        <a:xfrm>
+          <a:off x="0" y="0"/>
+          <a:ext cx="0" cy="0"/>
+          <a:chOff x="0" y="0"/>
+          <a:chExt cx="0" cy="0"/>
+        </a:xfrm>
+      </p:grpSpPr>
+      <p:graphicFrame>
+        <p:nvGraphicFramePr>
+          <p:cNvPr id="4" name="表 3">
+            <a:extLst>
+              <a:ext uri="{FF2B5EF4-FFF2-40B4-BE49-F238E27FC236}">
+                <a16:creationId xmlns:a16="http://schemas.microsoft.com/office/drawing/2014/main" id="{27436A42-4D00-7AB9-778F-1D1DA4A09753}"/>
+              </a:ext>
+            </a:extLst>
+          </p:cNvPr>
+          <p:cNvGraphicFramePr>
+            <a:graphicFrameLocks noGrp="1"/>
+          </p:cNvGraphicFramePr>
+          <p:nvPr>
+            <p:extLst>
+              <p:ext uri="{D42A27DB-BD31-4B8C-83A1-F6EECF244321}">
+                <p14:modId xmlns:p14="http://schemas.microsoft.com/office/powerpoint/2010/main" val="4220554443"/>
+              </p:ext>
+            </p:extLst>
+          </p:nvPr>
+        </p:nvGraphicFramePr>
+        <p:xfrm>
+          <a:off x="-269766" y="167233"/>
+          <a:ext cx="4200635" cy="2228486"/>
+        </p:xfrm>
+        <a:graphic>
+          <a:graphicData uri="http://schemas.openxmlformats.org/drawingml/2006/table">
+            <a:tbl>
+              <a:tblPr firstRow="1" firstCol="1" bandRow="1">
+                <a:tableStyleId>{5C22544A-7EE6-4342-B048-85BDC9FD1C3A}</a:tableStyleId>
+              </a:tblPr>
+              <a:tblGrid>
+                <a:gridCol w="840127">
+                  <a:extLst>
+                    <a:ext uri="{9D8B030D-6E8A-4147-A177-3AD203B41FA5}">
+                      <a16:colId xmlns:a16="http://schemas.microsoft.com/office/drawing/2014/main" val="2741651066"/>
+                    </a:ext>
+                  </a:extLst>
+                </a:gridCol>
+                <a:gridCol w="840127">
+                  <a:extLst>
+                    <a:ext uri="{9D8B030D-6E8A-4147-A177-3AD203B41FA5}">
+                      <a16:colId xmlns:a16="http://schemas.microsoft.com/office/drawing/2014/main" val="1865095150"/>
+                    </a:ext>
+                  </a:extLst>
+                </a:gridCol>
+                <a:gridCol w="840127">
+                  <a:extLst>
+                    <a:ext uri="{9D8B030D-6E8A-4147-A177-3AD203B41FA5}">
+                      <a16:colId xmlns:a16="http://schemas.microsoft.com/office/drawing/2014/main" val="1372891102"/>
+                    </a:ext>
+                  </a:extLst>
+                </a:gridCol>
+                <a:gridCol w="840127">
+                  <a:extLst>
+                    <a:ext uri="{9D8B030D-6E8A-4147-A177-3AD203B41FA5}">
+                      <a16:colId xmlns:a16="http://schemas.microsoft.com/office/drawing/2014/main" val="1720492644"/>
+                    </a:ext>
+                  </a:extLst>
+                </a:gridCol>
+                <a:gridCol w="840127">
+                  <a:extLst>
+                    <a:ext uri="{9D8B030D-6E8A-4147-A177-3AD203B41FA5}">
+                      <a16:colId xmlns:a16="http://schemas.microsoft.com/office/drawing/2014/main" val="1429596059"/>
+                    </a:ext>
+                  </a:extLst>
+                </a:gridCol>
+              </a:tblGrid>
+              <a:tr h="754312">
+                <a:tc>
+                  <a:txBody>
+                    <a:bodyPr/>
+                    <a:lstStyle/>
+                    <a:p>
+                      <a:r>
+                        <a:rPr kumimoji="1" lang="en-US" altLang="ja-JP" dirty="0"/>
+                        <a:t>   BC</a:t>
+                      </a:r>
+                    </a:p>
+                    <a:p>
+                      <a:r>
+                        <a:rPr kumimoji="1" lang="en-US" altLang="ja-JP" dirty="0"/>
+                        <a:t>A</a:t>
+                      </a:r>
+                      <a:endParaRPr kumimoji="1" lang="ja-JP" altLang="en-US"/>
+                    </a:p>
+                  </a:txBody>
+                  <a:tcPr>
+                    <a:lnR w="38100" cap="flat" cmpd="sng" algn="ctr">
+                      <a:solidFill>
+                        <a:schemeClr val="bg1"/>
+                      </a:solidFill>
+                      <a:prstDash val="solid"/>
+                      <a:round/>
+                      <a:headEnd type="none" w="med" len="med"/>
+                      <a:tailEnd type="none" w="med" len="med"/>
+                    </a:lnR>
+                    <a:lnTlToBr w="38100" cap="flat" cmpd="sng" algn="ctr">
+                      <a:solidFill>
+                        <a:schemeClr val="bg1"/>
+                      </a:solidFill>
+                      <a:prstDash val="solid"/>
+                      <a:round/>
+                      <a:headEnd type="none" w="med" len="med"/>
+                      <a:tailEnd type="none" w="med" len="med"/>
+                    </a:lnTlToBr>
+                  </a:tcPr>
+                </a:tc>
+                <a:tc>
+                  <a:txBody>
+                    <a:bodyPr/>
+                    <a:lstStyle/>
+                    <a:p>
+                      <a:pPr algn="ctr"/>
+                      <a:r>
+                        <a:rPr kumimoji="1" lang="en-US" altLang="ja-JP" dirty="0"/>
+                        <a:t>00</a:t>
+                      </a:r>
+                      <a:endParaRPr kumimoji="1" lang="ja-JP" altLang="en-US"/>
+                    </a:p>
+                  </a:txBody>
+                  <a:tcPr anchor="ctr">
+                    <a:lnL w="38100" cap="flat" cmpd="sng" algn="ctr">
+                      <a:solidFill>
+                        <a:schemeClr val="bg1"/>
+                      </a:solidFill>
+                      <a:prstDash val="solid"/>
+                      <a:round/>
+                      <a:headEnd type="none" w="med" len="med"/>
+                      <a:tailEnd type="none" w="med" len="med"/>
+                    </a:lnL>
+                  </a:tcPr>
+                </a:tc>
+                <a:tc>
+                  <a:txBody>
+                    <a:bodyPr/>
+                    <a:lstStyle/>
+                    <a:p>
+                      <a:pPr algn="ctr"/>
+                      <a:r>
+                        <a:rPr kumimoji="1" lang="en-US" altLang="ja-JP" dirty="0"/>
+                        <a:t>01</a:t>
+                      </a:r>
+                      <a:endParaRPr kumimoji="1" lang="ja-JP" altLang="en-US"/>
+                    </a:p>
+                  </a:txBody>
+                  <a:tcPr anchor="ctr"/>
+                </a:tc>
+                <a:tc>
+                  <a:txBody>
+                    <a:bodyPr/>
+                    <a:lstStyle/>
+                    <a:p>
+                      <a:pPr algn="ctr"/>
+                      <a:r>
+                        <a:rPr kumimoji="1" lang="en-US" altLang="ja-JP" dirty="0"/>
+                        <a:t>11</a:t>
+                      </a:r>
+                      <a:endParaRPr kumimoji="1" lang="ja-JP" altLang="en-US"/>
+                    </a:p>
+                  </a:txBody>
+                  <a:tcPr anchor="ctr"/>
+                </a:tc>
+                <a:tc>
+                  <a:txBody>
+                    <a:bodyPr/>
+                    <a:lstStyle/>
+                    <a:p>
+                      <a:pPr algn="ctr"/>
+                      <a:r>
+                        <a:rPr kumimoji="1" lang="en-US" altLang="ja-JP" dirty="0"/>
+                        <a:t>10</a:t>
+                      </a:r>
+                      <a:endParaRPr kumimoji="1" lang="ja-JP" altLang="en-US"/>
+                    </a:p>
+                  </a:txBody>
+                  <a:tcPr anchor="ctr"/>
+                </a:tc>
+                <a:extLst>
+                  <a:ext uri="{0D108BD9-81ED-4DB2-BD59-A6C34878D82A}">
+                    <a16:rowId xmlns:a16="http://schemas.microsoft.com/office/drawing/2014/main" val="3253329725"/>
+                  </a:ext>
+                </a:extLst>
+              </a:tr>
+              <a:tr h="737087">
+                <a:tc>
+                  <a:txBody>
+                    <a:bodyPr/>
+                    <a:lstStyle/>
+                    <a:p>
+                      <a:pPr algn="ctr"/>
+                      <a:r>
+                        <a:rPr kumimoji="1" lang="en-US" altLang="ja-JP" dirty="0"/>
+                        <a:t>0</a:t>
+                      </a:r>
+                      <a:endParaRPr kumimoji="1" lang="ja-JP" altLang="en-US"/>
+                    </a:p>
+                  </a:txBody>
+                  <a:tcPr anchor="ctr">
+                    <a:lnR w="38100" cap="flat" cmpd="sng" algn="ctr">
+                      <a:solidFill>
+                        <a:schemeClr val="bg1"/>
+                      </a:solidFill>
+                      <a:prstDash val="solid"/>
+                      <a:round/>
+                      <a:headEnd type="none" w="med" len="med"/>
+                      <a:tailEnd type="none" w="med" len="med"/>
+                    </a:lnR>
+                  </a:tcPr>
+                </a:tc>
+                <a:tc>
+                  <a:txBody>
+                    <a:bodyPr/>
+                    <a:lstStyle/>
+                    <a:p>
+                      <a:pPr algn="ctr"/>
+                      <a:endParaRPr kumimoji="1" lang="ja-JP" altLang="en-US" b="1"/>
+                    </a:p>
+                  </a:txBody>
+                  <a:tcPr anchor="ctr">
+                    <a:lnL w="38100" cap="flat" cmpd="sng" algn="ctr">
+                      <a:solidFill>
+                        <a:schemeClr val="bg1"/>
+                      </a:solidFill>
+                      <a:prstDash val="solid"/>
+                      <a:round/>
+                      <a:headEnd type="none" w="med" len="med"/>
+                      <a:tailEnd type="none" w="med" len="med"/>
+                    </a:lnL>
+                  </a:tcPr>
+                </a:tc>
+                <a:tc>
+                  <a:txBody>
+                    <a:bodyPr/>
+                    <a:lstStyle/>
+                    <a:p>
+                      <a:pPr marL="0" marR="0" lvl="0" indent="0" algn="ctr" defTabSz="914400" rtl="0" eaLnBrk="1" fontAlgn="auto" latinLnBrk="0" hangingPunct="1">
+                        <a:lnSpc>
+                          <a:spcPct val="100000"/>
+                        </a:lnSpc>
+                        <a:spcBef>
+                          <a:spcPts val="0"/>
+                        </a:spcBef>
+                        <a:spcAft>
+                          <a:spcPts val="0"/>
+                        </a:spcAft>
+                        <a:buClrTx/>
+                        <a:buSzTx/>
+                        <a:buFontTx/>
+                        <a:buNone/>
+                        <a:tabLst/>
+                        <a:defRPr/>
+                      </a:pPr>
+                      <a:endParaRPr kumimoji="1" lang="ja-JP" altLang="en-US" b="1"/>
+                    </a:p>
+                  </a:txBody>
+                  <a:tcPr anchor="ctr"/>
+                </a:tc>
+                <a:tc>
+                  <a:txBody>
+                    <a:bodyPr/>
+                    <a:lstStyle/>
+                    <a:p>
+                      <a:pPr marL="0" marR="0" lvl="0" indent="0" algn="ctr" defTabSz="914400" rtl="0" eaLnBrk="1" fontAlgn="auto" latinLnBrk="0" hangingPunct="1">
+                        <a:lnSpc>
+                          <a:spcPct val="100000"/>
+                        </a:lnSpc>
+                        <a:spcBef>
+                          <a:spcPts val="0"/>
+                        </a:spcBef>
+                        <a:spcAft>
+                          <a:spcPts val="0"/>
+                        </a:spcAft>
+                        <a:buClrTx/>
+                        <a:buSzTx/>
+                        <a:buFontTx/>
+                        <a:buNone/>
+                        <a:tabLst/>
+                        <a:defRPr/>
+                      </a:pPr>
+                      <a:endParaRPr kumimoji="1" lang="ja-JP" altLang="en-US" b="1"/>
+                    </a:p>
+                  </a:txBody>
+                  <a:tcPr anchor="ctr"/>
+                </a:tc>
+                <a:tc>
+                  <a:txBody>
+                    <a:bodyPr/>
+                    <a:lstStyle/>
+                    <a:p>
+                      <a:pPr marL="0" marR="0" lvl="0" indent="0" algn="ctr" defTabSz="914400" rtl="0" eaLnBrk="1" fontAlgn="auto" latinLnBrk="0" hangingPunct="1">
+                        <a:lnSpc>
+                          <a:spcPct val="100000"/>
+                        </a:lnSpc>
+                        <a:spcBef>
+                          <a:spcPts val="0"/>
+                        </a:spcBef>
+                        <a:spcAft>
+                          <a:spcPts val="0"/>
+                        </a:spcAft>
+                        <a:buClrTx/>
+                        <a:buSzTx/>
+                        <a:buFontTx/>
+                        <a:buNone/>
+                        <a:tabLst/>
+                        <a:defRPr/>
+                      </a:pPr>
+                      <a:r>
+                        <a:rPr kumimoji="1" lang="en-US" altLang="ja-JP" b="1" dirty="0"/>
+                        <a:t>1</a:t>
+                      </a:r>
+                      <a:endParaRPr kumimoji="1" lang="ja-JP" altLang="en-US" b="1"/>
+                    </a:p>
+                  </a:txBody>
+                  <a:tcPr anchor="ctr"/>
+                </a:tc>
+                <a:extLst>
+                  <a:ext uri="{0D108BD9-81ED-4DB2-BD59-A6C34878D82A}">
+                    <a16:rowId xmlns:a16="http://schemas.microsoft.com/office/drawing/2014/main" val="2156847811"/>
+                  </a:ext>
+                </a:extLst>
+              </a:tr>
+              <a:tr h="737087">
+                <a:tc>
+                  <a:txBody>
+                    <a:bodyPr/>
+                    <a:lstStyle/>
+                    <a:p>
+                      <a:pPr algn="ctr"/>
+                      <a:r>
+                        <a:rPr kumimoji="1" lang="en-US" altLang="ja-JP" dirty="0"/>
+                        <a:t>1</a:t>
+                      </a:r>
+                      <a:endParaRPr kumimoji="1" lang="ja-JP" altLang="en-US"/>
+                    </a:p>
+                  </a:txBody>
+                  <a:tcPr anchor="ctr">
+                    <a:lnR w="38100" cap="flat" cmpd="sng" algn="ctr">
+                      <a:solidFill>
+                        <a:schemeClr val="bg1"/>
+                      </a:solidFill>
+                      <a:prstDash val="solid"/>
+                      <a:round/>
+                      <a:headEnd type="none" w="med" len="med"/>
+                      <a:tailEnd type="none" w="med" len="med"/>
+                    </a:lnR>
+                  </a:tcPr>
+                </a:tc>
+                <a:tc>
+                  <a:txBody>
+                    <a:bodyPr/>
+                    <a:lstStyle/>
+                    <a:p>
+                      <a:pPr marL="0" marR="0" lvl="0" indent="0" algn="ctr" defTabSz="914400" rtl="0" eaLnBrk="1" fontAlgn="auto" latinLnBrk="0" hangingPunct="1">
+                        <a:lnSpc>
+                          <a:spcPct val="100000"/>
+                        </a:lnSpc>
+                        <a:spcBef>
+                          <a:spcPts val="0"/>
+                        </a:spcBef>
+                        <a:spcAft>
+                          <a:spcPts val="0"/>
+                        </a:spcAft>
+                        <a:buClrTx/>
+                        <a:buSzTx/>
+                        <a:buFontTx/>
+                        <a:buNone/>
+                        <a:tabLst/>
+                        <a:defRPr/>
+                      </a:pPr>
+                      <a:r>
+                        <a:rPr kumimoji="1" lang="ja-JP" altLang="en-US" b="1" dirty="0"/>
+                        <a:t>＊</a:t>
+                      </a:r>
+                      <a:endParaRPr kumimoji="1" lang="ja-JP" altLang="en-US" b="1"/>
+                    </a:p>
+                  </a:txBody>
+                  <a:tcPr anchor="ctr">
+                    <a:lnL w="38100" cap="flat" cmpd="sng" algn="ctr">
+                      <a:solidFill>
+                        <a:schemeClr val="bg1"/>
+                      </a:solidFill>
+                      <a:prstDash val="solid"/>
+                      <a:round/>
+                      <a:headEnd type="none" w="med" len="med"/>
+                      <a:tailEnd type="none" w="med" len="med"/>
+                    </a:lnL>
+                  </a:tcPr>
+                </a:tc>
+                <a:tc>
+                  <a:txBody>
+                    <a:bodyPr/>
+                    <a:lstStyle/>
+                    <a:p>
+                      <a:pPr marL="0" marR="0" lvl="0" indent="0" algn="ctr" defTabSz="914400" rtl="0" eaLnBrk="1" fontAlgn="auto" latinLnBrk="0" hangingPunct="1">
+                        <a:lnSpc>
+                          <a:spcPct val="100000"/>
+                        </a:lnSpc>
+                        <a:spcBef>
+                          <a:spcPts val="0"/>
+                        </a:spcBef>
+                        <a:spcAft>
+                          <a:spcPts val="0"/>
+                        </a:spcAft>
+                        <a:buClrTx/>
+                        <a:buSzTx/>
+                        <a:buFontTx/>
+                        <a:buNone/>
+                        <a:tabLst/>
+                        <a:defRPr/>
+                      </a:pPr>
+                      <a:r>
+                        <a:rPr kumimoji="1" lang="en-US" altLang="ja-JP" b="1" dirty="0"/>
+                        <a:t>1</a:t>
+                      </a:r>
+                      <a:endParaRPr kumimoji="1" lang="ja-JP" altLang="en-US" b="1"/>
+                    </a:p>
+                  </a:txBody>
+                  <a:tcPr anchor="ctr"/>
+                </a:tc>
+                <a:tc>
+                  <a:txBody>
+                    <a:bodyPr/>
+                    <a:lstStyle/>
+                    <a:p>
+                      <a:pPr marL="0" marR="0" lvl="0" indent="0" algn="ctr" defTabSz="914400" rtl="0" eaLnBrk="1" fontAlgn="auto" latinLnBrk="0" hangingPunct="1">
+                        <a:lnSpc>
+                          <a:spcPct val="100000"/>
+                        </a:lnSpc>
+                        <a:spcBef>
+                          <a:spcPts val="0"/>
+                        </a:spcBef>
+                        <a:spcAft>
+                          <a:spcPts val="0"/>
+                        </a:spcAft>
+                        <a:buClrTx/>
+                        <a:buSzTx/>
+                        <a:buFontTx/>
+                        <a:buNone/>
+                        <a:tabLst/>
+                        <a:defRPr/>
+                      </a:pPr>
+                      <a:r>
+                        <a:rPr kumimoji="1" lang="en-US" altLang="ja-JP" b="1" dirty="0"/>
+                        <a:t>1</a:t>
+                      </a:r>
+                      <a:endParaRPr kumimoji="1" lang="ja-JP" altLang="en-US" b="1"/>
+                    </a:p>
+                  </a:txBody>
+                  <a:tcPr anchor="ctr"/>
+                </a:tc>
+                <a:tc>
+                  <a:txBody>
+                    <a:bodyPr/>
+                    <a:lstStyle/>
+                    <a:p>
+                      <a:pPr marL="0" marR="0" lvl="0" indent="0" algn="ctr" defTabSz="914400" rtl="0" eaLnBrk="1" fontAlgn="auto" latinLnBrk="0" hangingPunct="1">
+                        <a:lnSpc>
+                          <a:spcPct val="100000"/>
+                        </a:lnSpc>
+                        <a:spcBef>
+                          <a:spcPts val="0"/>
+                        </a:spcBef>
+                        <a:spcAft>
+                          <a:spcPts val="0"/>
+                        </a:spcAft>
+                        <a:buClrTx/>
+                        <a:buSzTx/>
+                        <a:buFontTx/>
+                        <a:buNone/>
+                        <a:tabLst/>
+                        <a:defRPr/>
+                      </a:pPr>
+                      <a:r>
+                        <a:rPr kumimoji="1" lang="en-US" altLang="ja-JP" b="1" dirty="0"/>
+                        <a:t>1</a:t>
+                      </a:r>
+                      <a:endParaRPr kumimoji="1" lang="ja-JP" altLang="en-US" b="1"/>
+                    </a:p>
+                  </a:txBody>
+                  <a:tcPr anchor="ctr"/>
+                </a:tc>
+                <a:extLst>
+                  <a:ext uri="{0D108BD9-81ED-4DB2-BD59-A6C34878D82A}">
+                    <a16:rowId xmlns:a16="http://schemas.microsoft.com/office/drawing/2014/main" val="1605274719"/>
+                  </a:ext>
+                </a:extLst>
+              </a:tr>
+            </a:tbl>
+          </a:graphicData>
+        </a:graphic>
+      </p:graphicFrame>
+      <mc:AlternateContent xmlns:mc="http://schemas.openxmlformats.org/markup-compatibility/2006">
+        <mc:Choice xmlns:a14="http://schemas.microsoft.com/office/drawing/2010/main" Requires="a14">
+          <p:graphicFrame>
+            <p:nvGraphicFramePr>
+              <p:cNvPr id="5" name="表 4">
+                <a:extLst>
+                  <a:ext uri="{FF2B5EF4-FFF2-40B4-BE49-F238E27FC236}">
+                    <a16:creationId xmlns:a16="http://schemas.microsoft.com/office/drawing/2014/main" id="{ACF95DF5-7211-4213-9ABB-5A64E9E1F627}"/>
+                  </a:ext>
+                </a:extLst>
+              </p:cNvPr>
+              <p:cNvGraphicFramePr>
+                <a:graphicFrameLocks noGrp="1"/>
+              </p:cNvGraphicFramePr>
+              <p:nvPr>
+                <p:extLst>
+                  <p:ext uri="{D42A27DB-BD31-4B8C-83A1-F6EECF244321}">
+                    <p14:modId xmlns:p14="http://schemas.microsoft.com/office/powerpoint/2010/main" val="2279583909"/>
+                  </p:ext>
+                </p:extLst>
+              </p:nvPr>
+            </p:nvGraphicFramePr>
+            <p:xfrm>
+              <a:off x="4249684" y="525772"/>
+              <a:ext cx="7238125" cy="4179727"/>
+            </p:xfrm>
+            <a:graphic>
+              <a:graphicData uri="http://schemas.openxmlformats.org/drawingml/2006/table">
+                <a:tbl>
+                  <a:tblPr firstRow="1" bandRow="1">
+                    <a:tableStyleId>{5C22544A-7EE6-4342-B048-85BDC9FD1C3A}</a:tableStyleId>
+                  </a:tblPr>
+                  <a:tblGrid>
+                    <a:gridCol w="1447625">
+                      <a:extLst>
+                        <a:ext uri="{9D8B030D-6E8A-4147-A177-3AD203B41FA5}">
+                          <a16:colId xmlns:a16="http://schemas.microsoft.com/office/drawing/2014/main" val="1865095150"/>
+                        </a:ext>
+                      </a:extLst>
+                    </a:gridCol>
+                    <a:gridCol w="1447625">
+                      <a:extLst>
+                        <a:ext uri="{9D8B030D-6E8A-4147-A177-3AD203B41FA5}">
+                          <a16:colId xmlns:a16="http://schemas.microsoft.com/office/drawing/2014/main" val="1372891102"/>
+                        </a:ext>
+                      </a:extLst>
+                    </a:gridCol>
+                    <a:gridCol w="1447625">
+                      <a:extLst>
+                        <a:ext uri="{9D8B030D-6E8A-4147-A177-3AD203B41FA5}">
+                          <a16:colId xmlns:a16="http://schemas.microsoft.com/office/drawing/2014/main" val="1720492644"/>
+                        </a:ext>
+                      </a:extLst>
+                    </a:gridCol>
+                    <a:gridCol w="1447625">
+                      <a:extLst>
+                        <a:ext uri="{9D8B030D-6E8A-4147-A177-3AD203B41FA5}">
+                          <a16:colId xmlns:a16="http://schemas.microsoft.com/office/drawing/2014/main" val="1429596059"/>
+                        </a:ext>
+                      </a:extLst>
+                    </a:gridCol>
+                    <a:gridCol w="1447625">
+                      <a:extLst>
+                        <a:ext uri="{9D8B030D-6E8A-4147-A177-3AD203B41FA5}">
+                          <a16:colId xmlns:a16="http://schemas.microsoft.com/office/drawing/2014/main" val="327818860"/>
+                        </a:ext>
+                      </a:extLst>
+                    </a:gridCol>
+                  </a:tblGrid>
+                  <a:tr h="600823">
+                    <a:tc>
+                      <a:txBody>
+                        <a:bodyPr/>
+                        <a:lstStyle/>
+                        <a:p>
+                          <a:pPr algn="ctr"/>
+                          <a:r>
+                            <a:rPr kumimoji="1" lang="ja-JP" altLang="en-US"/>
+                            <a:t>グループ</a:t>
+                          </a:r>
+                        </a:p>
+                      </a:txBody>
+                      <a:tcPr anchor="ctr">
+                        <a:lnL w="38100" cap="flat" cmpd="sng" algn="ctr">
+                          <a:solidFill>
+                            <a:schemeClr val="bg1"/>
+                          </a:solidFill>
+                          <a:prstDash val="solid"/>
+                          <a:round/>
+                          <a:headEnd type="none" w="med" len="med"/>
+                          <a:tailEnd type="none" w="med" len="med"/>
+                        </a:lnL>
+                      </a:tcPr>
+                    </a:tc>
+                    <a:tc>
+                      <a:txBody>
+                        <a:bodyPr/>
+                        <a:lstStyle/>
+                        <a:p>
+                          <a:pPr algn="ctr"/>
+                          <a:r>
+                            <a:rPr kumimoji="1" lang="ja-JP" altLang="en-US"/>
+                            <a:t>最小項</a:t>
+                          </a:r>
+                        </a:p>
+                      </a:txBody>
+                      <a:tcPr anchor="ctr"/>
+                    </a:tc>
+                    <a:tc>
+                      <a:txBody>
+                        <a:bodyPr/>
+                        <a:lstStyle/>
+                        <a:p>
+                          <a:pPr algn="ctr"/>
+                          <a:r>
+                            <a:rPr kumimoji="1" lang="en-US" altLang="ja-JP" dirty="0"/>
+                            <a:t>2</a:t>
+                          </a:r>
+                          <a:r>
+                            <a:rPr kumimoji="1" lang="ja-JP" altLang="en-US"/>
+                            <a:t>進数表示</a:t>
+                          </a:r>
+                        </a:p>
+                      </a:txBody>
+                      <a:tcPr anchor="ctr"/>
+                    </a:tc>
+                    <a:tc>
+                      <a:txBody>
+                        <a:bodyPr/>
+                        <a:lstStyle/>
+                        <a:p>
+                          <a:pPr algn="ctr"/>
+                          <a:endParaRPr kumimoji="1" lang="ja-JP" altLang="en-US"/>
+                        </a:p>
+                      </a:txBody>
+                      <a:tcPr anchor="ctr"/>
+                    </a:tc>
+                    <a:tc>
+                      <a:txBody>
+                        <a:bodyPr/>
+                        <a:lstStyle/>
+                        <a:p>
+                          <a:pPr algn="ctr"/>
+                          <a:endParaRPr kumimoji="1" lang="ja-JP" altLang="en-US"/>
+                        </a:p>
+                      </a:txBody>
+                      <a:tcPr anchor="ctr"/>
+                    </a:tc>
+                    <a:extLst>
+                      <a:ext uri="{0D108BD9-81ED-4DB2-BD59-A6C34878D82A}">
+                        <a16:rowId xmlns:a16="http://schemas.microsoft.com/office/drawing/2014/main" val="3253329725"/>
+                      </a:ext>
+                    </a:extLst>
+                  </a:tr>
+                  <a:tr h="1192968">
+                    <a:tc>
+                      <a:txBody>
+                        <a:bodyPr/>
+                        <a:lstStyle/>
+                        <a:p>
+                          <a:pPr algn="ctr"/>
+                          <a:r>
+                            <a:rPr kumimoji="1" lang="en-US" altLang="ja-JP" b="1" dirty="0"/>
+                            <a:t>1</a:t>
+                          </a:r>
+                          <a:r>
+                            <a:rPr kumimoji="1" lang="ja-JP" altLang="en-US" b="1"/>
+                            <a:t>が</a:t>
+                          </a:r>
+                          <a:r>
+                            <a:rPr kumimoji="1" lang="en-US" altLang="ja-JP" b="1" dirty="0"/>
+                            <a:t>1</a:t>
+                          </a:r>
+                          <a:r>
+                            <a:rPr kumimoji="1" lang="ja-JP" altLang="en-US" b="1"/>
+                            <a:t>つ</a:t>
+                          </a:r>
+                        </a:p>
+                      </a:txBody>
+                      <a:tcPr anchor="ctr">
+                        <a:lnL w="38100" cap="flat" cmpd="sng" algn="ctr">
+                          <a:solidFill>
+                            <a:schemeClr val="bg1"/>
+                          </a:solidFill>
+                          <a:prstDash val="solid"/>
+                          <a:round/>
+                          <a:headEnd type="none" w="med" len="med"/>
+                          <a:tailEnd type="none" w="med" len="med"/>
+                        </a:lnL>
+                      </a:tcPr>
+                    </a:tc>
+                    <a:tc>
+                      <a:txBody>
+                        <a:bodyPr/>
+                        <a:lstStyle/>
+                        <a:p>
+                          <a:pPr marL="0" marR="0" lvl="0" indent="0" algn="ctr" defTabSz="914400" rtl="0" eaLnBrk="1" fontAlgn="auto" latinLnBrk="0" hangingPunct="1">
+                            <a:lnSpc>
+                              <a:spcPct val="100000"/>
+                            </a:lnSpc>
+                            <a:spcBef>
+                              <a:spcPts val="0"/>
+                            </a:spcBef>
+                            <a:spcAft>
+                              <a:spcPts val="0"/>
+                            </a:spcAft>
+                            <a:buClrTx/>
+                            <a:buSzTx/>
+                            <a:buFontTx/>
+                            <a:buNone/>
+                            <a:tabLst/>
+                            <a:defRPr/>
+                          </a:pPr>
+                          <a14:m>
+                            <m:oMathPara xmlns:m="http://schemas.openxmlformats.org/officeDocument/2006/math">
+                              <m:oMathParaPr>
+                                <m:jc m:val="centerGroup"/>
+                              </m:oMathParaPr>
+                              <m:oMath xmlns:m="http://schemas.openxmlformats.org/officeDocument/2006/math">
+                                <m:acc>
+                                  <m:accPr>
+                                    <m:chr m:val="̅"/>
+                                    <m:ctrlPr>
+                                      <a:rPr kumimoji="1" lang="ja-JP" altLang="en-US" b="1" i="1" smtClean="0">
+                                        <a:latin typeface="Cambria Math" panose="02040503050406030204" pitchFamily="18" charset="0"/>
+                                      </a:rPr>
+                                    </m:ctrlPr>
+                                  </m:accPr>
+                                  <m:e>
+                                    <m:r>
+                                      <a:rPr kumimoji="1" lang="en-US" altLang="ja-JP" b="1" i="1" smtClean="0">
+                                        <a:latin typeface="Cambria Math" panose="02040503050406030204" pitchFamily="18" charset="0"/>
+                                      </a:rPr>
+                                      <m:t>𝑨</m:t>
+                                    </m:r>
+                                  </m:e>
+                                </m:acc>
+                                <m:r>
+                                  <a:rPr kumimoji="1" lang="ja-JP" altLang="en-US" b="1" i="1" smtClean="0">
+                                    <a:latin typeface="Cambria Math" panose="02040503050406030204" pitchFamily="18" charset="0"/>
+                                  </a:rPr>
+                                  <m:t>∙</m:t>
+                                </m:r>
+                                <m:r>
+                                  <a:rPr kumimoji="1" lang="en-US" altLang="ja-JP" b="1" i="1" smtClean="0">
+                                    <a:latin typeface="Cambria Math" panose="02040503050406030204" pitchFamily="18" charset="0"/>
+                                  </a:rPr>
+                                  <m:t>𝑩</m:t>
+                                </m:r>
+                                <m:r>
+                                  <a:rPr kumimoji="1" lang="ja-JP" altLang="en-US" b="1" i="1" smtClean="0">
+                                    <a:latin typeface="Cambria Math" panose="02040503050406030204" pitchFamily="18" charset="0"/>
+                                  </a:rPr>
+                                  <m:t>∙</m:t>
+                                </m:r>
+                                <m:acc>
+                                  <m:accPr>
+                                    <m:chr m:val="̅"/>
+                                    <m:ctrlPr>
+                                      <a:rPr kumimoji="1" lang="ja-JP" altLang="en-US" b="1" i="1" smtClean="0">
+                                        <a:latin typeface="Cambria Math" panose="02040503050406030204" pitchFamily="18" charset="0"/>
+                                      </a:rPr>
+                                    </m:ctrlPr>
+                                  </m:accPr>
+                                  <m:e>
+                                    <m:r>
+                                      <a:rPr kumimoji="1" lang="en-US" altLang="ja-JP" b="1" i="1" smtClean="0">
+                                        <a:latin typeface="Cambria Math" panose="02040503050406030204" pitchFamily="18" charset="0"/>
+                                      </a:rPr>
+                                      <m:t>𝑪</m:t>
+                                    </m:r>
+                                  </m:e>
+                                </m:acc>
+                              </m:oMath>
+                            </m:oMathPara>
+                          </a14:m>
+                          <a:endParaRPr kumimoji="1" lang="en-US" altLang="ja-JP" b="1" dirty="0"/>
+                        </a:p>
+                        <a:p>
+                          <a:pPr marL="0" marR="0" lvl="0" indent="0" algn="ctr" defTabSz="914400" rtl="0" eaLnBrk="1" fontAlgn="auto" latinLnBrk="0" hangingPunct="1">
+                            <a:lnSpc>
+                              <a:spcPct val="100000"/>
+                            </a:lnSpc>
+                            <a:spcBef>
+                              <a:spcPts val="0"/>
+                            </a:spcBef>
+                            <a:spcAft>
+                              <a:spcPts val="0"/>
+                            </a:spcAft>
+                            <a:buClrTx/>
+                            <a:buSzTx/>
+                            <a:buFontTx/>
+                            <a:buNone/>
+                            <a:tabLst/>
+                            <a:defRPr/>
+                          </a:pPr>
+                          <a14:m>
+                            <m:oMathPara xmlns:m="http://schemas.openxmlformats.org/officeDocument/2006/math">
+                              <m:oMathParaPr>
+                                <m:jc m:val="centerGroup"/>
+                              </m:oMathParaPr>
+                              <m:oMath xmlns:m="http://schemas.openxmlformats.org/officeDocument/2006/math">
+                                <m:r>
+                                  <a:rPr kumimoji="1" lang="en-US" altLang="ja-JP" b="1" i="1" smtClean="0">
+                                    <a:solidFill>
+                                      <a:srgbClr val="FF0000"/>
+                                    </a:solidFill>
+                                    <a:latin typeface="Cambria Math" panose="02040503050406030204" pitchFamily="18" charset="0"/>
+                                  </a:rPr>
+                                  <m:t>𝑨</m:t>
+                                </m:r>
+                                <m:r>
+                                  <a:rPr kumimoji="1" lang="ja-JP" altLang="en-US" b="1" i="1" smtClean="0">
+                                    <a:solidFill>
+                                      <a:srgbClr val="FF0000"/>
+                                    </a:solidFill>
+                                    <a:latin typeface="Cambria Math" panose="02040503050406030204" pitchFamily="18" charset="0"/>
+                                  </a:rPr>
+                                  <m:t>∙</m:t>
+                                </m:r>
+                                <m:acc>
+                                  <m:accPr>
+                                    <m:chr m:val="̅"/>
+                                    <m:ctrlPr>
+                                      <a:rPr kumimoji="1" lang="ja-JP" altLang="en-US" b="1" i="1" smtClean="0">
+                                        <a:solidFill>
+                                          <a:srgbClr val="FF0000"/>
+                                        </a:solidFill>
+                                        <a:latin typeface="Cambria Math" panose="02040503050406030204" pitchFamily="18" charset="0"/>
+                                      </a:rPr>
+                                    </m:ctrlPr>
+                                  </m:accPr>
+                                  <m:e>
+                                    <m:r>
+                                      <a:rPr kumimoji="1" lang="en-US" altLang="ja-JP" b="1" i="1" smtClean="0">
+                                        <a:solidFill>
+                                          <a:srgbClr val="FF0000"/>
+                                        </a:solidFill>
+                                        <a:latin typeface="Cambria Math" panose="02040503050406030204" pitchFamily="18" charset="0"/>
+                                      </a:rPr>
+                                      <m:t>𝑩</m:t>
+                                    </m:r>
+                                  </m:e>
+                                </m:acc>
+                                <m:r>
+                                  <a:rPr kumimoji="1" lang="ja-JP" altLang="en-US" b="1" i="1" smtClean="0">
+                                    <a:solidFill>
+                                      <a:srgbClr val="FF0000"/>
+                                    </a:solidFill>
+                                    <a:latin typeface="Cambria Math" panose="02040503050406030204" pitchFamily="18" charset="0"/>
+                                  </a:rPr>
+                                  <m:t>∙</m:t>
+                                </m:r>
+                                <m:acc>
+                                  <m:accPr>
+                                    <m:chr m:val="̅"/>
+                                    <m:ctrlPr>
+                                      <a:rPr kumimoji="1" lang="ja-JP" altLang="en-US" b="1" i="1" smtClean="0">
+                                        <a:solidFill>
+                                          <a:srgbClr val="FF0000"/>
+                                        </a:solidFill>
+                                        <a:latin typeface="Cambria Math" panose="02040503050406030204" pitchFamily="18" charset="0"/>
+                                      </a:rPr>
+                                    </m:ctrlPr>
+                                  </m:accPr>
+                                  <m:e>
+                                    <m:r>
+                                      <a:rPr kumimoji="1" lang="en-US" altLang="ja-JP" b="1" i="1" smtClean="0">
+                                        <a:solidFill>
+                                          <a:srgbClr val="FF0000"/>
+                                        </a:solidFill>
+                                        <a:latin typeface="Cambria Math" panose="02040503050406030204" pitchFamily="18" charset="0"/>
+                                      </a:rPr>
+                                      <m:t>𝑪</m:t>
+                                    </m:r>
+                                  </m:e>
+                                </m:acc>
+                              </m:oMath>
+                            </m:oMathPara>
+                          </a14:m>
+                          <a:endParaRPr kumimoji="1" lang="en-US" altLang="ja-JP" b="1" dirty="0"/>
+                        </a:p>
+                      </a:txBody>
+                      <a:tcPr anchor="ctr"/>
+                    </a:tc>
+                    <a:tc>
+                      <a:txBody>
+                        <a:bodyPr/>
+                        <a:lstStyle/>
+                        <a:p>
+                          <a:pPr marL="0" marR="0" lvl="0" indent="0" algn="ctr" defTabSz="914400" rtl="0" eaLnBrk="1" fontAlgn="auto" latinLnBrk="0" hangingPunct="1">
+                            <a:lnSpc>
+                              <a:spcPct val="100000"/>
+                            </a:lnSpc>
+                            <a:spcBef>
+                              <a:spcPts val="0"/>
+                            </a:spcBef>
+                            <a:spcAft>
+                              <a:spcPts val="0"/>
+                            </a:spcAft>
+                            <a:buClrTx/>
+                            <a:buSzTx/>
+                            <a:buFontTx/>
+                            <a:buNone/>
+                            <a:tabLst/>
+                            <a:defRPr/>
+                          </a:pPr>
+                          <a:r>
+                            <a:rPr kumimoji="1" lang="en-US" altLang="ja-JP" b="1" dirty="0"/>
+                            <a:t>010</a:t>
+                          </a:r>
+                        </a:p>
+                        <a:p>
+                          <a:pPr marL="0" marR="0" lvl="0" indent="0" algn="ctr" defTabSz="914400" rtl="0" eaLnBrk="1" fontAlgn="auto" latinLnBrk="0" hangingPunct="1">
+                            <a:lnSpc>
+                              <a:spcPct val="100000"/>
+                            </a:lnSpc>
+                            <a:spcBef>
+                              <a:spcPts val="0"/>
+                            </a:spcBef>
+                            <a:spcAft>
+                              <a:spcPts val="0"/>
+                            </a:spcAft>
+                            <a:buClrTx/>
+                            <a:buSzTx/>
+                            <a:buFontTx/>
+                            <a:buNone/>
+                            <a:tabLst/>
+                            <a:defRPr/>
+                          </a:pPr>
+                          <a:r>
+                            <a:rPr kumimoji="1" lang="en-US" altLang="ja-JP" b="1" dirty="0">
+                              <a:solidFill>
+                                <a:srgbClr val="FF0000"/>
+                              </a:solidFill>
+                            </a:rPr>
+                            <a:t>100</a:t>
+                          </a:r>
+                          <a:endParaRPr kumimoji="1" lang="ja-JP" altLang="en-US" b="1">
+                            <a:solidFill>
+                              <a:srgbClr val="FF0000"/>
+                            </a:solidFill>
+                          </a:endParaRPr>
+                        </a:p>
+                      </a:txBody>
+                      <a:tcPr anchor="ctr"/>
+                    </a:tc>
+                    <a:tc>
+                      <a:txBody>
+                        <a:bodyPr/>
+                        <a:lstStyle/>
+                        <a:p>
+                          <a:pPr marL="0" marR="0" lvl="0" indent="0" algn="ctr" defTabSz="914400" rtl="0" eaLnBrk="1" fontAlgn="auto" latinLnBrk="0" hangingPunct="1">
+                            <a:lnSpc>
+                              <a:spcPct val="100000"/>
+                            </a:lnSpc>
+                            <a:spcBef>
+                              <a:spcPts val="0"/>
+                            </a:spcBef>
+                            <a:spcAft>
+                              <a:spcPts val="0"/>
+                            </a:spcAft>
+                            <a:buClrTx/>
+                            <a:buSzTx/>
+                            <a:buFontTx/>
+                            <a:buNone/>
+                            <a:tabLst/>
+                            <a:defRPr/>
+                          </a:pPr>
+                          <a:endParaRPr kumimoji="1" lang="en-US" altLang="ja-JP" b="1" dirty="0"/>
+                        </a:p>
+                        <a:p>
+                          <a:pPr marL="0" marR="0" lvl="0" indent="0" algn="ctr" defTabSz="914400" rtl="0" eaLnBrk="1" fontAlgn="auto" latinLnBrk="0" hangingPunct="1">
+                            <a:lnSpc>
+                              <a:spcPct val="100000"/>
+                            </a:lnSpc>
+                            <a:spcBef>
+                              <a:spcPts val="0"/>
+                            </a:spcBef>
+                            <a:spcAft>
+                              <a:spcPts val="0"/>
+                            </a:spcAft>
+                            <a:buClrTx/>
+                            <a:buSzTx/>
+                            <a:buFontTx/>
+                            <a:buNone/>
+                            <a:tabLst/>
+                            <a:defRPr/>
+                          </a:pPr>
+                          <a:r>
+                            <a:rPr kumimoji="1" lang="en-US" altLang="ja-JP" b="1" dirty="0">
+                              <a:highlight>
+                                <a:srgbClr val="FFFF00"/>
+                              </a:highlight>
+                            </a:rPr>
+                            <a:t>-10</a:t>
+                          </a:r>
+                        </a:p>
+                        <a:p>
+                          <a:pPr marL="0" marR="0" lvl="0" indent="0" algn="ctr" defTabSz="914400" rtl="0" eaLnBrk="1" fontAlgn="auto" latinLnBrk="0" hangingPunct="1">
+                            <a:lnSpc>
+                              <a:spcPct val="100000"/>
+                            </a:lnSpc>
+                            <a:spcBef>
+                              <a:spcPts val="0"/>
+                            </a:spcBef>
+                            <a:spcAft>
+                              <a:spcPts val="0"/>
+                            </a:spcAft>
+                            <a:buClrTx/>
+                            <a:buSzTx/>
+                            <a:buFontTx/>
+                            <a:buNone/>
+                            <a:tabLst/>
+                            <a:defRPr/>
+                          </a:pPr>
+                          <a:r>
+                            <a:rPr kumimoji="1" lang="en-US" altLang="ja-JP" b="1" dirty="0">
+                              <a:solidFill>
+                                <a:schemeClr val="tx1"/>
+                              </a:solidFill>
+                            </a:rPr>
+                            <a:t>10-</a:t>
+                          </a:r>
+                        </a:p>
+                        <a:p>
+                          <a:pPr marL="0" marR="0" lvl="0" indent="0" algn="ctr" defTabSz="914400" rtl="0" eaLnBrk="1" fontAlgn="auto" latinLnBrk="0" hangingPunct="1">
+                            <a:lnSpc>
+                              <a:spcPct val="100000"/>
+                            </a:lnSpc>
+                            <a:spcBef>
+                              <a:spcPts val="0"/>
+                            </a:spcBef>
+                            <a:spcAft>
+                              <a:spcPts val="0"/>
+                            </a:spcAft>
+                            <a:buClrTx/>
+                            <a:buSzTx/>
+                            <a:buFontTx/>
+                            <a:buNone/>
+                            <a:tabLst/>
+                            <a:defRPr/>
+                          </a:pPr>
+                          <a:r>
+                            <a:rPr kumimoji="1" lang="en-US" altLang="ja-JP" b="1" dirty="0">
+                              <a:solidFill>
+                                <a:schemeClr val="tx1"/>
+                              </a:solidFill>
+                            </a:rPr>
+                            <a:t>1-0</a:t>
+                          </a:r>
+                          <a:endParaRPr kumimoji="1" lang="ja-JP" altLang="en-US" b="1">
+                            <a:solidFill>
+                              <a:schemeClr val="tx1"/>
+                            </a:solidFill>
+                          </a:endParaRPr>
+                        </a:p>
+                      </a:txBody>
+                      <a:tcPr anchor="ctr"/>
+                    </a:tc>
+                    <a:tc>
+                      <a:txBody>
+                        <a:bodyPr/>
+                        <a:lstStyle/>
+                        <a:p>
+                          <a:pPr marL="0" marR="0" lvl="0" indent="0" algn="ctr" defTabSz="914400" rtl="0" eaLnBrk="1" fontAlgn="auto" latinLnBrk="0" hangingPunct="1">
+                            <a:lnSpc>
+                              <a:spcPct val="100000"/>
+                            </a:lnSpc>
+                            <a:spcBef>
+                              <a:spcPts val="0"/>
+                            </a:spcBef>
+                            <a:spcAft>
+                              <a:spcPts val="0"/>
+                            </a:spcAft>
+                            <a:buClrTx/>
+                            <a:buSzTx/>
+                            <a:buFontTx/>
+                            <a:buNone/>
+                            <a:tabLst/>
+                            <a:defRPr/>
+                          </a:pPr>
+                          <a:endParaRPr kumimoji="1" lang="en-US" altLang="ja-JP" b="1" dirty="0">
+                            <a:highlight>
+                              <a:srgbClr val="FFFF00"/>
+                            </a:highlight>
+                          </a:endParaRPr>
+                        </a:p>
+                        <a:p>
+                          <a:pPr marL="0" marR="0" lvl="0" indent="0" algn="ctr" defTabSz="914400" rtl="0" eaLnBrk="1" fontAlgn="auto" latinLnBrk="0" hangingPunct="1">
+                            <a:lnSpc>
+                              <a:spcPct val="100000"/>
+                            </a:lnSpc>
+                            <a:spcBef>
+                              <a:spcPts val="0"/>
+                            </a:spcBef>
+                            <a:spcAft>
+                              <a:spcPts val="0"/>
+                            </a:spcAft>
+                            <a:buClrTx/>
+                            <a:buSzTx/>
+                            <a:buFontTx/>
+                            <a:buNone/>
+                            <a:tabLst/>
+                            <a:defRPr/>
+                          </a:pPr>
+                          <a:endParaRPr kumimoji="1" lang="en-US" altLang="ja-JP" b="1" dirty="0">
+                            <a:highlight>
+                              <a:srgbClr val="FFFF00"/>
+                            </a:highlight>
+                          </a:endParaRPr>
+                        </a:p>
+                        <a:p>
+                          <a:pPr marL="0" marR="0" lvl="0" indent="0" algn="ctr" defTabSz="914400" rtl="0" eaLnBrk="1" fontAlgn="auto" latinLnBrk="0" hangingPunct="1">
+                            <a:lnSpc>
+                              <a:spcPct val="100000"/>
+                            </a:lnSpc>
+                            <a:spcBef>
+                              <a:spcPts val="0"/>
+                            </a:spcBef>
+                            <a:spcAft>
+                              <a:spcPts val="0"/>
+                            </a:spcAft>
+                            <a:buClrTx/>
+                            <a:buSzTx/>
+                            <a:buFontTx/>
+                            <a:buNone/>
+                            <a:tabLst/>
+                            <a:defRPr/>
+                          </a:pPr>
+                          <a:r>
+                            <a:rPr kumimoji="1" lang="en-US" altLang="ja-JP" b="1" dirty="0">
+                              <a:solidFill>
+                                <a:schemeClr val="tx1"/>
+                              </a:solidFill>
+                              <a:highlight>
+                                <a:srgbClr val="FFFF00"/>
+                              </a:highlight>
+                            </a:rPr>
+                            <a:t>1--</a:t>
+                          </a:r>
+                        </a:p>
+                        <a:p>
+                          <a:pPr marL="0" marR="0" lvl="0" indent="0" algn="ctr" defTabSz="914400" rtl="0" eaLnBrk="1" fontAlgn="auto" latinLnBrk="0" hangingPunct="1">
+                            <a:lnSpc>
+                              <a:spcPct val="100000"/>
+                            </a:lnSpc>
+                            <a:spcBef>
+                              <a:spcPts val="0"/>
+                            </a:spcBef>
+                            <a:spcAft>
+                              <a:spcPts val="0"/>
+                            </a:spcAft>
+                            <a:buClrTx/>
+                            <a:buSzTx/>
+                            <a:buFontTx/>
+                            <a:buNone/>
+                            <a:tabLst/>
+                            <a:defRPr/>
+                          </a:pPr>
+                          <a:r>
+                            <a:rPr kumimoji="1" lang="en-US" altLang="ja-JP" b="1" dirty="0">
+                              <a:solidFill>
+                                <a:schemeClr val="tx1"/>
+                              </a:solidFill>
+                              <a:highlight>
+                                <a:srgbClr val="FFFF00"/>
+                              </a:highlight>
+                            </a:rPr>
+                            <a:t>1--</a:t>
+                          </a:r>
+                          <a:endParaRPr kumimoji="1" lang="ja-JP" altLang="en-US" b="1">
+                            <a:solidFill>
+                              <a:schemeClr val="tx1"/>
+                            </a:solidFill>
+                            <a:highlight>
+                              <a:srgbClr val="FFFF00"/>
+                            </a:highlight>
+                          </a:endParaRPr>
+                        </a:p>
+                      </a:txBody>
+                      <a:tcPr anchor="ctr"/>
+                    </a:tc>
+                    <a:extLst>
+                      <a:ext uri="{0D108BD9-81ED-4DB2-BD59-A6C34878D82A}">
+                        <a16:rowId xmlns:a16="http://schemas.microsoft.com/office/drawing/2014/main" val="2156847811"/>
+                      </a:ext>
+                    </a:extLst>
+                  </a:tr>
+                  <a:tr h="1192968">
+                    <a:tc>
+                      <a:txBody>
+                        <a:bodyPr/>
+                        <a:lstStyle/>
+                        <a:p>
+                          <a:pPr algn="ctr"/>
+                          <a:r>
+                            <a:rPr kumimoji="1" lang="en-US" altLang="ja-JP" b="1" dirty="0"/>
+                            <a:t>1</a:t>
+                          </a:r>
+                          <a:r>
+                            <a:rPr kumimoji="1" lang="ja-JP" altLang="en-US" b="1"/>
+                            <a:t>が</a:t>
+                          </a:r>
+                          <a:r>
+                            <a:rPr kumimoji="1" lang="en-US" altLang="ja-JP" b="1" dirty="0"/>
+                            <a:t>2</a:t>
+                          </a:r>
+                          <a:r>
+                            <a:rPr kumimoji="1" lang="ja-JP" altLang="en-US" b="1"/>
+                            <a:t>つ</a:t>
+                          </a:r>
+                        </a:p>
+                      </a:txBody>
+                      <a:tcPr anchor="ctr">
+                        <a:lnL w="38100" cap="flat" cmpd="sng" algn="ctr">
+                          <a:solidFill>
+                            <a:schemeClr val="bg1"/>
+                          </a:solidFill>
+                          <a:prstDash val="solid"/>
+                          <a:round/>
+                          <a:headEnd type="none" w="med" len="med"/>
+                          <a:tailEnd type="none" w="med" len="med"/>
+                        </a:lnL>
+                      </a:tcPr>
+                    </a:tc>
+                    <a:tc>
+                      <a:txBody>
+                        <a:bodyPr/>
+                        <a:lstStyle/>
+                        <a:p>
+                          <a:pPr marL="0" marR="0" lvl="0" indent="0" algn="ctr" defTabSz="914400" rtl="0" eaLnBrk="1" fontAlgn="auto" latinLnBrk="0" hangingPunct="1">
+                            <a:lnSpc>
+                              <a:spcPct val="100000"/>
+                            </a:lnSpc>
+                            <a:spcBef>
+                              <a:spcPts val="0"/>
+                            </a:spcBef>
+                            <a:spcAft>
+                              <a:spcPts val="0"/>
+                            </a:spcAft>
+                            <a:buClrTx/>
+                            <a:buSzTx/>
+                            <a:buFontTx/>
+                            <a:buNone/>
+                            <a:tabLst/>
+                            <a:defRPr/>
+                          </a:pPr>
+                          <a:endParaRPr kumimoji="1" lang="en-US" altLang="ja-JP" b="1" i="1" dirty="0">
+                            <a:latin typeface="Cambria Math" panose="02040503050406030204" pitchFamily="18" charset="0"/>
+                          </a:endParaRPr>
+                        </a:p>
+                        <a:p>
+                          <a:pPr marL="0" marR="0" lvl="0" indent="0" algn="ctr" defTabSz="914400" rtl="0" eaLnBrk="1" fontAlgn="auto" latinLnBrk="0" hangingPunct="1">
+                            <a:lnSpc>
+                              <a:spcPct val="100000"/>
+                            </a:lnSpc>
+                            <a:spcBef>
+                              <a:spcPts val="0"/>
+                            </a:spcBef>
+                            <a:spcAft>
+                              <a:spcPts val="0"/>
+                            </a:spcAft>
+                            <a:buClrTx/>
+                            <a:buSzTx/>
+                            <a:buFontTx/>
+                            <a:buNone/>
+                            <a:tabLst/>
+                            <a:defRPr/>
+                          </a:pPr>
+                          <a14:m>
+                            <m:oMathPara xmlns:m="http://schemas.openxmlformats.org/officeDocument/2006/math">
+                              <m:oMathParaPr>
+                                <m:jc m:val="centerGroup"/>
+                              </m:oMathParaPr>
+                              <m:oMath xmlns:m="http://schemas.openxmlformats.org/officeDocument/2006/math">
+                                <m:r>
+                                  <a:rPr kumimoji="1" lang="en-US" altLang="ja-JP" b="1" i="1" smtClean="0">
+                                    <a:latin typeface="Cambria Math" panose="02040503050406030204" pitchFamily="18" charset="0"/>
+                                  </a:rPr>
+                                  <m:t>𝑨</m:t>
+                                </m:r>
+                                <m:r>
+                                  <a:rPr kumimoji="1" lang="ja-JP" altLang="en-US" b="1" i="1" smtClean="0">
+                                    <a:latin typeface="Cambria Math" panose="02040503050406030204" pitchFamily="18" charset="0"/>
+                                  </a:rPr>
+                                  <m:t>∙</m:t>
+                                </m:r>
+                                <m:acc>
+                                  <m:accPr>
+                                    <m:chr m:val="̅"/>
+                                    <m:ctrlPr>
+                                      <a:rPr kumimoji="1" lang="ja-JP" altLang="en-US" b="1" i="1" smtClean="0">
+                                        <a:latin typeface="Cambria Math" panose="02040503050406030204" pitchFamily="18" charset="0"/>
+                                      </a:rPr>
+                                    </m:ctrlPr>
+                                  </m:accPr>
+                                  <m:e>
+                                    <m:r>
+                                      <a:rPr kumimoji="1" lang="en-US" altLang="ja-JP" b="1" i="1" smtClean="0">
+                                        <a:latin typeface="Cambria Math" panose="02040503050406030204" pitchFamily="18" charset="0"/>
+                                      </a:rPr>
+                                      <m:t>𝑩</m:t>
+                                    </m:r>
+                                  </m:e>
+                                </m:acc>
+                                <m:r>
+                                  <a:rPr kumimoji="1" lang="ja-JP" altLang="en-US" b="1" i="1" smtClean="0">
+                                    <a:latin typeface="Cambria Math" panose="02040503050406030204" pitchFamily="18" charset="0"/>
+                                  </a:rPr>
+                                  <m:t>∙</m:t>
+                                </m:r>
+                                <m:r>
+                                  <a:rPr kumimoji="1" lang="en-US" altLang="ja-JP" b="1" i="1" smtClean="0">
+                                    <a:latin typeface="Cambria Math" panose="02040503050406030204" pitchFamily="18" charset="0"/>
+                                  </a:rPr>
+                                  <m:t>𝑪</m:t>
+                                </m:r>
+                              </m:oMath>
+                            </m:oMathPara>
+                          </a14:m>
+                          <a:endParaRPr kumimoji="1" lang="en-US" altLang="ja-JP" b="1" dirty="0"/>
+                        </a:p>
+                        <a:p>
+                          <a:pPr marL="0" marR="0" lvl="0" indent="0" algn="ctr" defTabSz="914400" rtl="0" eaLnBrk="1" fontAlgn="auto" latinLnBrk="0" hangingPunct="1">
+                            <a:lnSpc>
+                              <a:spcPct val="100000"/>
+                            </a:lnSpc>
+                            <a:spcBef>
+                              <a:spcPts val="0"/>
+                            </a:spcBef>
+                            <a:spcAft>
+                              <a:spcPts val="0"/>
+                            </a:spcAft>
+                            <a:buClrTx/>
+                            <a:buSzTx/>
+                            <a:buFontTx/>
+                            <a:buNone/>
+                            <a:tabLst/>
+                            <a:defRPr/>
+                          </a:pPr>
+                          <a14:m>
+                            <m:oMathPara xmlns:m="http://schemas.openxmlformats.org/officeDocument/2006/math">
+                              <m:oMathParaPr>
+                                <m:jc m:val="centerGroup"/>
+                              </m:oMathParaPr>
+                              <m:oMath xmlns:m="http://schemas.openxmlformats.org/officeDocument/2006/math">
+                                <m:r>
+                                  <a:rPr kumimoji="1" lang="en-US" altLang="ja-JP" b="1" i="1" smtClean="0">
+                                    <a:latin typeface="Cambria Math" panose="02040503050406030204" pitchFamily="18" charset="0"/>
+                                  </a:rPr>
+                                  <m:t>𝑨</m:t>
+                                </m:r>
+                                <m:r>
+                                  <a:rPr kumimoji="1" lang="ja-JP" altLang="en-US" b="1" i="1" smtClean="0">
+                                    <a:latin typeface="Cambria Math" panose="02040503050406030204" pitchFamily="18" charset="0"/>
+                                  </a:rPr>
+                                  <m:t>∙</m:t>
+                                </m:r>
+                                <m:r>
+                                  <a:rPr kumimoji="1" lang="en-US" altLang="ja-JP" b="1" i="1" smtClean="0">
+                                    <a:latin typeface="Cambria Math" panose="02040503050406030204" pitchFamily="18" charset="0"/>
+                                  </a:rPr>
+                                  <m:t>𝑩</m:t>
+                                </m:r>
+                                <m:r>
+                                  <a:rPr kumimoji="1" lang="ja-JP" altLang="en-US" b="1" i="1" smtClean="0">
+                                    <a:latin typeface="Cambria Math" panose="02040503050406030204" pitchFamily="18" charset="0"/>
+                                  </a:rPr>
+                                  <m:t>∙</m:t>
+                                </m:r>
+                                <m:acc>
+                                  <m:accPr>
+                                    <m:chr m:val="̅"/>
+                                    <m:ctrlPr>
+                                      <a:rPr kumimoji="1" lang="ja-JP" altLang="en-US" b="1" i="1" smtClean="0">
+                                        <a:latin typeface="Cambria Math" panose="02040503050406030204" pitchFamily="18" charset="0"/>
+                                      </a:rPr>
+                                    </m:ctrlPr>
+                                  </m:accPr>
+                                  <m:e>
+                                    <m:r>
+                                      <a:rPr kumimoji="1" lang="en-US" altLang="ja-JP" b="1" i="1" smtClean="0">
+                                        <a:latin typeface="Cambria Math" panose="02040503050406030204" pitchFamily="18" charset="0"/>
+                                      </a:rPr>
+                                      <m:t>𝑪</m:t>
+                                    </m:r>
+                                  </m:e>
+                                </m:acc>
+                              </m:oMath>
+                            </m:oMathPara>
+                          </a14:m>
+                          <a:endParaRPr kumimoji="1" lang="ja-JP" altLang="en-US" b="1"/>
+                        </a:p>
+                      </a:txBody>
+                      <a:tcPr anchor="ctr"/>
+                    </a:tc>
+                    <a:tc>
+                      <a:txBody>
+                        <a:bodyPr/>
+                        <a:lstStyle/>
+                        <a:p>
+                          <a:pPr marL="0" marR="0" lvl="0" indent="0" algn="ctr" defTabSz="914400" rtl="0" eaLnBrk="1" fontAlgn="auto" latinLnBrk="0" hangingPunct="1">
+                            <a:lnSpc>
+                              <a:spcPct val="100000"/>
+                            </a:lnSpc>
+                            <a:spcBef>
+                              <a:spcPts val="0"/>
+                            </a:spcBef>
+                            <a:spcAft>
+                              <a:spcPts val="0"/>
+                            </a:spcAft>
+                            <a:buClrTx/>
+                            <a:buSzTx/>
+                            <a:buFontTx/>
+                            <a:buNone/>
+                            <a:tabLst/>
+                            <a:defRPr/>
+                          </a:pPr>
+                          <a:endParaRPr kumimoji="1" lang="en-US" altLang="ja-JP" b="1" dirty="0"/>
+                        </a:p>
+                        <a:p>
+                          <a:pPr marL="0" marR="0" lvl="0" indent="0" algn="ctr" defTabSz="914400" rtl="0" eaLnBrk="1" fontAlgn="auto" latinLnBrk="0" hangingPunct="1">
+                            <a:lnSpc>
+                              <a:spcPct val="100000"/>
+                            </a:lnSpc>
+                            <a:spcBef>
+                              <a:spcPts val="0"/>
+                            </a:spcBef>
+                            <a:spcAft>
+                              <a:spcPts val="0"/>
+                            </a:spcAft>
+                            <a:buClrTx/>
+                            <a:buSzTx/>
+                            <a:buFontTx/>
+                            <a:buNone/>
+                            <a:tabLst/>
+                            <a:defRPr/>
+                          </a:pPr>
+                          <a:r>
+                            <a:rPr kumimoji="1" lang="en-US" altLang="ja-JP" b="1" dirty="0"/>
+                            <a:t>101</a:t>
+                          </a:r>
+                        </a:p>
+                        <a:p>
+                          <a:pPr marL="0" marR="0" lvl="0" indent="0" algn="ctr" defTabSz="914400" rtl="0" eaLnBrk="1" fontAlgn="auto" latinLnBrk="0" hangingPunct="1">
+                            <a:lnSpc>
+                              <a:spcPct val="100000"/>
+                            </a:lnSpc>
+                            <a:spcBef>
+                              <a:spcPts val="0"/>
+                            </a:spcBef>
+                            <a:spcAft>
+                              <a:spcPts val="0"/>
+                            </a:spcAft>
+                            <a:buClrTx/>
+                            <a:buSzTx/>
+                            <a:buFontTx/>
+                            <a:buNone/>
+                            <a:tabLst/>
+                            <a:defRPr/>
+                          </a:pPr>
+                          <a:r>
+                            <a:rPr kumimoji="1" lang="en-US" altLang="ja-JP" b="1" dirty="0"/>
+                            <a:t>110</a:t>
+                          </a:r>
+                          <a:endParaRPr kumimoji="1" lang="ja-JP" altLang="en-US" b="1"/>
+                        </a:p>
+                      </a:txBody>
+                      <a:tcPr anchor="ctr"/>
+                    </a:tc>
+                    <a:tc>
+                      <a:txBody>
+                        <a:bodyPr/>
+                        <a:lstStyle/>
+                        <a:p>
+                          <a:pPr marL="0" marR="0" lvl="0" indent="0" algn="ctr" defTabSz="914400" rtl="0" eaLnBrk="1" fontAlgn="auto" latinLnBrk="0" hangingPunct="1">
+                            <a:lnSpc>
+                              <a:spcPct val="100000"/>
+                            </a:lnSpc>
+                            <a:spcBef>
+                              <a:spcPts val="0"/>
+                            </a:spcBef>
+                            <a:spcAft>
+                              <a:spcPts val="0"/>
+                            </a:spcAft>
+                            <a:buClrTx/>
+                            <a:buSzTx/>
+                            <a:buFontTx/>
+                            <a:buNone/>
+                            <a:tabLst/>
+                            <a:defRPr/>
+                          </a:pPr>
+                          <a:endParaRPr kumimoji="1" lang="en-US" altLang="ja-JP" b="1" dirty="0"/>
+                        </a:p>
+                        <a:p>
+                          <a:pPr marL="0" marR="0" lvl="0" indent="0" algn="ctr" defTabSz="914400" rtl="0" eaLnBrk="1" fontAlgn="auto" latinLnBrk="0" hangingPunct="1">
+                            <a:lnSpc>
+                              <a:spcPct val="100000"/>
+                            </a:lnSpc>
+                            <a:spcBef>
+                              <a:spcPts val="0"/>
+                            </a:spcBef>
+                            <a:spcAft>
+                              <a:spcPts val="0"/>
+                            </a:spcAft>
+                            <a:buClrTx/>
+                            <a:buSzTx/>
+                            <a:buFontTx/>
+                            <a:buNone/>
+                            <a:tabLst/>
+                            <a:defRPr/>
+                          </a:pPr>
+                          <a:r>
+                            <a:rPr kumimoji="1" lang="en-US" altLang="ja-JP" b="1" dirty="0"/>
+                            <a:t>1-1</a:t>
+                          </a:r>
+                        </a:p>
+                        <a:p>
+                          <a:pPr marL="0" marR="0" lvl="0" indent="0" algn="ctr" defTabSz="914400" rtl="0" eaLnBrk="1" fontAlgn="auto" latinLnBrk="0" hangingPunct="1">
+                            <a:lnSpc>
+                              <a:spcPct val="100000"/>
+                            </a:lnSpc>
+                            <a:spcBef>
+                              <a:spcPts val="0"/>
+                            </a:spcBef>
+                            <a:spcAft>
+                              <a:spcPts val="0"/>
+                            </a:spcAft>
+                            <a:buClrTx/>
+                            <a:buSzTx/>
+                            <a:buFontTx/>
+                            <a:buNone/>
+                            <a:tabLst/>
+                            <a:defRPr/>
+                          </a:pPr>
+                          <a:r>
+                            <a:rPr kumimoji="1" lang="en-US" altLang="ja-JP" b="1" dirty="0"/>
+                            <a:t>11-</a:t>
+                          </a:r>
+                          <a:endParaRPr kumimoji="1" lang="ja-JP" altLang="en-US" b="1"/>
+                        </a:p>
+                      </a:txBody>
+                      <a:tcPr anchor="ctr"/>
+                    </a:tc>
+                    <a:tc>
+                      <a:txBody>
+                        <a:bodyPr/>
+                        <a:lstStyle/>
+                        <a:p>
+                          <a:pPr marL="0" marR="0" lvl="0" indent="0" algn="ctr" defTabSz="914400" rtl="0" eaLnBrk="1" fontAlgn="auto" latinLnBrk="0" hangingPunct="1">
+                            <a:lnSpc>
+                              <a:spcPct val="100000"/>
+                            </a:lnSpc>
+                            <a:spcBef>
+                              <a:spcPts val="0"/>
+                            </a:spcBef>
+                            <a:spcAft>
+                              <a:spcPts val="0"/>
+                            </a:spcAft>
+                            <a:buClrTx/>
+                            <a:buSzTx/>
+                            <a:buFontTx/>
+                            <a:buNone/>
+                            <a:tabLst/>
+                            <a:defRPr/>
+                          </a:pPr>
+                          <a:endParaRPr kumimoji="1" lang="ja-JP" altLang="en-US" b="1"/>
+                        </a:p>
+                      </a:txBody>
+                      <a:tcPr anchor="ctr"/>
+                    </a:tc>
+                    <a:extLst>
+                      <a:ext uri="{0D108BD9-81ED-4DB2-BD59-A6C34878D82A}">
+                        <a16:rowId xmlns:a16="http://schemas.microsoft.com/office/drawing/2014/main" val="497217108"/>
+                      </a:ext>
+                    </a:extLst>
+                  </a:tr>
+                  <a:tr h="1192968">
+                    <a:tc>
+                      <a:txBody>
+                        <a:bodyPr/>
+                        <a:lstStyle/>
+                        <a:p>
+                          <a:pPr marL="0" marR="0" lvl="0" indent="0" algn="ctr" defTabSz="914400" rtl="0" eaLnBrk="1" fontAlgn="auto" latinLnBrk="0" hangingPunct="1">
+                            <a:lnSpc>
+                              <a:spcPct val="100000"/>
+                            </a:lnSpc>
+                            <a:spcBef>
+                              <a:spcPts val="0"/>
+                            </a:spcBef>
+                            <a:spcAft>
+                              <a:spcPts val="0"/>
+                            </a:spcAft>
+                            <a:buClrTx/>
+                            <a:buSzTx/>
+                            <a:buFontTx/>
+                            <a:buNone/>
+                            <a:tabLst/>
+                            <a:defRPr/>
+                          </a:pPr>
+                          <a:r>
+                            <a:rPr kumimoji="1" lang="en-US" altLang="ja-JP" b="1" dirty="0"/>
+                            <a:t>1</a:t>
+                          </a:r>
+                          <a:r>
+                            <a:rPr kumimoji="1" lang="ja-JP" altLang="en-US" b="1"/>
+                            <a:t>が</a:t>
+                          </a:r>
+                          <a:r>
+                            <a:rPr kumimoji="1" lang="en-US" altLang="ja-JP" b="1" dirty="0"/>
+                            <a:t>3</a:t>
+                          </a:r>
+                          <a:r>
+                            <a:rPr kumimoji="1" lang="ja-JP" altLang="en-US" b="1"/>
+                            <a:t>つ</a:t>
+                          </a:r>
+                        </a:p>
+                      </a:txBody>
+                      <a:tcPr anchor="ctr">
+                        <a:lnL w="38100" cap="flat" cmpd="sng" algn="ctr">
+                          <a:solidFill>
+                            <a:schemeClr val="bg1"/>
+                          </a:solidFill>
+                          <a:prstDash val="solid"/>
+                          <a:round/>
+                          <a:headEnd type="none" w="med" len="med"/>
+                          <a:tailEnd type="none" w="med" len="med"/>
+                        </a:lnL>
+                      </a:tcPr>
+                    </a:tc>
+                    <a:tc>
+                      <a:txBody>
+                        <a:bodyPr/>
+                        <a:lstStyle/>
+                        <a:p>
+                          <a:pPr marL="0" marR="0" lvl="0" indent="0" algn="ctr" defTabSz="914400" rtl="0" eaLnBrk="1" fontAlgn="auto" latinLnBrk="0" hangingPunct="1">
+                            <a:lnSpc>
+                              <a:spcPct val="100000"/>
+                            </a:lnSpc>
+                            <a:spcBef>
+                              <a:spcPts val="0"/>
+                            </a:spcBef>
+                            <a:spcAft>
+                              <a:spcPts val="0"/>
+                            </a:spcAft>
+                            <a:buClrTx/>
+                            <a:buSzTx/>
+                            <a:buFontTx/>
+                            <a:buNone/>
+                            <a:tabLst/>
+                            <a:defRPr/>
+                          </a:pPr>
+                          <a14:m>
+                            <m:oMathPara xmlns:m="http://schemas.openxmlformats.org/officeDocument/2006/math">
+                              <m:oMathParaPr>
+                                <m:jc m:val="centerGroup"/>
+                              </m:oMathParaPr>
+                              <m:oMath xmlns:m="http://schemas.openxmlformats.org/officeDocument/2006/math">
+                                <m:r>
+                                  <a:rPr kumimoji="1" lang="en-US" altLang="ja-JP" b="1" i="1" smtClean="0">
+                                    <a:latin typeface="Cambria Math" panose="02040503050406030204" pitchFamily="18" charset="0"/>
+                                  </a:rPr>
+                                  <m:t>𝑨</m:t>
+                                </m:r>
+                                <m:r>
+                                  <a:rPr kumimoji="1" lang="ja-JP" altLang="en-US" b="1" i="1" smtClean="0">
+                                    <a:latin typeface="Cambria Math" panose="02040503050406030204" pitchFamily="18" charset="0"/>
+                                  </a:rPr>
+                                  <m:t>∙</m:t>
+                                </m:r>
+                                <m:r>
+                                  <a:rPr kumimoji="1" lang="en-US" altLang="ja-JP" b="1" i="1" smtClean="0">
+                                    <a:latin typeface="Cambria Math" panose="02040503050406030204" pitchFamily="18" charset="0"/>
+                                  </a:rPr>
+                                  <m:t>𝑩</m:t>
+                                </m:r>
+                                <m:r>
+                                  <a:rPr kumimoji="1" lang="ja-JP" altLang="en-US" b="1" i="1" smtClean="0">
+                                    <a:latin typeface="Cambria Math" panose="02040503050406030204" pitchFamily="18" charset="0"/>
+                                  </a:rPr>
+                                  <m:t>∙</m:t>
+                                </m:r>
+                                <m:r>
+                                  <a:rPr kumimoji="1" lang="en-US" altLang="ja-JP" b="1" i="1" smtClean="0">
+                                    <a:latin typeface="Cambria Math" panose="02040503050406030204" pitchFamily="18" charset="0"/>
+                                  </a:rPr>
+                                  <m:t>𝑪</m:t>
+                                </m:r>
+                              </m:oMath>
+                            </m:oMathPara>
+                          </a14:m>
+                          <a:endParaRPr kumimoji="1" lang="ja-JP" altLang="en-US" b="1"/>
+                        </a:p>
+                      </a:txBody>
+                      <a:tcPr anchor="ctr"/>
+                    </a:tc>
+                    <a:tc>
+                      <a:txBody>
+                        <a:bodyPr/>
+                        <a:lstStyle/>
+                        <a:p>
+                          <a:pPr marL="0" marR="0" lvl="0" indent="0" algn="ctr" defTabSz="914400" rtl="0" eaLnBrk="1" fontAlgn="auto" latinLnBrk="0" hangingPunct="1">
+                            <a:lnSpc>
+                              <a:spcPct val="100000"/>
+                            </a:lnSpc>
+                            <a:spcBef>
+                              <a:spcPts val="0"/>
+                            </a:spcBef>
+                            <a:spcAft>
+                              <a:spcPts val="0"/>
+                            </a:spcAft>
+                            <a:buClrTx/>
+                            <a:buSzTx/>
+                            <a:buFontTx/>
+                            <a:buNone/>
+                            <a:tabLst/>
+                            <a:defRPr/>
+                          </a:pPr>
+                          <a:r>
+                            <a:rPr kumimoji="1" lang="en-US" altLang="ja-JP" b="1" dirty="0"/>
+                            <a:t>111</a:t>
+                          </a:r>
+                          <a:endParaRPr kumimoji="1" lang="ja-JP" altLang="en-US" b="1"/>
+                        </a:p>
+                      </a:txBody>
+                      <a:tcPr anchor="ctr"/>
+                    </a:tc>
+                    <a:tc>
+                      <a:txBody>
+                        <a:bodyPr/>
+                        <a:lstStyle/>
+                        <a:p>
+                          <a:pPr marL="0" marR="0" lvl="0" indent="0" algn="ctr" defTabSz="914400" rtl="0" eaLnBrk="1" fontAlgn="auto" latinLnBrk="0" hangingPunct="1">
+                            <a:lnSpc>
+                              <a:spcPct val="100000"/>
+                            </a:lnSpc>
+                            <a:spcBef>
+                              <a:spcPts val="0"/>
+                            </a:spcBef>
+                            <a:spcAft>
+                              <a:spcPts val="0"/>
+                            </a:spcAft>
+                            <a:buClrTx/>
+                            <a:buSzTx/>
+                            <a:buFontTx/>
+                            <a:buNone/>
+                            <a:tabLst/>
+                            <a:defRPr/>
+                          </a:pPr>
+                          <a:endParaRPr kumimoji="1" lang="ja-JP" altLang="en-US" b="1"/>
+                        </a:p>
+                      </a:txBody>
+                      <a:tcPr anchor="ctr"/>
+                    </a:tc>
+                    <a:tc>
+                      <a:txBody>
+                        <a:bodyPr/>
+                        <a:lstStyle/>
+                        <a:p>
+                          <a:pPr marL="0" marR="0" lvl="0" indent="0" algn="ctr" defTabSz="914400" rtl="0" eaLnBrk="1" fontAlgn="auto" latinLnBrk="0" hangingPunct="1">
+                            <a:lnSpc>
+                              <a:spcPct val="100000"/>
+                            </a:lnSpc>
+                            <a:spcBef>
+                              <a:spcPts val="0"/>
+                            </a:spcBef>
+                            <a:spcAft>
+                              <a:spcPts val="0"/>
+                            </a:spcAft>
+                            <a:buClrTx/>
+                            <a:buSzTx/>
+                            <a:buFontTx/>
+                            <a:buNone/>
+                            <a:tabLst/>
+                            <a:defRPr/>
+                          </a:pPr>
+                          <a:endParaRPr kumimoji="1" lang="ja-JP" altLang="en-US" b="1"/>
+                        </a:p>
+                      </a:txBody>
+                      <a:tcPr anchor="ctr"/>
+                    </a:tc>
+                    <a:extLst>
+                      <a:ext uri="{0D108BD9-81ED-4DB2-BD59-A6C34878D82A}">
+                        <a16:rowId xmlns:a16="http://schemas.microsoft.com/office/drawing/2014/main" val="1605274719"/>
+                      </a:ext>
+                    </a:extLst>
+                  </a:tr>
+                </a:tbl>
+              </a:graphicData>
+            </a:graphic>
+          </p:graphicFrame>
+        </mc:Choice>
+        <mc:Fallback>
+          <p:graphicFrame>
+            <p:nvGraphicFramePr>
+              <p:cNvPr id="5" name="表 4">
+                <a:extLst>
+                  <a:ext uri="{FF2B5EF4-FFF2-40B4-BE49-F238E27FC236}">
+                    <a16:creationId xmlns:a16="http://schemas.microsoft.com/office/drawing/2014/main" id="{ACF95DF5-7211-4213-9ABB-5A64E9E1F627}"/>
+                  </a:ext>
+                </a:extLst>
+              </p:cNvPr>
+              <p:cNvGraphicFramePr>
+                <a:graphicFrameLocks noGrp="1"/>
+              </p:cNvGraphicFramePr>
+              <p:nvPr>
+                <p:extLst>
+                  <p:ext uri="{D42A27DB-BD31-4B8C-83A1-F6EECF244321}">
+                    <p14:modId xmlns:p14="http://schemas.microsoft.com/office/powerpoint/2010/main" val="2279583909"/>
+                  </p:ext>
+                </p:extLst>
+              </p:nvPr>
+            </p:nvGraphicFramePr>
+            <p:xfrm>
+              <a:off x="4249684" y="525772"/>
+              <a:ext cx="7238125" cy="4179727"/>
+            </p:xfrm>
+            <a:graphic>
+              <a:graphicData uri="http://schemas.openxmlformats.org/drawingml/2006/table">
+                <a:tbl>
+                  <a:tblPr firstRow="1" bandRow="1">
+                    <a:tableStyleId>{5C22544A-7EE6-4342-B048-85BDC9FD1C3A}</a:tableStyleId>
+                  </a:tblPr>
+                  <a:tblGrid>
+                    <a:gridCol w="1447625">
+                      <a:extLst>
+                        <a:ext uri="{9D8B030D-6E8A-4147-A177-3AD203B41FA5}">
+                          <a16:colId xmlns:a16="http://schemas.microsoft.com/office/drawing/2014/main" val="1865095150"/>
+                        </a:ext>
+                      </a:extLst>
+                    </a:gridCol>
+                    <a:gridCol w="1447625">
+                      <a:extLst>
+                        <a:ext uri="{9D8B030D-6E8A-4147-A177-3AD203B41FA5}">
+                          <a16:colId xmlns:a16="http://schemas.microsoft.com/office/drawing/2014/main" val="1372891102"/>
+                        </a:ext>
+                      </a:extLst>
+                    </a:gridCol>
+                    <a:gridCol w="1447625">
+                      <a:extLst>
+                        <a:ext uri="{9D8B030D-6E8A-4147-A177-3AD203B41FA5}">
+                          <a16:colId xmlns:a16="http://schemas.microsoft.com/office/drawing/2014/main" val="1720492644"/>
+                        </a:ext>
+                      </a:extLst>
+                    </a:gridCol>
+                    <a:gridCol w="1447625">
+                      <a:extLst>
+                        <a:ext uri="{9D8B030D-6E8A-4147-A177-3AD203B41FA5}">
+                          <a16:colId xmlns:a16="http://schemas.microsoft.com/office/drawing/2014/main" val="1429596059"/>
+                        </a:ext>
+                      </a:extLst>
+                    </a:gridCol>
+                    <a:gridCol w="1447625">
+                      <a:extLst>
+                        <a:ext uri="{9D8B030D-6E8A-4147-A177-3AD203B41FA5}">
+                          <a16:colId xmlns:a16="http://schemas.microsoft.com/office/drawing/2014/main" val="327818860"/>
+                        </a:ext>
+                      </a:extLst>
+                    </a:gridCol>
+                  </a:tblGrid>
+                  <a:tr h="600823">
+                    <a:tc>
+                      <a:txBody>
+                        <a:bodyPr/>
+                        <a:lstStyle/>
+                        <a:p>
+                          <a:pPr algn="ctr"/>
+                          <a:r>
+                            <a:rPr kumimoji="1" lang="ja-JP" altLang="en-US"/>
+                            <a:t>グループ</a:t>
+                          </a:r>
+                        </a:p>
+                      </a:txBody>
+                      <a:tcPr anchor="ctr">
+                        <a:lnL w="38100" cap="flat" cmpd="sng" algn="ctr">
+                          <a:solidFill>
+                            <a:schemeClr val="bg1"/>
+                          </a:solidFill>
+                          <a:prstDash val="solid"/>
+                          <a:round/>
+                          <a:headEnd type="none" w="med" len="med"/>
+                          <a:tailEnd type="none" w="med" len="med"/>
+                        </a:lnL>
+                      </a:tcPr>
+                    </a:tc>
+                    <a:tc>
+                      <a:txBody>
+                        <a:bodyPr/>
+                        <a:lstStyle/>
+                        <a:p>
+                          <a:pPr algn="ctr"/>
+                          <a:r>
+                            <a:rPr kumimoji="1" lang="ja-JP" altLang="en-US"/>
+                            <a:t>最小項</a:t>
+                          </a:r>
+                        </a:p>
+                      </a:txBody>
+                      <a:tcPr anchor="ctr"/>
+                    </a:tc>
+                    <a:tc>
+                      <a:txBody>
+                        <a:bodyPr/>
+                        <a:lstStyle/>
+                        <a:p>
+                          <a:pPr algn="ctr"/>
+                          <a:r>
+                            <a:rPr kumimoji="1" lang="en-US" altLang="ja-JP" dirty="0"/>
+                            <a:t>2</a:t>
+                          </a:r>
+                          <a:r>
+                            <a:rPr kumimoji="1" lang="ja-JP" altLang="en-US"/>
+                            <a:t>進数表示</a:t>
+                          </a:r>
+                        </a:p>
+                      </a:txBody>
+                      <a:tcPr anchor="ctr"/>
+                    </a:tc>
+                    <a:tc>
+                      <a:txBody>
+                        <a:bodyPr/>
+                        <a:lstStyle/>
+                        <a:p>
+                          <a:pPr algn="ctr"/>
+                          <a:endParaRPr kumimoji="1" lang="ja-JP" altLang="en-US"/>
+                        </a:p>
+                      </a:txBody>
+                      <a:tcPr anchor="ctr"/>
+                    </a:tc>
+                    <a:tc>
+                      <a:txBody>
+                        <a:bodyPr/>
+                        <a:lstStyle/>
+                        <a:p>
+                          <a:pPr algn="ctr"/>
+                          <a:endParaRPr kumimoji="1" lang="ja-JP" altLang="en-US"/>
+                        </a:p>
+                      </a:txBody>
+                      <a:tcPr anchor="ctr"/>
+                    </a:tc>
+                    <a:extLst>
+                      <a:ext uri="{0D108BD9-81ED-4DB2-BD59-A6C34878D82A}">
+                        <a16:rowId xmlns:a16="http://schemas.microsoft.com/office/drawing/2014/main" val="3253329725"/>
+                      </a:ext>
+                    </a:extLst>
+                  </a:tr>
+                  <a:tr h="1192968">
+                    <a:tc>
+                      <a:txBody>
+                        <a:bodyPr/>
+                        <a:lstStyle/>
+                        <a:p>
+                          <a:pPr algn="ctr"/>
+                          <a:r>
+                            <a:rPr kumimoji="1" lang="en-US" altLang="ja-JP" b="1" dirty="0"/>
+                            <a:t>1</a:t>
+                          </a:r>
+                          <a:r>
+                            <a:rPr kumimoji="1" lang="ja-JP" altLang="en-US" b="1"/>
+                            <a:t>が</a:t>
+                          </a:r>
+                          <a:r>
+                            <a:rPr kumimoji="1" lang="en-US" altLang="ja-JP" b="1" dirty="0"/>
+                            <a:t>1</a:t>
+                          </a:r>
+                          <a:r>
+                            <a:rPr kumimoji="1" lang="ja-JP" altLang="en-US" b="1"/>
+                            <a:t>つ</a:t>
+                          </a:r>
+                        </a:p>
+                      </a:txBody>
+                      <a:tcPr anchor="ctr">
+                        <a:lnL w="38100" cap="flat" cmpd="sng" algn="ctr">
+                          <a:solidFill>
+                            <a:schemeClr val="bg1"/>
+                          </a:solidFill>
+                          <a:prstDash val="solid"/>
+                          <a:round/>
+                          <a:headEnd type="none" w="med" len="med"/>
+                          <a:tailEnd type="none" w="med" len="med"/>
+                        </a:lnL>
+                      </a:tcPr>
+                    </a:tc>
+                    <a:tc>
+                      <a:txBody>
+                        <a:bodyPr/>
+                        <a:lstStyle/>
+                        <a:p>
+                          <a:endParaRPr lang="ja-JP"/>
+                        </a:p>
+                      </a:txBody>
+                      <a:tcPr anchor="ctr">
+                        <a:blipFill>
+                          <a:blip r:embed="rId2"/>
+                          <a:stretch>
+                            <a:fillRect l="-100877" t="-50526" r="-302632" b="-200000"/>
+                          </a:stretch>
+                        </a:blipFill>
+                      </a:tcPr>
+                    </a:tc>
+                    <a:tc>
+                      <a:txBody>
+                        <a:bodyPr/>
+                        <a:lstStyle/>
+                        <a:p>
+                          <a:pPr marL="0" marR="0" lvl="0" indent="0" algn="ctr" defTabSz="914400" rtl="0" eaLnBrk="1" fontAlgn="auto" latinLnBrk="0" hangingPunct="1">
+                            <a:lnSpc>
+                              <a:spcPct val="100000"/>
+                            </a:lnSpc>
+                            <a:spcBef>
+                              <a:spcPts val="0"/>
+                            </a:spcBef>
+                            <a:spcAft>
+                              <a:spcPts val="0"/>
+                            </a:spcAft>
+                            <a:buClrTx/>
+                            <a:buSzTx/>
+                            <a:buFontTx/>
+                            <a:buNone/>
+                            <a:tabLst/>
+                            <a:defRPr/>
+                          </a:pPr>
+                          <a:r>
+                            <a:rPr kumimoji="1" lang="en-US" altLang="ja-JP" b="1" dirty="0"/>
+                            <a:t>010</a:t>
+                          </a:r>
+                        </a:p>
+                        <a:p>
+                          <a:pPr marL="0" marR="0" lvl="0" indent="0" algn="ctr" defTabSz="914400" rtl="0" eaLnBrk="1" fontAlgn="auto" latinLnBrk="0" hangingPunct="1">
+                            <a:lnSpc>
+                              <a:spcPct val="100000"/>
+                            </a:lnSpc>
+                            <a:spcBef>
+                              <a:spcPts val="0"/>
+                            </a:spcBef>
+                            <a:spcAft>
+                              <a:spcPts val="0"/>
+                            </a:spcAft>
+                            <a:buClrTx/>
+                            <a:buSzTx/>
+                            <a:buFontTx/>
+                            <a:buNone/>
+                            <a:tabLst/>
+                            <a:defRPr/>
+                          </a:pPr>
+                          <a:r>
+                            <a:rPr kumimoji="1" lang="en-US" altLang="ja-JP" b="1" dirty="0">
+                              <a:solidFill>
+                                <a:srgbClr val="FF0000"/>
+                              </a:solidFill>
+                            </a:rPr>
+                            <a:t>100</a:t>
+                          </a:r>
+                          <a:endParaRPr kumimoji="1" lang="ja-JP" altLang="en-US" b="1">
+                            <a:solidFill>
+                              <a:srgbClr val="FF0000"/>
+                            </a:solidFill>
+                          </a:endParaRPr>
+                        </a:p>
+                      </a:txBody>
+                      <a:tcPr anchor="ctr"/>
+                    </a:tc>
+                    <a:tc>
+                      <a:txBody>
+                        <a:bodyPr/>
+                        <a:lstStyle/>
+                        <a:p>
+                          <a:pPr marL="0" marR="0" lvl="0" indent="0" algn="ctr" defTabSz="914400" rtl="0" eaLnBrk="1" fontAlgn="auto" latinLnBrk="0" hangingPunct="1">
+                            <a:lnSpc>
+                              <a:spcPct val="100000"/>
+                            </a:lnSpc>
+                            <a:spcBef>
+                              <a:spcPts val="0"/>
+                            </a:spcBef>
+                            <a:spcAft>
+                              <a:spcPts val="0"/>
+                            </a:spcAft>
+                            <a:buClrTx/>
+                            <a:buSzTx/>
+                            <a:buFontTx/>
+                            <a:buNone/>
+                            <a:tabLst/>
+                            <a:defRPr/>
+                          </a:pPr>
+                          <a:endParaRPr kumimoji="1" lang="en-US" altLang="ja-JP" b="1" dirty="0"/>
+                        </a:p>
+                        <a:p>
+                          <a:pPr marL="0" marR="0" lvl="0" indent="0" algn="ctr" defTabSz="914400" rtl="0" eaLnBrk="1" fontAlgn="auto" latinLnBrk="0" hangingPunct="1">
+                            <a:lnSpc>
+                              <a:spcPct val="100000"/>
+                            </a:lnSpc>
+                            <a:spcBef>
+                              <a:spcPts val="0"/>
+                            </a:spcBef>
+                            <a:spcAft>
+                              <a:spcPts val="0"/>
+                            </a:spcAft>
+                            <a:buClrTx/>
+                            <a:buSzTx/>
+                            <a:buFontTx/>
+                            <a:buNone/>
+                            <a:tabLst/>
+                            <a:defRPr/>
+                          </a:pPr>
+                          <a:r>
+                            <a:rPr kumimoji="1" lang="en-US" altLang="ja-JP" b="1" dirty="0">
+                              <a:highlight>
+                                <a:srgbClr val="FFFF00"/>
+                              </a:highlight>
+                            </a:rPr>
+                            <a:t>-10</a:t>
+                          </a:r>
+                        </a:p>
+                        <a:p>
+                          <a:pPr marL="0" marR="0" lvl="0" indent="0" algn="ctr" defTabSz="914400" rtl="0" eaLnBrk="1" fontAlgn="auto" latinLnBrk="0" hangingPunct="1">
+                            <a:lnSpc>
+                              <a:spcPct val="100000"/>
+                            </a:lnSpc>
+                            <a:spcBef>
+                              <a:spcPts val="0"/>
+                            </a:spcBef>
+                            <a:spcAft>
+                              <a:spcPts val="0"/>
+                            </a:spcAft>
+                            <a:buClrTx/>
+                            <a:buSzTx/>
+                            <a:buFontTx/>
+                            <a:buNone/>
+                            <a:tabLst/>
+                            <a:defRPr/>
+                          </a:pPr>
+                          <a:r>
+                            <a:rPr kumimoji="1" lang="en-US" altLang="ja-JP" b="1" dirty="0">
+                              <a:solidFill>
+                                <a:schemeClr val="tx1"/>
+                              </a:solidFill>
+                            </a:rPr>
+                            <a:t>10-</a:t>
+                          </a:r>
+                        </a:p>
+                        <a:p>
+                          <a:pPr marL="0" marR="0" lvl="0" indent="0" algn="ctr" defTabSz="914400" rtl="0" eaLnBrk="1" fontAlgn="auto" latinLnBrk="0" hangingPunct="1">
+                            <a:lnSpc>
+                              <a:spcPct val="100000"/>
+                            </a:lnSpc>
+                            <a:spcBef>
+                              <a:spcPts val="0"/>
+                            </a:spcBef>
+                            <a:spcAft>
+                              <a:spcPts val="0"/>
+                            </a:spcAft>
+                            <a:buClrTx/>
+                            <a:buSzTx/>
+                            <a:buFontTx/>
+                            <a:buNone/>
+                            <a:tabLst/>
+                            <a:defRPr/>
+                          </a:pPr>
+                          <a:r>
+                            <a:rPr kumimoji="1" lang="en-US" altLang="ja-JP" b="1" dirty="0">
+                              <a:solidFill>
+                                <a:schemeClr val="tx1"/>
+                              </a:solidFill>
+                            </a:rPr>
+                            <a:t>1-0</a:t>
+                          </a:r>
+                          <a:endParaRPr kumimoji="1" lang="ja-JP" altLang="en-US" b="1">
+                            <a:solidFill>
+                              <a:schemeClr val="tx1"/>
+                            </a:solidFill>
+                          </a:endParaRPr>
+                        </a:p>
+                      </a:txBody>
+                      <a:tcPr anchor="ctr"/>
+                    </a:tc>
+                    <a:tc>
+                      <a:txBody>
+                        <a:bodyPr/>
+                        <a:lstStyle/>
+                        <a:p>
+                          <a:pPr marL="0" marR="0" lvl="0" indent="0" algn="ctr" defTabSz="914400" rtl="0" eaLnBrk="1" fontAlgn="auto" latinLnBrk="0" hangingPunct="1">
+                            <a:lnSpc>
+                              <a:spcPct val="100000"/>
+                            </a:lnSpc>
+                            <a:spcBef>
+                              <a:spcPts val="0"/>
+                            </a:spcBef>
+                            <a:spcAft>
+                              <a:spcPts val="0"/>
+                            </a:spcAft>
+                            <a:buClrTx/>
+                            <a:buSzTx/>
+                            <a:buFontTx/>
+                            <a:buNone/>
+                            <a:tabLst/>
+                            <a:defRPr/>
+                          </a:pPr>
+                          <a:endParaRPr kumimoji="1" lang="en-US" altLang="ja-JP" b="1" dirty="0">
+                            <a:highlight>
+                              <a:srgbClr val="FFFF00"/>
+                            </a:highlight>
+                          </a:endParaRPr>
+                        </a:p>
+                        <a:p>
+                          <a:pPr marL="0" marR="0" lvl="0" indent="0" algn="ctr" defTabSz="914400" rtl="0" eaLnBrk="1" fontAlgn="auto" latinLnBrk="0" hangingPunct="1">
+                            <a:lnSpc>
+                              <a:spcPct val="100000"/>
+                            </a:lnSpc>
+                            <a:spcBef>
+                              <a:spcPts val="0"/>
+                            </a:spcBef>
+                            <a:spcAft>
+                              <a:spcPts val="0"/>
+                            </a:spcAft>
+                            <a:buClrTx/>
+                            <a:buSzTx/>
+                            <a:buFontTx/>
+                            <a:buNone/>
+                            <a:tabLst/>
+                            <a:defRPr/>
+                          </a:pPr>
+                          <a:endParaRPr kumimoji="1" lang="en-US" altLang="ja-JP" b="1" dirty="0">
+                            <a:highlight>
+                              <a:srgbClr val="FFFF00"/>
+                            </a:highlight>
+                          </a:endParaRPr>
+                        </a:p>
+                        <a:p>
+                          <a:pPr marL="0" marR="0" lvl="0" indent="0" algn="ctr" defTabSz="914400" rtl="0" eaLnBrk="1" fontAlgn="auto" latinLnBrk="0" hangingPunct="1">
+                            <a:lnSpc>
+                              <a:spcPct val="100000"/>
+                            </a:lnSpc>
+                            <a:spcBef>
+                              <a:spcPts val="0"/>
+                            </a:spcBef>
+                            <a:spcAft>
+                              <a:spcPts val="0"/>
+                            </a:spcAft>
+                            <a:buClrTx/>
+                            <a:buSzTx/>
+                            <a:buFontTx/>
+                            <a:buNone/>
+                            <a:tabLst/>
+                            <a:defRPr/>
+                          </a:pPr>
+                          <a:r>
+                            <a:rPr kumimoji="1" lang="en-US" altLang="ja-JP" b="1" dirty="0">
+                              <a:solidFill>
+                                <a:schemeClr val="tx1"/>
+                              </a:solidFill>
+                              <a:highlight>
+                                <a:srgbClr val="FFFF00"/>
+                              </a:highlight>
+                            </a:rPr>
+                            <a:t>1--</a:t>
+                          </a:r>
+                        </a:p>
+                        <a:p>
+                          <a:pPr marL="0" marR="0" lvl="0" indent="0" algn="ctr" defTabSz="914400" rtl="0" eaLnBrk="1" fontAlgn="auto" latinLnBrk="0" hangingPunct="1">
+                            <a:lnSpc>
+                              <a:spcPct val="100000"/>
+                            </a:lnSpc>
+                            <a:spcBef>
+                              <a:spcPts val="0"/>
+                            </a:spcBef>
+                            <a:spcAft>
+                              <a:spcPts val="0"/>
+                            </a:spcAft>
+                            <a:buClrTx/>
+                            <a:buSzTx/>
+                            <a:buFontTx/>
+                            <a:buNone/>
+                            <a:tabLst/>
+                            <a:defRPr/>
+                          </a:pPr>
+                          <a:r>
+                            <a:rPr kumimoji="1" lang="en-US" altLang="ja-JP" b="1" dirty="0">
+                              <a:solidFill>
+                                <a:schemeClr val="tx1"/>
+                              </a:solidFill>
+                              <a:highlight>
+                                <a:srgbClr val="FFFF00"/>
+                              </a:highlight>
+                            </a:rPr>
+                            <a:t>1--</a:t>
+                          </a:r>
+                          <a:endParaRPr kumimoji="1" lang="ja-JP" altLang="en-US" b="1">
+                            <a:solidFill>
+                              <a:schemeClr val="tx1"/>
+                            </a:solidFill>
+                            <a:highlight>
+                              <a:srgbClr val="FFFF00"/>
+                            </a:highlight>
+                          </a:endParaRPr>
+                        </a:p>
+                      </a:txBody>
+                      <a:tcPr anchor="ctr"/>
+                    </a:tc>
+                    <a:extLst>
+                      <a:ext uri="{0D108BD9-81ED-4DB2-BD59-A6C34878D82A}">
+                        <a16:rowId xmlns:a16="http://schemas.microsoft.com/office/drawing/2014/main" val="2156847811"/>
+                      </a:ext>
+                    </a:extLst>
+                  </a:tr>
+                  <a:tr h="1192968">
+                    <a:tc>
+                      <a:txBody>
+                        <a:bodyPr/>
+                        <a:lstStyle/>
+                        <a:p>
+                          <a:pPr algn="ctr"/>
+                          <a:r>
+                            <a:rPr kumimoji="1" lang="en-US" altLang="ja-JP" b="1" dirty="0"/>
+                            <a:t>1</a:t>
+                          </a:r>
+                          <a:r>
+                            <a:rPr kumimoji="1" lang="ja-JP" altLang="en-US" b="1"/>
+                            <a:t>が</a:t>
+                          </a:r>
+                          <a:r>
+                            <a:rPr kumimoji="1" lang="en-US" altLang="ja-JP" b="1" dirty="0"/>
+                            <a:t>2</a:t>
+                          </a:r>
+                          <a:r>
+                            <a:rPr kumimoji="1" lang="ja-JP" altLang="en-US" b="1"/>
+                            <a:t>つ</a:t>
+                          </a:r>
+                        </a:p>
+                      </a:txBody>
+                      <a:tcPr anchor="ctr">
+                        <a:lnL w="38100" cap="flat" cmpd="sng" algn="ctr">
+                          <a:solidFill>
+                            <a:schemeClr val="bg1"/>
+                          </a:solidFill>
+                          <a:prstDash val="solid"/>
+                          <a:round/>
+                          <a:headEnd type="none" w="med" len="med"/>
+                          <a:tailEnd type="none" w="med" len="med"/>
+                        </a:lnL>
+                      </a:tcPr>
+                    </a:tc>
+                    <a:tc>
+                      <a:txBody>
+                        <a:bodyPr/>
+                        <a:lstStyle/>
+                        <a:p>
+                          <a:endParaRPr lang="ja-JP"/>
+                        </a:p>
+                      </a:txBody>
+                      <a:tcPr anchor="ctr">
+                        <a:blipFill>
+                          <a:blip r:embed="rId2"/>
+                          <a:stretch>
+                            <a:fillRect l="-100877" t="-152128" r="-302632" b="-102128"/>
+                          </a:stretch>
+                        </a:blipFill>
+                      </a:tcPr>
+                    </a:tc>
+                    <a:tc>
+                      <a:txBody>
+                        <a:bodyPr/>
+                        <a:lstStyle/>
+                        <a:p>
+                          <a:pPr marL="0" marR="0" lvl="0" indent="0" algn="ctr" defTabSz="914400" rtl="0" eaLnBrk="1" fontAlgn="auto" latinLnBrk="0" hangingPunct="1">
+                            <a:lnSpc>
+                              <a:spcPct val="100000"/>
+                            </a:lnSpc>
+                            <a:spcBef>
+                              <a:spcPts val="0"/>
+                            </a:spcBef>
+                            <a:spcAft>
+                              <a:spcPts val="0"/>
+                            </a:spcAft>
+                            <a:buClrTx/>
+                            <a:buSzTx/>
+                            <a:buFontTx/>
+                            <a:buNone/>
+                            <a:tabLst/>
+                            <a:defRPr/>
+                          </a:pPr>
+                          <a:endParaRPr kumimoji="1" lang="en-US" altLang="ja-JP" b="1" dirty="0"/>
+                        </a:p>
+                        <a:p>
+                          <a:pPr marL="0" marR="0" lvl="0" indent="0" algn="ctr" defTabSz="914400" rtl="0" eaLnBrk="1" fontAlgn="auto" latinLnBrk="0" hangingPunct="1">
+                            <a:lnSpc>
+                              <a:spcPct val="100000"/>
+                            </a:lnSpc>
+                            <a:spcBef>
+                              <a:spcPts val="0"/>
+                            </a:spcBef>
+                            <a:spcAft>
+                              <a:spcPts val="0"/>
+                            </a:spcAft>
+                            <a:buClrTx/>
+                            <a:buSzTx/>
+                            <a:buFontTx/>
+                            <a:buNone/>
+                            <a:tabLst/>
+                            <a:defRPr/>
+                          </a:pPr>
+                          <a:r>
+                            <a:rPr kumimoji="1" lang="en-US" altLang="ja-JP" b="1" dirty="0"/>
+                            <a:t>101</a:t>
+                          </a:r>
+                        </a:p>
+                        <a:p>
+                          <a:pPr marL="0" marR="0" lvl="0" indent="0" algn="ctr" defTabSz="914400" rtl="0" eaLnBrk="1" fontAlgn="auto" latinLnBrk="0" hangingPunct="1">
+                            <a:lnSpc>
+                              <a:spcPct val="100000"/>
+                            </a:lnSpc>
+                            <a:spcBef>
+                              <a:spcPts val="0"/>
+                            </a:spcBef>
+                            <a:spcAft>
+                              <a:spcPts val="0"/>
+                            </a:spcAft>
+                            <a:buClrTx/>
+                            <a:buSzTx/>
+                            <a:buFontTx/>
+                            <a:buNone/>
+                            <a:tabLst/>
+                            <a:defRPr/>
+                          </a:pPr>
+                          <a:r>
+                            <a:rPr kumimoji="1" lang="en-US" altLang="ja-JP" b="1" dirty="0"/>
+                            <a:t>110</a:t>
+                          </a:r>
+                          <a:endParaRPr kumimoji="1" lang="ja-JP" altLang="en-US" b="1"/>
+                        </a:p>
+                      </a:txBody>
+                      <a:tcPr anchor="ctr"/>
+                    </a:tc>
+                    <a:tc>
+                      <a:txBody>
+                        <a:bodyPr/>
+                        <a:lstStyle/>
+                        <a:p>
+                          <a:pPr marL="0" marR="0" lvl="0" indent="0" algn="ctr" defTabSz="914400" rtl="0" eaLnBrk="1" fontAlgn="auto" latinLnBrk="0" hangingPunct="1">
+                            <a:lnSpc>
+                              <a:spcPct val="100000"/>
+                            </a:lnSpc>
+                            <a:spcBef>
+                              <a:spcPts val="0"/>
+                            </a:spcBef>
+                            <a:spcAft>
+                              <a:spcPts val="0"/>
+                            </a:spcAft>
+                            <a:buClrTx/>
+                            <a:buSzTx/>
+                            <a:buFontTx/>
+                            <a:buNone/>
+                            <a:tabLst/>
+                            <a:defRPr/>
+                          </a:pPr>
+                          <a:endParaRPr kumimoji="1" lang="en-US" altLang="ja-JP" b="1" dirty="0"/>
+                        </a:p>
+                        <a:p>
+                          <a:pPr marL="0" marR="0" lvl="0" indent="0" algn="ctr" defTabSz="914400" rtl="0" eaLnBrk="1" fontAlgn="auto" latinLnBrk="0" hangingPunct="1">
+                            <a:lnSpc>
+                              <a:spcPct val="100000"/>
+                            </a:lnSpc>
+                            <a:spcBef>
+                              <a:spcPts val="0"/>
+                            </a:spcBef>
+                            <a:spcAft>
+                              <a:spcPts val="0"/>
+                            </a:spcAft>
+                            <a:buClrTx/>
+                            <a:buSzTx/>
+                            <a:buFontTx/>
+                            <a:buNone/>
+                            <a:tabLst/>
+                            <a:defRPr/>
+                          </a:pPr>
+                          <a:r>
+                            <a:rPr kumimoji="1" lang="en-US" altLang="ja-JP" b="1" dirty="0"/>
+                            <a:t>1-1</a:t>
+                          </a:r>
+                        </a:p>
+                        <a:p>
+                          <a:pPr marL="0" marR="0" lvl="0" indent="0" algn="ctr" defTabSz="914400" rtl="0" eaLnBrk="1" fontAlgn="auto" latinLnBrk="0" hangingPunct="1">
+                            <a:lnSpc>
+                              <a:spcPct val="100000"/>
+                            </a:lnSpc>
+                            <a:spcBef>
+                              <a:spcPts val="0"/>
+                            </a:spcBef>
+                            <a:spcAft>
+                              <a:spcPts val="0"/>
+                            </a:spcAft>
+                            <a:buClrTx/>
+                            <a:buSzTx/>
+                            <a:buFontTx/>
+                            <a:buNone/>
+                            <a:tabLst/>
+                            <a:defRPr/>
+                          </a:pPr>
+                          <a:r>
+                            <a:rPr kumimoji="1" lang="en-US" altLang="ja-JP" b="1" dirty="0"/>
+                            <a:t>11-</a:t>
+                          </a:r>
+                          <a:endParaRPr kumimoji="1" lang="ja-JP" altLang="en-US" b="1"/>
+                        </a:p>
+                      </a:txBody>
+                      <a:tcPr anchor="ctr"/>
+                    </a:tc>
+                    <a:tc>
+                      <a:txBody>
+                        <a:bodyPr/>
+                        <a:lstStyle/>
+                        <a:p>
+                          <a:pPr marL="0" marR="0" lvl="0" indent="0" algn="ctr" defTabSz="914400" rtl="0" eaLnBrk="1" fontAlgn="auto" latinLnBrk="0" hangingPunct="1">
+                            <a:lnSpc>
+                              <a:spcPct val="100000"/>
+                            </a:lnSpc>
+                            <a:spcBef>
+                              <a:spcPts val="0"/>
+                            </a:spcBef>
+                            <a:spcAft>
+                              <a:spcPts val="0"/>
+                            </a:spcAft>
+                            <a:buClrTx/>
+                            <a:buSzTx/>
+                            <a:buFontTx/>
+                            <a:buNone/>
+                            <a:tabLst/>
+                            <a:defRPr/>
+                          </a:pPr>
+                          <a:endParaRPr kumimoji="1" lang="ja-JP" altLang="en-US" b="1"/>
+                        </a:p>
+                      </a:txBody>
+                      <a:tcPr anchor="ctr"/>
+                    </a:tc>
+                    <a:extLst>
+                      <a:ext uri="{0D108BD9-81ED-4DB2-BD59-A6C34878D82A}">
+                        <a16:rowId xmlns:a16="http://schemas.microsoft.com/office/drawing/2014/main" val="497217108"/>
+                      </a:ext>
+                    </a:extLst>
+                  </a:tr>
+                  <a:tr h="1192968">
+                    <a:tc>
+                      <a:txBody>
+                        <a:bodyPr/>
+                        <a:lstStyle/>
+                        <a:p>
+                          <a:pPr marL="0" marR="0" lvl="0" indent="0" algn="ctr" defTabSz="914400" rtl="0" eaLnBrk="1" fontAlgn="auto" latinLnBrk="0" hangingPunct="1">
+                            <a:lnSpc>
+                              <a:spcPct val="100000"/>
+                            </a:lnSpc>
+                            <a:spcBef>
+                              <a:spcPts val="0"/>
+                            </a:spcBef>
+                            <a:spcAft>
+                              <a:spcPts val="0"/>
+                            </a:spcAft>
+                            <a:buClrTx/>
+                            <a:buSzTx/>
+                            <a:buFontTx/>
+                            <a:buNone/>
+                            <a:tabLst/>
+                            <a:defRPr/>
+                          </a:pPr>
+                          <a:r>
+                            <a:rPr kumimoji="1" lang="en-US" altLang="ja-JP" b="1" dirty="0"/>
+                            <a:t>1</a:t>
+                          </a:r>
+                          <a:r>
+                            <a:rPr kumimoji="1" lang="ja-JP" altLang="en-US" b="1"/>
+                            <a:t>が</a:t>
+                          </a:r>
+                          <a:r>
+                            <a:rPr kumimoji="1" lang="en-US" altLang="ja-JP" b="1" dirty="0"/>
+                            <a:t>3</a:t>
+                          </a:r>
+                          <a:r>
+                            <a:rPr kumimoji="1" lang="ja-JP" altLang="en-US" b="1"/>
+                            <a:t>つ</a:t>
+                          </a:r>
+                        </a:p>
+                      </a:txBody>
+                      <a:tcPr anchor="ctr">
+                        <a:lnL w="38100" cap="flat" cmpd="sng" algn="ctr">
+                          <a:solidFill>
+                            <a:schemeClr val="bg1"/>
+                          </a:solidFill>
+                          <a:prstDash val="solid"/>
+                          <a:round/>
+                          <a:headEnd type="none" w="med" len="med"/>
+                          <a:tailEnd type="none" w="med" len="med"/>
+                        </a:lnL>
+                      </a:tcPr>
+                    </a:tc>
+                    <a:tc>
+                      <a:txBody>
+                        <a:bodyPr/>
+                        <a:lstStyle/>
+                        <a:p>
+                          <a:endParaRPr lang="ja-JP"/>
+                        </a:p>
+                      </a:txBody>
+                      <a:tcPr anchor="ctr">
+                        <a:blipFill>
+                          <a:blip r:embed="rId2"/>
+                          <a:stretch>
+                            <a:fillRect l="-100877" t="-252128" r="-302632" b="-2128"/>
+                          </a:stretch>
+                        </a:blipFill>
+                      </a:tcPr>
+                    </a:tc>
+                    <a:tc>
+                      <a:txBody>
+                        <a:bodyPr/>
+                        <a:lstStyle/>
+                        <a:p>
+                          <a:pPr marL="0" marR="0" lvl="0" indent="0" algn="ctr" defTabSz="914400" rtl="0" eaLnBrk="1" fontAlgn="auto" latinLnBrk="0" hangingPunct="1">
+                            <a:lnSpc>
+                              <a:spcPct val="100000"/>
+                            </a:lnSpc>
+                            <a:spcBef>
+                              <a:spcPts val="0"/>
+                            </a:spcBef>
+                            <a:spcAft>
+                              <a:spcPts val="0"/>
+                            </a:spcAft>
+                            <a:buClrTx/>
+                            <a:buSzTx/>
+                            <a:buFontTx/>
+                            <a:buNone/>
+                            <a:tabLst/>
+                            <a:defRPr/>
+                          </a:pPr>
+                          <a:r>
+                            <a:rPr kumimoji="1" lang="en-US" altLang="ja-JP" b="1" dirty="0"/>
+                            <a:t>111</a:t>
+                          </a:r>
+                          <a:endParaRPr kumimoji="1" lang="ja-JP" altLang="en-US" b="1"/>
+                        </a:p>
+                      </a:txBody>
+                      <a:tcPr anchor="ctr"/>
+                    </a:tc>
+                    <a:tc>
+                      <a:txBody>
+                        <a:bodyPr/>
+                        <a:lstStyle/>
+                        <a:p>
+                          <a:pPr marL="0" marR="0" lvl="0" indent="0" algn="ctr" defTabSz="914400" rtl="0" eaLnBrk="1" fontAlgn="auto" latinLnBrk="0" hangingPunct="1">
+                            <a:lnSpc>
+                              <a:spcPct val="100000"/>
+                            </a:lnSpc>
+                            <a:spcBef>
+                              <a:spcPts val="0"/>
+                            </a:spcBef>
+                            <a:spcAft>
+                              <a:spcPts val="0"/>
+                            </a:spcAft>
+                            <a:buClrTx/>
+                            <a:buSzTx/>
+                            <a:buFontTx/>
+                            <a:buNone/>
+                            <a:tabLst/>
+                            <a:defRPr/>
+                          </a:pPr>
+                          <a:endParaRPr kumimoji="1" lang="ja-JP" altLang="en-US" b="1"/>
+                        </a:p>
+                      </a:txBody>
+                      <a:tcPr anchor="ctr"/>
+                    </a:tc>
+                    <a:tc>
+                      <a:txBody>
+                        <a:bodyPr/>
+                        <a:lstStyle/>
+                        <a:p>
+                          <a:pPr marL="0" marR="0" lvl="0" indent="0" algn="ctr" defTabSz="914400" rtl="0" eaLnBrk="1" fontAlgn="auto" latinLnBrk="0" hangingPunct="1">
+                            <a:lnSpc>
+                              <a:spcPct val="100000"/>
+                            </a:lnSpc>
+                            <a:spcBef>
+                              <a:spcPts val="0"/>
+                            </a:spcBef>
+                            <a:spcAft>
+                              <a:spcPts val="0"/>
+                            </a:spcAft>
+                            <a:buClrTx/>
+                            <a:buSzTx/>
+                            <a:buFontTx/>
+                            <a:buNone/>
+                            <a:tabLst/>
+                            <a:defRPr/>
+                          </a:pPr>
+                          <a:endParaRPr kumimoji="1" lang="ja-JP" altLang="en-US" b="1"/>
+                        </a:p>
+                      </a:txBody>
+                      <a:tcPr anchor="ctr"/>
+                    </a:tc>
+                    <a:extLst>
+                      <a:ext uri="{0D108BD9-81ED-4DB2-BD59-A6C34878D82A}">
+                        <a16:rowId xmlns:a16="http://schemas.microsoft.com/office/drawing/2014/main" val="1605274719"/>
+                      </a:ext>
+                    </a:extLst>
+                  </a:tr>
+                </a:tbl>
+              </a:graphicData>
+            </a:graphic>
+          </p:graphicFrame>
+        </mc:Fallback>
+      </mc:AlternateContent>
+      <p:cxnSp>
+        <p:nvCxnSpPr>
+          <p:cNvPr id="8" name="直線矢印コネクタ 7">
+            <a:extLst>
+              <a:ext uri="{FF2B5EF4-FFF2-40B4-BE49-F238E27FC236}">
+                <a16:creationId xmlns:a16="http://schemas.microsoft.com/office/drawing/2014/main" id="{CB569A6F-30D8-1417-A7FF-A4D42D53AED5}"/>
+              </a:ext>
+            </a:extLst>
+          </p:cNvPr>
+          <p:cNvCxnSpPr>
+            <a:cxnSpLocks/>
+          </p:cNvCxnSpPr>
+          <p:nvPr/>
+        </p:nvCxnSpPr>
+        <p:spPr>
+          <a:xfrm>
+            <a:off x="8145517" y="1594305"/>
+            <a:ext cx="882869" cy="0"/>
+          </a:xfrm>
+          <a:prstGeom prst="straightConnector1">
+            <a:avLst/>
+          </a:prstGeom>
+          <a:ln>
+            <a:tailEnd type="triangle"/>
+          </a:ln>
+        </p:spPr>
+        <p:style>
+          <a:lnRef idx="2">
+            <a:schemeClr val="accent1"/>
+          </a:lnRef>
+          <a:fillRef idx="0">
+            <a:schemeClr val="accent1"/>
+          </a:fillRef>
+          <a:effectRef idx="1">
+            <a:schemeClr val="accent1"/>
+          </a:effectRef>
+          <a:fontRef idx="minor">
+            <a:schemeClr val="tx1"/>
+          </a:fontRef>
+        </p:style>
+      </p:cxnSp>
+      <p:cxnSp>
+        <p:nvCxnSpPr>
+          <p:cNvPr id="10" name="直線矢印コネクタ 9">
+            <a:extLst>
+              <a:ext uri="{FF2B5EF4-FFF2-40B4-BE49-F238E27FC236}">
+                <a16:creationId xmlns:a16="http://schemas.microsoft.com/office/drawing/2014/main" id="{4CC05AD4-9709-CB08-2906-72B6F5CCE821}"/>
+              </a:ext>
+            </a:extLst>
+          </p:cNvPr>
+          <p:cNvCxnSpPr>
+            <a:cxnSpLocks/>
+          </p:cNvCxnSpPr>
+          <p:nvPr/>
+        </p:nvCxnSpPr>
+        <p:spPr>
+          <a:xfrm flipV="1">
+            <a:off x="8145517" y="1594305"/>
+            <a:ext cx="882869" cy="1602828"/>
+          </a:xfrm>
+          <a:prstGeom prst="straightConnector1">
+            <a:avLst/>
+          </a:prstGeom>
+          <a:ln>
+            <a:tailEnd type="triangle"/>
+          </a:ln>
+        </p:spPr>
+        <p:style>
+          <a:lnRef idx="2">
+            <a:schemeClr val="accent1"/>
+          </a:lnRef>
+          <a:fillRef idx="0">
+            <a:schemeClr val="accent1"/>
+          </a:fillRef>
+          <a:effectRef idx="1">
+            <a:schemeClr val="accent1"/>
+          </a:effectRef>
+          <a:fontRef idx="minor">
+            <a:schemeClr val="tx1"/>
+          </a:fontRef>
+        </p:style>
+      </p:cxnSp>
+      <p:cxnSp>
+        <p:nvCxnSpPr>
+          <p:cNvPr id="11" name="直線矢印コネクタ 10">
+            <a:extLst>
+              <a:ext uri="{FF2B5EF4-FFF2-40B4-BE49-F238E27FC236}">
+                <a16:creationId xmlns:a16="http://schemas.microsoft.com/office/drawing/2014/main" id="{59195B89-8B5C-856F-CC02-F7101A39F095}"/>
+              </a:ext>
+            </a:extLst>
+          </p:cNvPr>
+          <p:cNvCxnSpPr>
+            <a:cxnSpLocks/>
+          </p:cNvCxnSpPr>
+          <p:nvPr/>
+        </p:nvCxnSpPr>
+        <p:spPr>
+          <a:xfrm>
+            <a:off x="8145517" y="2923864"/>
+            <a:ext cx="882869" cy="0"/>
+          </a:xfrm>
+          <a:prstGeom prst="straightConnector1">
+            <a:avLst/>
+          </a:prstGeom>
+          <a:ln>
+            <a:tailEnd type="triangle"/>
+          </a:ln>
+        </p:spPr>
+        <p:style>
+          <a:lnRef idx="2">
+            <a:schemeClr val="accent1"/>
+          </a:lnRef>
+          <a:fillRef idx="0">
+            <a:schemeClr val="accent1"/>
+          </a:fillRef>
+          <a:effectRef idx="1">
+            <a:schemeClr val="accent1"/>
+          </a:effectRef>
+          <a:fontRef idx="minor">
+            <a:schemeClr val="tx1"/>
+          </a:fontRef>
+        </p:style>
+      </p:cxnSp>
+      <p:cxnSp>
+        <p:nvCxnSpPr>
+          <p:cNvPr id="12" name="直線矢印コネクタ 11">
+            <a:extLst>
+              <a:ext uri="{FF2B5EF4-FFF2-40B4-BE49-F238E27FC236}">
+                <a16:creationId xmlns:a16="http://schemas.microsoft.com/office/drawing/2014/main" id="{4BC4B276-6CBB-3263-1DB9-9D86E8978FB9}"/>
+              </a:ext>
+            </a:extLst>
+          </p:cNvPr>
+          <p:cNvCxnSpPr>
+            <a:cxnSpLocks/>
+          </p:cNvCxnSpPr>
+          <p:nvPr/>
+        </p:nvCxnSpPr>
+        <p:spPr>
+          <a:xfrm flipV="1">
+            <a:off x="8145517" y="2923864"/>
+            <a:ext cx="882869" cy="1203436"/>
+          </a:xfrm>
+          <a:prstGeom prst="straightConnector1">
+            <a:avLst/>
+          </a:prstGeom>
+          <a:ln>
+            <a:tailEnd type="triangle"/>
+          </a:ln>
+        </p:spPr>
+        <p:style>
+          <a:lnRef idx="2">
+            <a:schemeClr val="accent1"/>
+          </a:lnRef>
+          <a:fillRef idx="0">
+            <a:schemeClr val="accent1"/>
+          </a:fillRef>
+          <a:effectRef idx="1">
+            <a:schemeClr val="accent1"/>
+          </a:effectRef>
+          <a:fontRef idx="minor">
+            <a:schemeClr val="tx1"/>
+          </a:fontRef>
+        </p:style>
+      </p:cxnSp>
+      <p:cxnSp>
+        <p:nvCxnSpPr>
+          <p:cNvPr id="15" name="直線矢印コネクタ 14">
+            <a:extLst>
+              <a:ext uri="{FF2B5EF4-FFF2-40B4-BE49-F238E27FC236}">
+                <a16:creationId xmlns:a16="http://schemas.microsoft.com/office/drawing/2014/main" id="{752FE80C-4624-F31C-AB93-CA5BB2444400}"/>
+              </a:ext>
+            </a:extLst>
+          </p:cNvPr>
+          <p:cNvCxnSpPr>
+            <a:cxnSpLocks/>
+          </p:cNvCxnSpPr>
+          <p:nvPr/>
+        </p:nvCxnSpPr>
+        <p:spPr>
+          <a:xfrm flipV="1">
+            <a:off x="8145517" y="3197133"/>
+            <a:ext cx="882869" cy="15766"/>
+          </a:xfrm>
+          <a:prstGeom prst="straightConnector1">
+            <a:avLst/>
+          </a:prstGeom>
+          <a:ln>
+            <a:tailEnd type="triangle"/>
+          </a:ln>
+        </p:spPr>
+        <p:style>
+          <a:lnRef idx="2">
+            <a:schemeClr val="accent1"/>
+          </a:lnRef>
+          <a:fillRef idx="0">
+            <a:schemeClr val="accent1"/>
+          </a:fillRef>
+          <a:effectRef idx="1">
+            <a:schemeClr val="accent1"/>
+          </a:effectRef>
+          <a:fontRef idx="minor">
+            <a:schemeClr val="tx1"/>
+          </a:fontRef>
+        </p:style>
+      </p:cxnSp>
+      <p:cxnSp>
+        <p:nvCxnSpPr>
+          <p:cNvPr id="16" name="直線矢印コネクタ 15">
+            <a:extLst>
+              <a:ext uri="{FF2B5EF4-FFF2-40B4-BE49-F238E27FC236}">
+                <a16:creationId xmlns:a16="http://schemas.microsoft.com/office/drawing/2014/main" id="{570B9BB2-31E6-07FC-457B-E079F4282176}"/>
+              </a:ext>
+            </a:extLst>
+          </p:cNvPr>
+          <p:cNvCxnSpPr>
+            <a:cxnSpLocks/>
+          </p:cNvCxnSpPr>
+          <p:nvPr/>
+        </p:nvCxnSpPr>
+        <p:spPr>
+          <a:xfrm flipV="1">
+            <a:off x="8145517" y="3197133"/>
+            <a:ext cx="882869" cy="945933"/>
+          </a:xfrm>
+          <a:prstGeom prst="straightConnector1">
+            <a:avLst/>
+          </a:prstGeom>
+          <a:ln>
+            <a:tailEnd type="triangle"/>
+          </a:ln>
+        </p:spPr>
+        <p:style>
+          <a:lnRef idx="2">
+            <a:schemeClr val="accent1"/>
+          </a:lnRef>
+          <a:fillRef idx="0">
+            <a:schemeClr val="accent1"/>
+          </a:fillRef>
+          <a:effectRef idx="1">
+            <a:schemeClr val="accent1"/>
+          </a:effectRef>
+          <a:fontRef idx="minor">
+            <a:schemeClr val="tx1"/>
+          </a:fontRef>
+        </p:style>
+      </p:cxnSp>
+      <p:cxnSp>
+        <p:nvCxnSpPr>
+          <p:cNvPr id="27" name="直線矢印コネクタ 26">
+            <a:extLst>
+              <a:ext uri="{FF2B5EF4-FFF2-40B4-BE49-F238E27FC236}">
+                <a16:creationId xmlns:a16="http://schemas.microsoft.com/office/drawing/2014/main" id="{D4DF978E-2EA9-4E9E-6D18-98181BACFCE0}"/>
+              </a:ext>
+            </a:extLst>
+          </p:cNvPr>
+          <p:cNvCxnSpPr>
+            <a:cxnSpLocks/>
+          </p:cNvCxnSpPr>
+          <p:nvPr/>
+        </p:nvCxnSpPr>
+        <p:spPr>
+          <a:xfrm>
+            <a:off x="8145517" y="1857064"/>
+            <a:ext cx="882869" cy="0"/>
+          </a:xfrm>
+          <a:prstGeom prst="straightConnector1">
+            <a:avLst/>
+          </a:prstGeom>
+          <a:ln>
+            <a:tailEnd type="triangle"/>
+          </a:ln>
+        </p:spPr>
+        <p:style>
+          <a:lnRef idx="2">
+            <a:schemeClr val="accent1"/>
+          </a:lnRef>
+          <a:fillRef idx="0">
+            <a:schemeClr val="accent1"/>
+          </a:fillRef>
+          <a:effectRef idx="1">
+            <a:schemeClr val="accent1"/>
+          </a:effectRef>
+          <a:fontRef idx="minor">
+            <a:schemeClr val="tx1"/>
+          </a:fontRef>
+        </p:style>
+      </p:cxnSp>
+      <p:cxnSp>
+        <p:nvCxnSpPr>
+          <p:cNvPr id="28" name="直線矢印コネクタ 27">
+            <a:extLst>
+              <a:ext uri="{FF2B5EF4-FFF2-40B4-BE49-F238E27FC236}">
+                <a16:creationId xmlns:a16="http://schemas.microsoft.com/office/drawing/2014/main" id="{8665CF09-7BEB-808C-5ECD-967A83CEAB81}"/>
+              </a:ext>
+            </a:extLst>
+          </p:cNvPr>
+          <p:cNvCxnSpPr>
+            <a:cxnSpLocks/>
+          </p:cNvCxnSpPr>
+          <p:nvPr/>
+        </p:nvCxnSpPr>
+        <p:spPr>
+          <a:xfrm>
+            <a:off x="8145517" y="1857064"/>
+            <a:ext cx="882869" cy="296278"/>
+          </a:xfrm>
+          <a:prstGeom prst="straightConnector1">
+            <a:avLst/>
+          </a:prstGeom>
+          <a:ln>
+            <a:tailEnd type="triangle"/>
+          </a:ln>
+        </p:spPr>
+        <p:style>
+          <a:lnRef idx="2">
+            <a:schemeClr val="accent1"/>
+          </a:lnRef>
+          <a:fillRef idx="0">
+            <a:schemeClr val="accent1"/>
+          </a:fillRef>
+          <a:effectRef idx="1">
+            <a:schemeClr val="accent1"/>
+          </a:effectRef>
+          <a:fontRef idx="minor">
+            <a:schemeClr val="tx1"/>
+          </a:fontRef>
+        </p:style>
+      </p:cxnSp>
+      <p:cxnSp>
+        <p:nvCxnSpPr>
+          <p:cNvPr id="31" name="直線矢印コネクタ 30">
+            <a:extLst>
+              <a:ext uri="{FF2B5EF4-FFF2-40B4-BE49-F238E27FC236}">
+                <a16:creationId xmlns:a16="http://schemas.microsoft.com/office/drawing/2014/main" id="{5C77D293-87B0-CDCC-26BA-939CCD99F5A2}"/>
+              </a:ext>
+            </a:extLst>
+          </p:cNvPr>
+          <p:cNvCxnSpPr>
+            <a:cxnSpLocks/>
+          </p:cNvCxnSpPr>
+          <p:nvPr/>
+        </p:nvCxnSpPr>
+        <p:spPr>
+          <a:xfrm flipV="1">
+            <a:off x="8145517" y="1857064"/>
+            <a:ext cx="882869" cy="1066800"/>
+          </a:xfrm>
+          <a:prstGeom prst="straightConnector1">
+            <a:avLst/>
+          </a:prstGeom>
+          <a:ln>
+            <a:tailEnd type="triangle"/>
+          </a:ln>
+        </p:spPr>
+        <p:style>
+          <a:lnRef idx="2">
+            <a:schemeClr val="accent1"/>
+          </a:lnRef>
+          <a:fillRef idx="0">
+            <a:schemeClr val="accent1"/>
+          </a:fillRef>
+          <a:effectRef idx="1">
+            <a:schemeClr val="accent1"/>
+          </a:effectRef>
+          <a:fontRef idx="minor">
+            <a:schemeClr val="tx1"/>
+          </a:fontRef>
+        </p:style>
+      </p:cxnSp>
+      <p:cxnSp>
+        <p:nvCxnSpPr>
+          <p:cNvPr id="34" name="直線矢印コネクタ 33">
+            <a:extLst>
+              <a:ext uri="{FF2B5EF4-FFF2-40B4-BE49-F238E27FC236}">
+                <a16:creationId xmlns:a16="http://schemas.microsoft.com/office/drawing/2014/main" id="{047D9344-43C6-C4EE-BA74-FD6693F600BC}"/>
+              </a:ext>
+            </a:extLst>
+          </p:cNvPr>
+          <p:cNvCxnSpPr>
+            <a:cxnSpLocks/>
+          </p:cNvCxnSpPr>
+          <p:nvPr/>
+        </p:nvCxnSpPr>
+        <p:spPr>
+          <a:xfrm flipV="1">
+            <a:off x="8145517" y="2130331"/>
+            <a:ext cx="882869" cy="1066802"/>
+          </a:xfrm>
+          <a:prstGeom prst="straightConnector1">
+            <a:avLst/>
+          </a:prstGeom>
+          <a:ln>
+            <a:tailEnd type="triangle"/>
+          </a:ln>
+        </p:spPr>
+        <p:style>
+          <a:lnRef idx="2">
+            <a:schemeClr val="accent1"/>
+          </a:lnRef>
+          <a:fillRef idx="0">
+            <a:schemeClr val="accent1"/>
+          </a:fillRef>
+          <a:effectRef idx="1">
+            <a:schemeClr val="accent1"/>
+          </a:effectRef>
+          <a:fontRef idx="minor">
+            <a:schemeClr val="tx1"/>
+          </a:fontRef>
+        </p:style>
+      </p:cxnSp>
+      <p:cxnSp>
+        <p:nvCxnSpPr>
+          <p:cNvPr id="47" name="直線矢印コネクタ 46">
+            <a:extLst>
+              <a:ext uri="{FF2B5EF4-FFF2-40B4-BE49-F238E27FC236}">
+                <a16:creationId xmlns:a16="http://schemas.microsoft.com/office/drawing/2014/main" id="{D4DFF715-6728-BA32-EA88-E4A515C7B1BF}"/>
+              </a:ext>
+            </a:extLst>
+          </p:cNvPr>
+          <p:cNvCxnSpPr>
+            <a:cxnSpLocks/>
+          </p:cNvCxnSpPr>
+          <p:nvPr/>
+        </p:nvCxnSpPr>
+        <p:spPr>
+          <a:xfrm flipV="1">
+            <a:off x="9627476" y="1857064"/>
+            <a:ext cx="882869" cy="1340069"/>
+          </a:xfrm>
+          <a:prstGeom prst="straightConnector1">
+            <a:avLst/>
+          </a:prstGeom>
+          <a:ln>
+            <a:tailEnd type="triangle"/>
+          </a:ln>
+        </p:spPr>
+        <p:style>
+          <a:lnRef idx="2">
+            <a:schemeClr val="accent1"/>
+          </a:lnRef>
+          <a:fillRef idx="0">
+            <a:schemeClr val="accent1"/>
+          </a:fillRef>
+          <a:effectRef idx="1">
+            <a:schemeClr val="accent1"/>
+          </a:effectRef>
+          <a:fontRef idx="minor">
+            <a:schemeClr val="tx1"/>
+          </a:fontRef>
+        </p:style>
+      </p:cxnSp>
+      <p:cxnSp>
+        <p:nvCxnSpPr>
+          <p:cNvPr id="54" name="直線矢印コネクタ 53">
+            <a:extLst>
+              <a:ext uri="{FF2B5EF4-FFF2-40B4-BE49-F238E27FC236}">
+                <a16:creationId xmlns:a16="http://schemas.microsoft.com/office/drawing/2014/main" id="{2F51613E-C2FF-1888-9696-50DAB4B94973}"/>
+              </a:ext>
+            </a:extLst>
+          </p:cNvPr>
+          <p:cNvCxnSpPr>
+            <a:cxnSpLocks/>
+          </p:cNvCxnSpPr>
+          <p:nvPr/>
+        </p:nvCxnSpPr>
+        <p:spPr>
+          <a:xfrm>
+            <a:off x="9627476" y="1857064"/>
+            <a:ext cx="882869" cy="0"/>
+          </a:xfrm>
+          <a:prstGeom prst="straightConnector1">
+            <a:avLst/>
+          </a:prstGeom>
+          <a:ln>
+            <a:tailEnd type="triangle"/>
+          </a:ln>
+        </p:spPr>
+        <p:style>
+          <a:lnRef idx="2">
+            <a:schemeClr val="accent1"/>
+          </a:lnRef>
+          <a:fillRef idx="0">
+            <a:schemeClr val="accent1"/>
+          </a:fillRef>
+          <a:effectRef idx="1">
+            <a:schemeClr val="accent1"/>
+          </a:effectRef>
+          <a:fontRef idx="minor">
+            <a:schemeClr val="tx1"/>
+          </a:fontRef>
+        </p:style>
+      </p:cxnSp>
+      <p:cxnSp>
+        <p:nvCxnSpPr>
+          <p:cNvPr id="55" name="直線矢印コネクタ 54">
+            <a:extLst>
+              <a:ext uri="{FF2B5EF4-FFF2-40B4-BE49-F238E27FC236}">
+                <a16:creationId xmlns:a16="http://schemas.microsoft.com/office/drawing/2014/main" id="{908C5D7D-0321-3C95-6F32-CDE34FBBE03A}"/>
+              </a:ext>
+            </a:extLst>
+          </p:cNvPr>
+          <p:cNvCxnSpPr>
+            <a:cxnSpLocks/>
+          </p:cNvCxnSpPr>
+          <p:nvPr/>
+        </p:nvCxnSpPr>
+        <p:spPr>
+          <a:xfrm>
+            <a:off x="9627476" y="2111940"/>
+            <a:ext cx="882869" cy="0"/>
+          </a:xfrm>
+          <a:prstGeom prst="straightConnector1">
+            <a:avLst/>
+          </a:prstGeom>
+          <a:ln>
+            <a:tailEnd type="triangle"/>
+          </a:ln>
+        </p:spPr>
+        <p:style>
+          <a:lnRef idx="2">
+            <a:schemeClr val="accent1"/>
+          </a:lnRef>
+          <a:fillRef idx="0">
+            <a:schemeClr val="accent1"/>
+          </a:fillRef>
+          <a:effectRef idx="1">
+            <a:schemeClr val="accent1"/>
+          </a:effectRef>
+          <a:fontRef idx="minor">
+            <a:schemeClr val="tx1"/>
+          </a:fontRef>
+        </p:style>
+      </p:cxnSp>
+      <p:cxnSp>
+        <p:nvCxnSpPr>
+          <p:cNvPr id="57" name="直線矢印コネクタ 56">
+            <a:extLst>
+              <a:ext uri="{FF2B5EF4-FFF2-40B4-BE49-F238E27FC236}">
+                <a16:creationId xmlns:a16="http://schemas.microsoft.com/office/drawing/2014/main" id="{2C647DAB-43E6-6409-B06D-18B14E9E690C}"/>
+              </a:ext>
+            </a:extLst>
+          </p:cNvPr>
+          <p:cNvCxnSpPr>
+            <a:cxnSpLocks/>
+          </p:cNvCxnSpPr>
+          <p:nvPr/>
+        </p:nvCxnSpPr>
+        <p:spPr>
+          <a:xfrm flipV="1">
+            <a:off x="9627476" y="2119824"/>
+            <a:ext cx="882869" cy="804040"/>
+          </a:xfrm>
+          <a:prstGeom prst="straightConnector1">
+            <a:avLst/>
+          </a:prstGeom>
+          <a:ln>
+            <a:tailEnd type="triangle"/>
+          </a:ln>
+        </p:spPr>
+        <p:style>
+          <a:lnRef idx="2">
+            <a:schemeClr val="accent1"/>
+          </a:lnRef>
+          <a:fillRef idx="0">
+            <a:schemeClr val="accent1"/>
+          </a:fillRef>
+          <a:effectRef idx="1">
+            <a:schemeClr val="accent1"/>
+          </a:effectRef>
+          <a:fontRef idx="minor">
+            <a:schemeClr val="tx1"/>
+          </a:fontRef>
+        </p:style>
+      </p:cxnSp>
+      <mc:AlternateContent xmlns:mc="http://schemas.openxmlformats.org/markup-compatibility/2006">
+        <mc:Choice xmlns:a14="http://schemas.microsoft.com/office/drawing/2010/main" Requires="a14">
+          <p:graphicFrame>
+            <p:nvGraphicFramePr>
+              <p:cNvPr id="61" name="表 60">
+                <a:extLst>
+                  <a:ext uri="{FF2B5EF4-FFF2-40B4-BE49-F238E27FC236}">
+                    <a16:creationId xmlns:a16="http://schemas.microsoft.com/office/drawing/2014/main" id="{10F7625E-5882-23D3-1565-61EF6994D21B}"/>
+                  </a:ext>
+                </a:extLst>
+              </p:cNvPr>
+              <p:cNvGraphicFramePr>
+                <a:graphicFrameLocks noGrp="1"/>
+              </p:cNvGraphicFramePr>
+              <p:nvPr>
+                <p:extLst>
+                  <p:ext uri="{D42A27DB-BD31-4B8C-83A1-F6EECF244321}">
+                    <p14:modId xmlns:p14="http://schemas.microsoft.com/office/powerpoint/2010/main" val="498587186"/>
+                  </p:ext>
+                </p:extLst>
+              </p:nvPr>
+            </p:nvGraphicFramePr>
+            <p:xfrm>
+              <a:off x="907393" y="4895831"/>
+              <a:ext cx="6204108" cy="1794936"/>
+            </p:xfrm>
+            <a:graphic>
+              <a:graphicData uri="http://schemas.openxmlformats.org/drawingml/2006/table">
+                <a:tbl>
+                  <a:tblPr firstRow="1" firstCol="1" bandRow="1">
+                    <a:tableStyleId>{5C22544A-7EE6-4342-B048-85BDC9FD1C3A}</a:tableStyleId>
+                  </a:tblPr>
+                  <a:tblGrid>
+                    <a:gridCol w="1034018">
+                      <a:extLst>
+                        <a:ext uri="{9D8B030D-6E8A-4147-A177-3AD203B41FA5}">
+                          <a16:colId xmlns:a16="http://schemas.microsoft.com/office/drawing/2014/main" val="1865095150"/>
+                        </a:ext>
+                      </a:extLst>
+                    </a:gridCol>
+                    <a:gridCol w="1034018">
+                      <a:extLst>
+                        <a:ext uri="{9D8B030D-6E8A-4147-A177-3AD203B41FA5}">
+                          <a16:colId xmlns:a16="http://schemas.microsoft.com/office/drawing/2014/main" val="1372891102"/>
+                        </a:ext>
+                      </a:extLst>
+                    </a:gridCol>
+                    <a:gridCol w="1034018">
+                      <a:extLst>
+                        <a:ext uri="{9D8B030D-6E8A-4147-A177-3AD203B41FA5}">
+                          <a16:colId xmlns:a16="http://schemas.microsoft.com/office/drawing/2014/main" val="3020554967"/>
+                        </a:ext>
+                      </a:extLst>
+                    </a:gridCol>
+                    <a:gridCol w="1034018">
+                      <a:extLst>
+                        <a:ext uri="{9D8B030D-6E8A-4147-A177-3AD203B41FA5}">
+                          <a16:colId xmlns:a16="http://schemas.microsoft.com/office/drawing/2014/main" val="1429596059"/>
+                        </a:ext>
+                      </a:extLst>
+                    </a:gridCol>
+                    <a:gridCol w="1034018">
+                      <a:extLst>
+                        <a:ext uri="{9D8B030D-6E8A-4147-A177-3AD203B41FA5}">
+                          <a16:colId xmlns:a16="http://schemas.microsoft.com/office/drawing/2014/main" val="327818860"/>
+                        </a:ext>
+                      </a:extLst>
+                    </a:gridCol>
+                    <a:gridCol w="1034018">
+                      <a:extLst>
+                        <a:ext uri="{9D8B030D-6E8A-4147-A177-3AD203B41FA5}">
+                          <a16:colId xmlns:a16="http://schemas.microsoft.com/office/drawing/2014/main" val="1524486501"/>
+                        </a:ext>
+                      </a:extLst>
+                    </a:gridCol>
+                  </a:tblGrid>
+                  <a:tr h="330961">
+                    <a:tc rowSpan="2">
+                      <a:txBody>
+                        <a:bodyPr/>
+                        <a:lstStyle/>
+                        <a:p>
+                          <a:pPr algn="ctr"/>
+                          <a:r>
+                            <a:rPr kumimoji="1" lang="ja-JP" altLang="en-US"/>
+                            <a:t>主項</a:t>
+                          </a:r>
+                        </a:p>
+                      </a:txBody>
+                      <a:tcPr anchor="ctr">
+                        <a:lnL w="38100" cap="flat" cmpd="sng" algn="ctr">
+                          <a:solidFill>
+                            <a:schemeClr val="bg1"/>
+                          </a:solidFill>
+                          <a:prstDash val="solid"/>
+                          <a:round/>
+                          <a:headEnd type="none" w="med" len="med"/>
+                          <a:tailEnd type="none" w="med" len="med"/>
+                        </a:lnL>
+                      </a:tcPr>
+                    </a:tc>
+                    <a:tc gridSpan="5">
+                      <a:txBody>
+                        <a:bodyPr/>
+                        <a:lstStyle/>
+                        <a:p>
+                          <a:pPr algn="ctr"/>
+                          <a:r>
+                            <a:rPr kumimoji="1" lang="ja-JP" altLang="en-US"/>
+                            <a:t>最小項</a:t>
+                          </a:r>
+                        </a:p>
+                      </a:txBody>
+                      <a:tcPr anchor="ctr">
+                        <a:solidFill>
+                          <a:srgbClr val="156082"/>
+                        </a:solidFill>
+                      </a:tcPr>
+                    </a:tc>
+                    <a:tc hMerge="1">
+                      <a:txBody>
+                        <a:bodyPr/>
+                        <a:lstStyle/>
+                        <a:p>
+                          <a:endParaRPr kumimoji="1" lang="ja-JP" altLang="en-US"/>
+                        </a:p>
+                      </a:txBody>
+                      <a:tcPr/>
+                    </a:tc>
+                    <a:tc hMerge="1">
+                      <a:txBody>
+                        <a:bodyPr/>
+                        <a:lstStyle/>
+                        <a:p>
+                          <a:pPr algn="ctr"/>
+                          <a:endParaRPr kumimoji="1" lang="ja-JP" altLang="en-US"/>
+                        </a:p>
+                      </a:txBody>
+                      <a:tcPr anchor="ctr"/>
+                    </a:tc>
+                    <a:tc hMerge="1">
+                      <a:txBody>
+                        <a:bodyPr/>
+                        <a:lstStyle/>
+                        <a:p>
+                          <a:pPr algn="ctr"/>
+                          <a:endParaRPr kumimoji="1" lang="ja-JP" altLang="en-US"/>
+                        </a:p>
+                      </a:txBody>
+                      <a:tcPr anchor="ctr"/>
+                    </a:tc>
+                    <a:tc hMerge="1">
+                      <a:txBody>
+                        <a:bodyPr/>
+                        <a:lstStyle/>
+                        <a:p>
+                          <a:pPr algn="ctr"/>
+                          <a:endParaRPr kumimoji="1" lang="ja-JP" altLang="en-US"/>
+                        </a:p>
+                      </a:txBody>
+                      <a:tcPr anchor="ctr"/>
+                    </a:tc>
+                    <a:extLst>
+                      <a:ext uri="{0D108BD9-81ED-4DB2-BD59-A6C34878D82A}">
+                        <a16:rowId xmlns:a16="http://schemas.microsoft.com/office/drawing/2014/main" val="3253329725"/>
+                      </a:ext>
+                    </a:extLst>
+                  </a:tr>
+                  <a:tr h="476392">
+                    <a:tc vMerge="1">
+                      <a:txBody>
+                        <a:bodyPr/>
+                        <a:lstStyle/>
+                        <a:p>
+                          <a:pPr algn="ctr"/>
+                          <a:endParaRPr kumimoji="1" lang="ja-JP" altLang="en-US" b="1"/>
+                        </a:p>
+                      </a:txBody>
+                      <a:tcPr anchor="ctr">
+                        <a:lnL w="38100" cap="flat" cmpd="sng" algn="ctr">
+                          <a:solidFill>
+                            <a:schemeClr val="bg1"/>
+                          </a:solidFill>
+                          <a:prstDash val="solid"/>
+                          <a:round/>
+                          <a:headEnd type="none" w="med" len="med"/>
+                          <a:tailEnd type="none" w="med" len="med"/>
+                        </a:lnL>
+                      </a:tcPr>
+                    </a:tc>
+                    <a:tc>
+                      <a:txBody>
+                        <a:bodyPr/>
+                        <a:lstStyle/>
+                        <a:p>
+                          <a:pPr marL="0" marR="0" lvl="0" indent="0" algn="ctr" defTabSz="914400" rtl="0" eaLnBrk="1" fontAlgn="auto" latinLnBrk="0" hangingPunct="1">
+                            <a:lnSpc>
+                              <a:spcPct val="100000"/>
+                            </a:lnSpc>
+                            <a:spcBef>
+                              <a:spcPts val="0"/>
+                            </a:spcBef>
+                            <a:spcAft>
+                              <a:spcPts val="0"/>
+                            </a:spcAft>
+                            <a:buClrTx/>
+                            <a:buSzTx/>
+                            <a:buFontTx/>
+                            <a:buNone/>
+                            <a:tabLst/>
+                            <a:defRPr/>
+                          </a:pPr>
+                          <a14:m>
+                            <m:oMathPara xmlns:m="http://schemas.openxmlformats.org/officeDocument/2006/math">
+                              <m:oMathParaPr>
+                                <m:jc m:val="centerGroup"/>
+                              </m:oMathParaPr>
+                              <m:oMath xmlns:m="http://schemas.openxmlformats.org/officeDocument/2006/math">
+                                <m:acc>
+                                  <m:accPr>
+                                    <m:chr m:val="̅"/>
+                                    <m:ctrlPr>
+                                      <a:rPr kumimoji="1" lang="ja-JP" altLang="en-US" b="1" i="1" smtClean="0">
+                                        <a:solidFill>
+                                          <a:schemeClr val="bg1"/>
+                                        </a:solidFill>
+                                        <a:latin typeface="Cambria Math" panose="02040503050406030204" pitchFamily="18" charset="0"/>
+                                      </a:rPr>
+                                    </m:ctrlPr>
+                                  </m:accPr>
+                                  <m:e>
+                                    <m:r>
+                                      <a:rPr kumimoji="1" lang="en-US" altLang="ja-JP" b="1" i="1" smtClean="0">
+                                        <a:solidFill>
+                                          <a:schemeClr val="bg1"/>
+                                        </a:solidFill>
+                                        <a:latin typeface="Cambria Math" panose="02040503050406030204" pitchFamily="18" charset="0"/>
+                                      </a:rPr>
+                                      <m:t>𝑨</m:t>
+                                    </m:r>
+                                  </m:e>
+                                </m:acc>
+                                <m:r>
+                                  <a:rPr kumimoji="1" lang="ja-JP" altLang="en-US" b="1" i="1" smtClean="0">
+                                    <a:solidFill>
+                                      <a:schemeClr val="bg1"/>
+                                    </a:solidFill>
+                                    <a:latin typeface="Cambria Math" panose="02040503050406030204" pitchFamily="18" charset="0"/>
+                                  </a:rPr>
+                                  <m:t>∙</m:t>
+                                </m:r>
+                                <m:r>
+                                  <a:rPr kumimoji="1" lang="en-US" altLang="ja-JP" b="1" i="1" smtClean="0">
+                                    <a:solidFill>
+                                      <a:schemeClr val="bg1"/>
+                                    </a:solidFill>
+                                    <a:latin typeface="Cambria Math" panose="02040503050406030204" pitchFamily="18" charset="0"/>
+                                  </a:rPr>
+                                  <m:t>𝑩</m:t>
+                                </m:r>
+                                <m:r>
+                                  <a:rPr kumimoji="1" lang="ja-JP" altLang="en-US" b="1" i="1" smtClean="0">
+                                    <a:solidFill>
+                                      <a:schemeClr val="bg1"/>
+                                    </a:solidFill>
+                                    <a:latin typeface="Cambria Math" panose="02040503050406030204" pitchFamily="18" charset="0"/>
+                                  </a:rPr>
+                                  <m:t>∙</m:t>
+                                </m:r>
+                                <m:acc>
+                                  <m:accPr>
+                                    <m:chr m:val="̅"/>
+                                    <m:ctrlPr>
+                                      <a:rPr kumimoji="1" lang="ja-JP" altLang="en-US" b="1" i="1" smtClean="0">
+                                        <a:solidFill>
+                                          <a:schemeClr val="bg1"/>
+                                        </a:solidFill>
+                                        <a:latin typeface="Cambria Math" panose="02040503050406030204" pitchFamily="18" charset="0"/>
+                                      </a:rPr>
+                                    </m:ctrlPr>
+                                  </m:accPr>
+                                  <m:e>
+                                    <m:r>
+                                      <a:rPr kumimoji="1" lang="en-US" altLang="ja-JP" b="1" i="1" smtClean="0">
+                                        <a:solidFill>
+                                          <a:schemeClr val="bg1"/>
+                                        </a:solidFill>
+                                        <a:latin typeface="Cambria Math" panose="02040503050406030204" pitchFamily="18" charset="0"/>
+                                      </a:rPr>
+                                      <m:t>𝑪</m:t>
+                                    </m:r>
+                                  </m:e>
+                                </m:acc>
+                              </m:oMath>
+                            </m:oMathPara>
+                          </a14:m>
+                          <a:endParaRPr kumimoji="1" lang="ja-JP" altLang="en-US" b="1">
+                            <a:solidFill>
+                              <a:schemeClr val="bg1"/>
+                            </a:solidFill>
+                          </a:endParaRPr>
+                        </a:p>
+                      </a:txBody>
+                      <a:tcPr anchor="ctr">
+                        <a:solidFill>
+                          <a:srgbClr val="156082"/>
+                        </a:solidFill>
+                      </a:tcPr>
+                    </a:tc>
+                    <a:tc>
+                      <a:txBody>
+                        <a:bodyPr/>
+                        <a:lstStyle/>
+                        <a:p>
+                          <a:pPr marL="0" marR="0" lvl="0" indent="0" algn="ctr" defTabSz="914400" rtl="0" eaLnBrk="1" fontAlgn="auto" latinLnBrk="0" hangingPunct="1">
+                            <a:lnSpc>
+                              <a:spcPct val="100000"/>
+                            </a:lnSpc>
+                            <a:spcBef>
+                              <a:spcPts val="0"/>
+                            </a:spcBef>
+                            <a:spcAft>
+                              <a:spcPts val="0"/>
+                            </a:spcAft>
+                            <a:buClrTx/>
+                            <a:buSzTx/>
+                            <a:buFontTx/>
+                            <a:buNone/>
+                            <a:tabLst/>
+                            <a:defRPr/>
+                          </a:pPr>
+                          <a14:m>
+                            <m:oMathPara xmlns:m="http://schemas.openxmlformats.org/officeDocument/2006/math">
+                              <m:oMathParaPr>
+                                <m:jc m:val="centerGroup"/>
+                              </m:oMathParaPr>
+                              <m:oMath xmlns:m="http://schemas.openxmlformats.org/officeDocument/2006/math">
+                                <m:r>
+                                  <a:rPr kumimoji="1" lang="en-US" altLang="ja-JP" b="1" i="1" smtClean="0">
+                                    <a:solidFill>
+                                      <a:srgbClr val="FF0000"/>
+                                    </a:solidFill>
+                                    <a:latin typeface="Cambria Math" panose="02040503050406030204" pitchFamily="18" charset="0"/>
+                                  </a:rPr>
+                                  <m:t>𝑨</m:t>
+                                </m:r>
+                                <m:r>
+                                  <a:rPr kumimoji="1" lang="ja-JP" altLang="en-US" b="1" i="1" smtClean="0">
+                                    <a:solidFill>
+                                      <a:srgbClr val="FF0000"/>
+                                    </a:solidFill>
+                                    <a:latin typeface="Cambria Math" panose="02040503050406030204" pitchFamily="18" charset="0"/>
+                                  </a:rPr>
+                                  <m:t>∙</m:t>
+                                </m:r>
+                                <m:acc>
+                                  <m:accPr>
+                                    <m:chr m:val="̅"/>
+                                    <m:ctrlPr>
+                                      <a:rPr kumimoji="1" lang="ja-JP" altLang="en-US" b="1" i="1" smtClean="0">
+                                        <a:solidFill>
+                                          <a:srgbClr val="FF0000"/>
+                                        </a:solidFill>
+                                        <a:latin typeface="Cambria Math" panose="02040503050406030204" pitchFamily="18" charset="0"/>
+                                      </a:rPr>
+                                    </m:ctrlPr>
+                                  </m:accPr>
+                                  <m:e>
+                                    <m:r>
+                                      <a:rPr kumimoji="1" lang="en-US" altLang="ja-JP" b="1" i="1" smtClean="0">
+                                        <a:solidFill>
+                                          <a:srgbClr val="FF0000"/>
+                                        </a:solidFill>
+                                        <a:latin typeface="Cambria Math" panose="02040503050406030204" pitchFamily="18" charset="0"/>
+                                      </a:rPr>
+                                      <m:t>𝑩</m:t>
+                                    </m:r>
+                                  </m:e>
+                                </m:acc>
+                                <m:r>
+                                  <a:rPr kumimoji="1" lang="ja-JP" altLang="en-US" b="1" i="1" smtClean="0">
+                                    <a:solidFill>
+                                      <a:srgbClr val="FF0000"/>
+                                    </a:solidFill>
+                                    <a:latin typeface="Cambria Math" panose="02040503050406030204" pitchFamily="18" charset="0"/>
+                                  </a:rPr>
+                                  <m:t>∙</m:t>
+                                </m:r>
+                                <m:acc>
+                                  <m:accPr>
+                                    <m:chr m:val="̅"/>
+                                    <m:ctrlPr>
+                                      <a:rPr kumimoji="1" lang="ja-JP" altLang="en-US" b="1" i="1" smtClean="0">
+                                        <a:solidFill>
+                                          <a:srgbClr val="FF0000"/>
+                                        </a:solidFill>
+                                        <a:latin typeface="Cambria Math" panose="02040503050406030204" pitchFamily="18" charset="0"/>
+                                      </a:rPr>
+                                    </m:ctrlPr>
+                                  </m:accPr>
+                                  <m:e>
+                                    <m:r>
+                                      <a:rPr kumimoji="1" lang="en-US" altLang="ja-JP" b="1" i="1" smtClean="0">
+                                        <a:solidFill>
+                                          <a:srgbClr val="FF0000"/>
+                                        </a:solidFill>
+                                        <a:latin typeface="Cambria Math" panose="02040503050406030204" pitchFamily="18" charset="0"/>
+                                      </a:rPr>
+                                      <m:t>𝑪</m:t>
+                                    </m:r>
+                                  </m:e>
+                                </m:acc>
+                              </m:oMath>
+                            </m:oMathPara>
+                          </a14:m>
+                          <a:endParaRPr kumimoji="1" lang="en-US" altLang="ja-JP" b="1" dirty="0"/>
+                        </a:p>
+                      </a:txBody>
+                      <a:tcPr anchor="ctr">
+                        <a:solidFill>
+                          <a:srgbClr val="156082"/>
+                        </a:solidFill>
+                      </a:tcPr>
+                    </a:tc>
+                    <a:tc>
+                      <a:txBody>
+                        <a:bodyPr/>
+                        <a:lstStyle/>
+                        <a:p>
+                          <a:pPr marL="0" marR="0" lvl="0" indent="0" algn="ctr" defTabSz="914400" rtl="0" eaLnBrk="1" fontAlgn="auto" latinLnBrk="0" hangingPunct="1">
+                            <a:lnSpc>
+                              <a:spcPct val="100000"/>
+                            </a:lnSpc>
+                            <a:spcBef>
+                              <a:spcPts val="0"/>
+                            </a:spcBef>
+                            <a:spcAft>
+                              <a:spcPts val="0"/>
+                            </a:spcAft>
+                            <a:buClrTx/>
+                            <a:buSzTx/>
+                            <a:buFontTx/>
+                            <a:buNone/>
+                            <a:tabLst/>
+                            <a:defRPr/>
+                          </a:pPr>
+                          <a14:m>
+                            <m:oMathPara xmlns:m="http://schemas.openxmlformats.org/officeDocument/2006/math">
+                              <m:oMathParaPr>
+                                <m:jc m:val="centerGroup"/>
+                              </m:oMathParaPr>
+                              <m:oMath xmlns:m="http://schemas.openxmlformats.org/officeDocument/2006/math">
+                                <m:r>
+                                  <a:rPr kumimoji="1" lang="en-US" altLang="ja-JP" b="1" i="1" smtClean="0">
+                                    <a:solidFill>
+                                      <a:schemeClr val="bg1"/>
+                                    </a:solidFill>
+                                    <a:latin typeface="Cambria Math" panose="02040503050406030204" pitchFamily="18" charset="0"/>
+                                  </a:rPr>
+                                  <m:t>𝑨</m:t>
+                                </m:r>
+                                <m:r>
+                                  <a:rPr kumimoji="1" lang="ja-JP" altLang="en-US" b="1" i="1" smtClean="0">
+                                    <a:solidFill>
+                                      <a:schemeClr val="bg1"/>
+                                    </a:solidFill>
+                                    <a:latin typeface="Cambria Math" panose="02040503050406030204" pitchFamily="18" charset="0"/>
+                                  </a:rPr>
+                                  <m:t>∙</m:t>
+                                </m:r>
+                                <m:acc>
+                                  <m:accPr>
+                                    <m:chr m:val="̅"/>
+                                    <m:ctrlPr>
+                                      <a:rPr kumimoji="1" lang="ja-JP" altLang="en-US" b="1" i="1" smtClean="0">
+                                        <a:solidFill>
+                                          <a:schemeClr val="bg1"/>
+                                        </a:solidFill>
+                                        <a:latin typeface="Cambria Math" panose="02040503050406030204" pitchFamily="18" charset="0"/>
+                                      </a:rPr>
+                                    </m:ctrlPr>
+                                  </m:accPr>
+                                  <m:e>
+                                    <m:r>
+                                      <a:rPr kumimoji="1" lang="en-US" altLang="ja-JP" b="1" i="1" smtClean="0">
+                                        <a:solidFill>
+                                          <a:schemeClr val="bg1"/>
+                                        </a:solidFill>
+                                        <a:latin typeface="Cambria Math" panose="02040503050406030204" pitchFamily="18" charset="0"/>
+                                      </a:rPr>
+                                      <m:t>𝑩</m:t>
+                                    </m:r>
+                                  </m:e>
+                                </m:acc>
+                                <m:r>
+                                  <a:rPr kumimoji="1" lang="ja-JP" altLang="en-US" b="1" i="1" smtClean="0">
+                                    <a:solidFill>
+                                      <a:schemeClr val="bg1"/>
+                                    </a:solidFill>
+                                    <a:latin typeface="Cambria Math" panose="02040503050406030204" pitchFamily="18" charset="0"/>
+                                  </a:rPr>
+                                  <m:t>∙</m:t>
+                                </m:r>
+                                <m:r>
+                                  <a:rPr kumimoji="1" lang="en-US" altLang="ja-JP" b="1" i="1" smtClean="0">
+                                    <a:solidFill>
+                                      <a:schemeClr val="bg1"/>
+                                    </a:solidFill>
+                                    <a:latin typeface="Cambria Math" panose="02040503050406030204" pitchFamily="18" charset="0"/>
+                                  </a:rPr>
+                                  <m:t>𝑪</m:t>
+                                </m:r>
+                              </m:oMath>
+                            </m:oMathPara>
+                          </a14:m>
+                          <a:endParaRPr kumimoji="1" lang="en-US" altLang="ja-JP" b="1" dirty="0">
+                            <a:solidFill>
+                              <a:schemeClr val="bg1"/>
+                            </a:solidFill>
+                          </a:endParaRPr>
+                        </a:p>
+                      </a:txBody>
+                      <a:tcPr anchor="ctr">
+                        <a:solidFill>
+                          <a:srgbClr val="156082"/>
+                        </a:solidFill>
+                      </a:tcPr>
+                    </a:tc>
+                    <a:tc>
+                      <a:txBody>
+                        <a:bodyPr/>
+                        <a:lstStyle/>
+                        <a:p>
+                          <a:pPr marL="0" marR="0" lvl="0" indent="0" algn="ctr" defTabSz="914400" rtl="0" eaLnBrk="1" fontAlgn="auto" latinLnBrk="0" hangingPunct="1">
+                            <a:lnSpc>
+                              <a:spcPct val="100000"/>
+                            </a:lnSpc>
+                            <a:spcBef>
+                              <a:spcPts val="0"/>
+                            </a:spcBef>
+                            <a:spcAft>
+                              <a:spcPts val="0"/>
+                            </a:spcAft>
+                            <a:buClrTx/>
+                            <a:buSzTx/>
+                            <a:buFontTx/>
+                            <a:buNone/>
+                            <a:tabLst/>
+                            <a:defRPr/>
+                          </a:pPr>
+                          <a14:m>
+                            <m:oMathPara xmlns:m="http://schemas.openxmlformats.org/officeDocument/2006/math">
+                              <m:oMathParaPr>
+                                <m:jc m:val="centerGroup"/>
+                              </m:oMathParaPr>
+                              <m:oMath xmlns:m="http://schemas.openxmlformats.org/officeDocument/2006/math">
+                                <m:r>
+                                  <a:rPr kumimoji="1" lang="en-US" altLang="ja-JP" b="1" i="1" smtClean="0">
+                                    <a:solidFill>
+                                      <a:schemeClr val="bg1"/>
+                                    </a:solidFill>
+                                    <a:latin typeface="Cambria Math" panose="02040503050406030204" pitchFamily="18" charset="0"/>
+                                  </a:rPr>
+                                  <m:t>𝑨</m:t>
+                                </m:r>
+                                <m:r>
+                                  <a:rPr kumimoji="1" lang="ja-JP" altLang="en-US" b="1" i="1" smtClean="0">
+                                    <a:solidFill>
+                                      <a:schemeClr val="bg1"/>
+                                    </a:solidFill>
+                                    <a:latin typeface="Cambria Math" panose="02040503050406030204" pitchFamily="18" charset="0"/>
+                                  </a:rPr>
+                                  <m:t>∙</m:t>
+                                </m:r>
+                                <m:r>
+                                  <a:rPr kumimoji="1" lang="en-US" altLang="ja-JP" b="1" i="1" smtClean="0">
+                                    <a:solidFill>
+                                      <a:schemeClr val="bg1"/>
+                                    </a:solidFill>
+                                    <a:latin typeface="Cambria Math" panose="02040503050406030204" pitchFamily="18" charset="0"/>
+                                  </a:rPr>
+                                  <m:t>𝑩</m:t>
+                                </m:r>
+                                <m:r>
+                                  <a:rPr kumimoji="1" lang="ja-JP" altLang="en-US" b="1" i="1" smtClean="0">
+                                    <a:solidFill>
+                                      <a:schemeClr val="bg1"/>
+                                    </a:solidFill>
+                                    <a:latin typeface="Cambria Math" panose="02040503050406030204" pitchFamily="18" charset="0"/>
+                                  </a:rPr>
+                                  <m:t>∙</m:t>
+                                </m:r>
+                                <m:acc>
+                                  <m:accPr>
+                                    <m:chr m:val="̅"/>
+                                    <m:ctrlPr>
+                                      <a:rPr kumimoji="1" lang="ja-JP" altLang="en-US" b="1" i="1" smtClean="0">
+                                        <a:solidFill>
+                                          <a:schemeClr val="bg1"/>
+                                        </a:solidFill>
+                                        <a:latin typeface="Cambria Math" panose="02040503050406030204" pitchFamily="18" charset="0"/>
+                                      </a:rPr>
+                                    </m:ctrlPr>
+                                  </m:accPr>
+                                  <m:e>
+                                    <m:r>
+                                      <a:rPr kumimoji="1" lang="en-US" altLang="ja-JP" b="1" i="1" smtClean="0">
+                                        <a:solidFill>
+                                          <a:schemeClr val="bg1"/>
+                                        </a:solidFill>
+                                        <a:latin typeface="Cambria Math" panose="02040503050406030204" pitchFamily="18" charset="0"/>
+                                      </a:rPr>
+                                      <m:t>𝑪</m:t>
+                                    </m:r>
+                                  </m:e>
+                                </m:acc>
+                              </m:oMath>
+                            </m:oMathPara>
+                          </a14:m>
+                          <a:endParaRPr kumimoji="1" lang="ja-JP" altLang="en-US" b="1">
+                            <a:solidFill>
+                              <a:schemeClr val="bg1"/>
+                            </a:solidFill>
+                          </a:endParaRPr>
+                        </a:p>
+                      </a:txBody>
+                      <a:tcPr anchor="ctr">
+                        <a:solidFill>
+                          <a:srgbClr val="156082"/>
+                        </a:solidFill>
+                      </a:tcPr>
+                    </a:tc>
+                    <a:tc>
+                      <a:txBody>
+                        <a:bodyPr/>
+                        <a:lstStyle/>
+                        <a:p>
+                          <a:pPr marL="0" marR="0" lvl="0" indent="0" algn="ctr" defTabSz="914400" rtl="0" eaLnBrk="1" fontAlgn="auto" latinLnBrk="0" hangingPunct="1">
+                            <a:lnSpc>
+                              <a:spcPct val="100000"/>
+                            </a:lnSpc>
+                            <a:spcBef>
+                              <a:spcPts val="0"/>
+                            </a:spcBef>
+                            <a:spcAft>
+                              <a:spcPts val="0"/>
+                            </a:spcAft>
+                            <a:buClrTx/>
+                            <a:buSzTx/>
+                            <a:buFontTx/>
+                            <a:buNone/>
+                            <a:tabLst/>
+                            <a:defRPr/>
+                          </a:pPr>
+                          <a14:m>
+                            <m:oMathPara xmlns:m="http://schemas.openxmlformats.org/officeDocument/2006/math">
+                              <m:oMathParaPr>
+                                <m:jc m:val="centerGroup"/>
+                              </m:oMathParaPr>
+                              <m:oMath xmlns:m="http://schemas.openxmlformats.org/officeDocument/2006/math">
+                                <m:r>
+                                  <a:rPr kumimoji="1" lang="en-US" altLang="ja-JP" b="1" i="1" smtClean="0">
+                                    <a:solidFill>
+                                      <a:schemeClr val="bg1"/>
+                                    </a:solidFill>
+                                    <a:latin typeface="Cambria Math" panose="02040503050406030204" pitchFamily="18" charset="0"/>
+                                  </a:rPr>
+                                  <m:t>𝑨</m:t>
+                                </m:r>
+                                <m:r>
+                                  <a:rPr kumimoji="1" lang="ja-JP" altLang="en-US" b="1" i="1" smtClean="0">
+                                    <a:solidFill>
+                                      <a:schemeClr val="bg1"/>
+                                    </a:solidFill>
+                                    <a:latin typeface="Cambria Math" panose="02040503050406030204" pitchFamily="18" charset="0"/>
+                                  </a:rPr>
+                                  <m:t>∙</m:t>
+                                </m:r>
+                                <m:r>
+                                  <a:rPr kumimoji="1" lang="en-US" altLang="ja-JP" b="1" i="1" smtClean="0">
+                                    <a:solidFill>
+                                      <a:schemeClr val="bg1"/>
+                                    </a:solidFill>
+                                    <a:latin typeface="Cambria Math" panose="02040503050406030204" pitchFamily="18" charset="0"/>
+                                  </a:rPr>
+                                  <m:t>𝑩</m:t>
+                                </m:r>
+                                <m:r>
+                                  <a:rPr kumimoji="1" lang="ja-JP" altLang="en-US" b="1" i="1" smtClean="0">
+                                    <a:solidFill>
+                                      <a:schemeClr val="bg1"/>
+                                    </a:solidFill>
+                                    <a:latin typeface="Cambria Math" panose="02040503050406030204" pitchFamily="18" charset="0"/>
+                                  </a:rPr>
+                                  <m:t>∙</m:t>
+                                </m:r>
+                                <m:r>
+                                  <a:rPr kumimoji="1" lang="en-US" altLang="ja-JP" b="1" i="1" smtClean="0">
+                                    <a:solidFill>
+                                      <a:schemeClr val="bg1"/>
+                                    </a:solidFill>
+                                    <a:latin typeface="Cambria Math" panose="02040503050406030204" pitchFamily="18" charset="0"/>
+                                  </a:rPr>
+                                  <m:t>𝑪</m:t>
+                                </m:r>
+                              </m:oMath>
+                            </m:oMathPara>
+                          </a14:m>
+                          <a:endParaRPr kumimoji="1" lang="ja-JP" altLang="en-US" b="1">
+                            <a:solidFill>
+                              <a:schemeClr val="bg1"/>
+                            </a:solidFill>
+                          </a:endParaRPr>
+                        </a:p>
+                      </a:txBody>
+                      <a:tcPr anchor="ctr">
+                        <a:solidFill>
+                          <a:srgbClr val="156082"/>
+                        </a:solidFill>
+                      </a:tcPr>
+                    </a:tc>
+                    <a:extLst>
+                      <a:ext uri="{0D108BD9-81ED-4DB2-BD59-A6C34878D82A}">
+                        <a16:rowId xmlns:a16="http://schemas.microsoft.com/office/drawing/2014/main" val="2156847811"/>
+                      </a:ext>
+                    </a:extLst>
+                  </a:tr>
+                  <a:tr h="476392">
+                    <a:tc>
+                      <a:txBody>
+                        <a:bodyPr/>
+                        <a:lstStyle/>
+                        <a:p>
+                          <a:pPr marL="0" marR="0" lvl="0" indent="0" algn="ctr" defTabSz="914400" rtl="0" eaLnBrk="1" fontAlgn="auto" latinLnBrk="0" hangingPunct="1">
+                            <a:lnSpc>
+                              <a:spcPct val="100000"/>
+                            </a:lnSpc>
+                            <a:spcBef>
+                              <a:spcPts val="0"/>
+                            </a:spcBef>
+                            <a:spcAft>
+                              <a:spcPts val="0"/>
+                            </a:spcAft>
+                            <a:buClrTx/>
+                            <a:buSzTx/>
+                            <a:buFontTx/>
+                            <a:buNone/>
+                            <a:tabLst/>
+                            <a:defRPr/>
+                          </a:pPr>
+                          <a14:m>
+                            <m:oMathPara xmlns:m="http://schemas.openxmlformats.org/officeDocument/2006/math">
+                              <m:oMathParaPr>
+                                <m:jc m:val="centerGroup"/>
+                              </m:oMathParaPr>
+                              <m:oMath xmlns:m="http://schemas.openxmlformats.org/officeDocument/2006/math">
+                                <m:r>
+                                  <a:rPr kumimoji="1" lang="en-US" altLang="ja-JP" b="1" i="1" smtClean="0">
+                                    <a:solidFill>
+                                      <a:schemeClr val="bg1"/>
+                                    </a:solidFill>
+                                    <a:latin typeface="Cambria Math" panose="02040503050406030204" pitchFamily="18" charset="0"/>
+                                  </a:rPr>
+                                  <m:t>𝑨</m:t>
+                                </m:r>
+                              </m:oMath>
+                            </m:oMathPara>
+                          </a14:m>
+                          <a:endParaRPr kumimoji="1" lang="en-US" altLang="ja-JP" b="1" dirty="0">
+                            <a:solidFill>
+                              <a:schemeClr val="bg1"/>
+                            </a:solidFill>
+                          </a:endParaRPr>
+                        </a:p>
+                      </a:txBody>
+                      <a:tcPr anchor="ctr">
+                        <a:lnL w="38100" cap="flat" cmpd="sng" algn="ctr">
+                          <a:solidFill>
+                            <a:schemeClr val="bg1"/>
+                          </a:solidFill>
+                          <a:prstDash val="solid"/>
+                          <a:round/>
+                          <a:headEnd type="none" w="med" len="med"/>
+                          <a:tailEnd type="none" w="med" len="med"/>
+                        </a:lnL>
+                      </a:tcPr>
+                    </a:tc>
+                    <a:tc>
+                      <a:txBody>
+                        <a:bodyPr/>
+                        <a:lstStyle/>
+                        <a:p>
+                          <a:pPr marL="0" marR="0" lvl="0" indent="0" algn="ctr" defTabSz="914400" rtl="0" eaLnBrk="1" fontAlgn="auto" latinLnBrk="0" hangingPunct="1">
+                            <a:lnSpc>
+                              <a:spcPct val="100000"/>
+                            </a:lnSpc>
+                            <a:spcBef>
+                              <a:spcPts val="0"/>
+                            </a:spcBef>
+                            <a:spcAft>
+                              <a:spcPts val="0"/>
+                            </a:spcAft>
+                            <a:buClrTx/>
+                            <a:buSzTx/>
+                            <a:buFontTx/>
+                            <a:buNone/>
+                            <a:tabLst/>
+                            <a:defRPr/>
+                          </a:pPr>
+                          <a:endParaRPr kumimoji="1" lang="ja-JP" altLang="en-US" b="1"/>
+                        </a:p>
+                      </a:txBody>
+                      <a:tcPr anchor="ctr"/>
+                    </a:tc>
+                    <a:tc>
+                      <a:txBody>
+                        <a:bodyPr/>
+                        <a:lstStyle/>
+                        <a:p>
+                          <a:pPr marL="0" marR="0" lvl="0" indent="0" algn="ctr" defTabSz="914400" rtl="0" eaLnBrk="1" fontAlgn="auto" latinLnBrk="0" hangingPunct="1">
+                            <a:lnSpc>
+                              <a:spcPct val="100000"/>
+                            </a:lnSpc>
+                            <a:spcBef>
+                              <a:spcPts val="0"/>
+                            </a:spcBef>
+                            <a:spcAft>
+                              <a:spcPts val="0"/>
+                            </a:spcAft>
+                            <a:buClrTx/>
+                            <a:buSzTx/>
+                            <a:buFontTx/>
+                            <a:buNone/>
+                            <a:tabLst/>
+                            <a:defRPr/>
+                          </a:pPr>
+                          <a:r>
+                            <a:rPr kumimoji="1" lang="ja-JP" altLang="en-US" b="1"/>
+                            <a:t>◎</a:t>
+                          </a:r>
+                        </a:p>
+                      </a:txBody>
+                      <a:tcPr anchor="ctr"/>
+                    </a:tc>
+                    <a:tc>
+                      <a:txBody>
+                        <a:bodyPr/>
+                        <a:lstStyle/>
+                        <a:p>
+                          <a:pPr marL="0" marR="0" lvl="0" indent="0" algn="ctr" defTabSz="914400" rtl="0" eaLnBrk="1" fontAlgn="auto" latinLnBrk="0" hangingPunct="1">
+                            <a:lnSpc>
+                              <a:spcPct val="100000"/>
+                            </a:lnSpc>
+                            <a:spcBef>
+                              <a:spcPts val="0"/>
+                            </a:spcBef>
+                            <a:spcAft>
+                              <a:spcPts val="0"/>
+                            </a:spcAft>
+                            <a:buClrTx/>
+                            <a:buSzTx/>
+                            <a:buFontTx/>
+                            <a:buNone/>
+                            <a:tabLst/>
+                            <a:defRPr/>
+                          </a:pPr>
+                          <a:r>
+                            <a:rPr kumimoji="1" lang="ja-JP" altLang="en-US" b="1"/>
+                            <a:t>◎</a:t>
+                          </a:r>
+                        </a:p>
+                      </a:txBody>
+                      <a:tcPr anchor="ctr"/>
+                    </a:tc>
+                    <a:tc>
+                      <a:txBody>
+                        <a:bodyPr/>
+                        <a:lstStyle/>
+                        <a:p>
+                          <a:pPr marL="0" marR="0" lvl="0" indent="0" algn="ctr" defTabSz="914400" rtl="0" eaLnBrk="1" fontAlgn="auto" latinLnBrk="0" hangingPunct="1">
+                            <a:lnSpc>
+                              <a:spcPct val="100000"/>
+                            </a:lnSpc>
+                            <a:spcBef>
+                              <a:spcPts val="0"/>
+                            </a:spcBef>
+                            <a:spcAft>
+                              <a:spcPts val="0"/>
+                            </a:spcAft>
+                            <a:buClrTx/>
+                            <a:buSzTx/>
+                            <a:buFontTx/>
+                            <a:buNone/>
+                            <a:tabLst/>
+                            <a:defRPr/>
+                          </a:pPr>
+                          <a:r>
+                            <a:rPr kumimoji="1" lang="ja-JP" altLang="en-US" b="1"/>
+                            <a:t>◎</a:t>
+                          </a:r>
+                        </a:p>
+                      </a:txBody>
+                      <a:tcPr anchor="ctr"/>
+                    </a:tc>
+                    <a:tc>
+                      <a:txBody>
+                        <a:bodyPr/>
+                        <a:lstStyle/>
+                        <a:p>
+                          <a:pPr marL="0" marR="0" lvl="0" indent="0" algn="ctr" defTabSz="914400" rtl="0" eaLnBrk="1" fontAlgn="auto" latinLnBrk="0" hangingPunct="1">
+                            <a:lnSpc>
+                              <a:spcPct val="100000"/>
+                            </a:lnSpc>
+                            <a:spcBef>
+                              <a:spcPts val="0"/>
+                            </a:spcBef>
+                            <a:spcAft>
+                              <a:spcPts val="0"/>
+                            </a:spcAft>
+                            <a:buClrTx/>
+                            <a:buSzTx/>
+                            <a:buFontTx/>
+                            <a:buNone/>
+                            <a:tabLst/>
+                            <a:defRPr/>
+                          </a:pPr>
+                          <a:r>
+                            <a:rPr kumimoji="1" lang="ja-JP" altLang="en-US" b="1"/>
+                            <a:t>◎</a:t>
+                          </a:r>
+                        </a:p>
+                      </a:txBody>
+                      <a:tcPr anchor="ctr"/>
+                    </a:tc>
+                    <a:extLst>
+                      <a:ext uri="{0D108BD9-81ED-4DB2-BD59-A6C34878D82A}">
+                        <a16:rowId xmlns:a16="http://schemas.microsoft.com/office/drawing/2014/main" val="497217108"/>
+                      </a:ext>
+                    </a:extLst>
+                  </a:tr>
+                  <a:tr h="476392">
+                    <a:tc>
+                      <a:txBody>
+                        <a:bodyPr/>
+                        <a:lstStyle/>
+                        <a:p>
+                          <a:pPr marL="0" marR="0" lvl="0" indent="0" algn="ctr" defTabSz="914400" rtl="0" eaLnBrk="1" fontAlgn="auto" latinLnBrk="0" hangingPunct="1">
+                            <a:lnSpc>
+                              <a:spcPct val="100000"/>
+                            </a:lnSpc>
+                            <a:spcBef>
+                              <a:spcPts val="0"/>
+                            </a:spcBef>
+                            <a:spcAft>
+                              <a:spcPts val="0"/>
+                            </a:spcAft>
+                            <a:buClrTx/>
+                            <a:buSzTx/>
+                            <a:buFontTx/>
+                            <a:buNone/>
+                            <a:tabLst/>
+                            <a:defRPr/>
+                          </a:pPr>
+                          <a14:m>
+                            <m:oMathPara xmlns:m="http://schemas.openxmlformats.org/officeDocument/2006/math">
+                              <m:oMathParaPr>
+                                <m:jc m:val="centerGroup"/>
+                              </m:oMathParaPr>
+                              <m:oMath xmlns:m="http://schemas.openxmlformats.org/officeDocument/2006/math">
+                                <m:r>
+                                  <a:rPr kumimoji="1" lang="en-US" altLang="ja-JP" b="1" i="1" smtClean="0">
+                                    <a:solidFill>
+                                      <a:schemeClr val="bg1"/>
+                                    </a:solidFill>
+                                    <a:latin typeface="Cambria Math" panose="02040503050406030204" pitchFamily="18" charset="0"/>
+                                  </a:rPr>
+                                  <m:t>𝑩</m:t>
+                                </m:r>
+                                <m:r>
+                                  <a:rPr kumimoji="1" lang="ja-JP" altLang="en-US" b="1" i="1" smtClean="0">
+                                    <a:solidFill>
+                                      <a:schemeClr val="bg1"/>
+                                    </a:solidFill>
+                                    <a:latin typeface="Cambria Math" panose="02040503050406030204" pitchFamily="18" charset="0"/>
+                                  </a:rPr>
+                                  <m:t>∙</m:t>
+                                </m:r>
+                                <m:acc>
+                                  <m:accPr>
+                                    <m:chr m:val="̅"/>
+                                    <m:ctrlPr>
+                                      <a:rPr kumimoji="1" lang="ja-JP" altLang="en-US" b="1" i="1" smtClean="0">
+                                        <a:solidFill>
+                                          <a:schemeClr val="bg1"/>
+                                        </a:solidFill>
+                                        <a:latin typeface="Cambria Math" panose="02040503050406030204" pitchFamily="18" charset="0"/>
+                                      </a:rPr>
+                                    </m:ctrlPr>
+                                  </m:accPr>
+                                  <m:e>
+                                    <m:r>
+                                      <a:rPr kumimoji="1" lang="en-US" altLang="ja-JP" b="1" i="1" smtClean="0">
+                                        <a:solidFill>
+                                          <a:schemeClr val="bg1"/>
+                                        </a:solidFill>
+                                        <a:latin typeface="Cambria Math" panose="02040503050406030204" pitchFamily="18" charset="0"/>
+                                      </a:rPr>
+                                      <m:t>𝑪</m:t>
+                                    </m:r>
+                                  </m:e>
+                                </m:acc>
+                              </m:oMath>
+                            </m:oMathPara>
+                          </a14:m>
+                          <a:endParaRPr kumimoji="1" lang="ja-JP" altLang="en-US" b="1"/>
+                        </a:p>
+                      </a:txBody>
+                      <a:tcPr anchor="ctr">
+                        <a:lnL w="38100" cap="flat" cmpd="sng" algn="ctr">
+                          <a:solidFill>
+                            <a:schemeClr val="bg1"/>
+                          </a:solidFill>
+                          <a:prstDash val="solid"/>
+                          <a:round/>
+                          <a:headEnd type="none" w="med" len="med"/>
+                          <a:tailEnd type="none" w="med" len="med"/>
+                        </a:lnL>
+                      </a:tcPr>
+                    </a:tc>
+                    <a:tc>
+                      <a:txBody>
+                        <a:bodyPr/>
+                        <a:lstStyle/>
+                        <a:p>
+                          <a:pPr marL="0" marR="0" lvl="0" indent="0" algn="ctr" defTabSz="914400" rtl="0" eaLnBrk="1" fontAlgn="auto" latinLnBrk="0" hangingPunct="1">
+                            <a:lnSpc>
+                              <a:spcPct val="100000"/>
+                            </a:lnSpc>
+                            <a:spcBef>
+                              <a:spcPts val="0"/>
+                            </a:spcBef>
+                            <a:spcAft>
+                              <a:spcPts val="0"/>
+                            </a:spcAft>
+                            <a:buClrTx/>
+                            <a:buSzTx/>
+                            <a:buFontTx/>
+                            <a:buNone/>
+                            <a:tabLst/>
+                            <a:defRPr/>
+                          </a:pPr>
+                          <a:r>
+                            <a:rPr kumimoji="1" lang="ja-JP" altLang="en-US" b="1"/>
+                            <a:t>◎</a:t>
+                          </a:r>
+                        </a:p>
+                      </a:txBody>
+                      <a:tcPr anchor="ctr"/>
+                    </a:tc>
+                    <a:tc>
+                      <a:txBody>
+                        <a:bodyPr/>
+                        <a:lstStyle/>
+                        <a:p>
+                          <a:pPr marL="0" marR="0" lvl="0" indent="0" algn="ctr" defTabSz="914400" rtl="0" eaLnBrk="1" fontAlgn="auto" latinLnBrk="0" hangingPunct="1">
+                            <a:lnSpc>
+                              <a:spcPct val="100000"/>
+                            </a:lnSpc>
+                            <a:spcBef>
+                              <a:spcPts val="0"/>
+                            </a:spcBef>
+                            <a:spcAft>
+                              <a:spcPts val="0"/>
+                            </a:spcAft>
+                            <a:buClrTx/>
+                            <a:buSzTx/>
+                            <a:buFontTx/>
+                            <a:buNone/>
+                            <a:tabLst/>
+                            <a:defRPr/>
+                          </a:pPr>
+                          <a:endParaRPr kumimoji="1" lang="ja-JP" altLang="en-US" b="1"/>
+                        </a:p>
+                      </a:txBody>
+                      <a:tcPr anchor="ctr"/>
+                    </a:tc>
+                    <a:tc>
+                      <a:txBody>
+                        <a:bodyPr/>
+                        <a:lstStyle/>
+                        <a:p>
+                          <a:pPr marL="0" marR="0" lvl="0" indent="0" algn="ctr" defTabSz="914400" rtl="0" eaLnBrk="1" fontAlgn="auto" latinLnBrk="0" hangingPunct="1">
+                            <a:lnSpc>
+                              <a:spcPct val="100000"/>
+                            </a:lnSpc>
+                            <a:spcBef>
+                              <a:spcPts val="0"/>
+                            </a:spcBef>
+                            <a:spcAft>
+                              <a:spcPts val="0"/>
+                            </a:spcAft>
+                            <a:buClrTx/>
+                            <a:buSzTx/>
+                            <a:buFontTx/>
+                            <a:buNone/>
+                            <a:tabLst/>
+                            <a:defRPr/>
+                          </a:pPr>
+                          <a:endParaRPr kumimoji="1" lang="ja-JP" altLang="en-US" b="1"/>
+                        </a:p>
+                      </a:txBody>
+                      <a:tcPr anchor="ctr"/>
+                    </a:tc>
+                    <a:tc>
+                      <a:txBody>
+                        <a:bodyPr/>
+                        <a:lstStyle/>
+                        <a:p>
+                          <a:pPr marL="0" marR="0" lvl="0" indent="0" algn="ctr" defTabSz="914400" rtl="0" eaLnBrk="1" fontAlgn="auto" latinLnBrk="0" hangingPunct="1">
+                            <a:lnSpc>
+                              <a:spcPct val="100000"/>
+                            </a:lnSpc>
+                            <a:spcBef>
+                              <a:spcPts val="0"/>
+                            </a:spcBef>
+                            <a:spcAft>
+                              <a:spcPts val="0"/>
+                            </a:spcAft>
+                            <a:buClrTx/>
+                            <a:buSzTx/>
+                            <a:buFontTx/>
+                            <a:buNone/>
+                            <a:tabLst/>
+                            <a:defRPr/>
+                          </a:pPr>
+                          <a:r>
+                            <a:rPr kumimoji="1" lang="ja-JP" altLang="en-US" b="1"/>
+                            <a:t>◎</a:t>
+                          </a:r>
+                        </a:p>
+                      </a:txBody>
+                      <a:tcPr anchor="ctr"/>
+                    </a:tc>
+                    <a:tc>
+                      <a:txBody>
+                        <a:bodyPr/>
+                        <a:lstStyle/>
+                        <a:p>
+                          <a:pPr marL="0" marR="0" lvl="0" indent="0" algn="ctr" defTabSz="914400" rtl="0" eaLnBrk="1" fontAlgn="auto" latinLnBrk="0" hangingPunct="1">
+                            <a:lnSpc>
+                              <a:spcPct val="100000"/>
+                            </a:lnSpc>
+                            <a:spcBef>
+                              <a:spcPts val="0"/>
+                            </a:spcBef>
+                            <a:spcAft>
+                              <a:spcPts val="0"/>
+                            </a:spcAft>
+                            <a:buClrTx/>
+                            <a:buSzTx/>
+                            <a:buFontTx/>
+                            <a:buNone/>
+                            <a:tabLst/>
+                            <a:defRPr/>
+                          </a:pPr>
+                          <a:r>
+                            <a:rPr kumimoji="1" lang="ja-JP" altLang="en-US" b="1"/>
+                            <a:t>◎</a:t>
+                          </a:r>
+                        </a:p>
+                      </a:txBody>
+                      <a:tcPr anchor="ctr"/>
+                    </a:tc>
+                    <a:extLst>
+                      <a:ext uri="{0D108BD9-81ED-4DB2-BD59-A6C34878D82A}">
+                        <a16:rowId xmlns:a16="http://schemas.microsoft.com/office/drawing/2014/main" val="1605274719"/>
+                      </a:ext>
+                    </a:extLst>
+                  </a:tr>
+                </a:tbl>
+              </a:graphicData>
+            </a:graphic>
+          </p:graphicFrame>
+        </mc:Choice>
+        <mc:Fallback>
+          <p:graphicFrame>
+            <p:nvGraphicFramePr>
+              <p:cNvPr id="61" name="表 60">
+                <a:extLst>
+                  <a:ext uri="{FF2B5EF4-FFF2-40B4-BE49-F238E27FC236}">
+                    <a16:creationId xmlns:a16="http://schemas.microsoft.com/office/drawing/2014/main" id="{10F7625E-5882-23D3-1565-61EF6994D21B}"/>
+                  </a:ext>
+                </a:extLst>
+              </p:cNvPr>
+              <p:cNvGraphicFramePr>
+                <a:graphicFrameLocks noGrp="1"/>
+              </p:cNvGraphicFramePr>
+              <p:nvPr>
+                <p:extLst>
+                  <p:ext uri="{D42A27DB-BD31-4B8C-83A1-F6EECF244321}">
+                    <p14:modId xmlns:p14="http://schemas.microsoft.com/office/powerpoint/2010/main" val="498587186"/>
+                  </p:ext>
+                </p:extLst>
+              </p:nvPr>
+            </p:nvGraphicFramePr>
+            <p:xfrm>
+              <a:off x="907393" y="4895831"/>
+              <a:ext cx="6204108" cy="1794936"/>
+            </p:xfrm>
+            <a:graphic>
+              <a:graphicData uri="http://schemas.openxmlformats.org/drawingml/2006/table">
+                <a:tbl>
+                  <a:tblPr firstRow="1" firstCol="1" bandRow="1">
+                    <a:tableStyleId>{5C22544A-7EE6-4342-B048-85BDC9FD1C3A}</a:tableStyleId>
+                  </a:tblPr>
+                  <a:tblGrid>
+                    <a:gridCol w="1034018">
+                      <a:extLst>
+                        <a:ext uri="{9D8B030D-6E8A-4147-A177-3AD203B41FA5}">
+                          <a16:colId xmlns:a16="http://schemas.microsoft.com/office/drawing/2014/main" val="1865095150"/>
+                        </a:ext>
+                      </a:extLst>
+                    </a:gridCol>
+                    <a:gridCol w="1034018">
+                      <a:extLst>
+                        <a:ext uri="{9D8B030D-6E8A-4147-A177-3AD203B41FA5}">
+                          <a16:colId xmlns:a16="http://schemas.microsoft.com/office/drawing/2014/main" val="1372891102"/>
+                        </a:ext>
+                      </a:extLst>
+                    </a:gridCol>
+                    <a:gridCol w="1034018">
+                      <a:extLst>
+                        <a:ext uri="{9D8B030D-6E8A-4147-A177-3AD203B41FA5}">
+                          <a16:colId xmlns:a16="http://schemas.microsoft.com/office/drawing/2014/main" val="3020554967"/>
+                        </a:ext>
+                      </a:extLst>
+                    </a:gridCol>
+                    <a:gridCol w="1034018">
+                      <a:extLst>
+                        <a:ext uri="{9D8B030D-6E8A-4147-A177-3AD203B41FA5}">
+                          <a16:colId xmlns:a16="http://schemas.microsoft.com/office/drawing/2014/main" val="1429596059"/>
+                        </a:ext>
+                      </a:extLst>
+                    </a:gridCol>
+                    <a:gridCol w="1034018">
+                      <a:extLst>
+                        <a:ext uri="{9D8B030D-6E8A-4147-A177-3AD203B41FA5}">
+                          <a16:colId xmlns:a16="http://schemas.microsoft.com/office/drawing/2014/main" val="327818860"/>
+                        </a:ext>
+                      </a:extLst>
+                    </a:gridCol>
+                    <a:gridCol w="1034018">
+                      <a:extLst>
+                        <a:ext uri="{9D8B030D-6E8A-4147-A177-3AD203B41FA5}">
+                          <a16:colId xmlns:a16="http://schemas.microsoft.com/office/drawing/2014/main" val="1524486501"/>
+                        </a:ext>
+                      </a:extLst>
+                    </a:gridCol>
+                  </a:tblGrid>
+                  <a:tr h="365760">
+                    <a:tc rowSpan="2">
+                      <a:txBody>
+                        <a:bodyPr/>
+                        <a:lstStyle/>
+                        <a:p>
+                          <a:pPr algn="ctr"/>
+                          <a:r>
+                            <a:rPr kumimoji="1" lang="ja-JP" altLang="en-US"/>
+                            <a:t>主項</a:t>
+                          </a:r>
+                        </a:p>
+                      </a:txBody>
+                      <a:tcPr anchor="ctr">
+                        <a:lnL w="38100" cap="flat" cmpd="sng" algn="ctr">
+                          <a:solidFill>
+                            <a:schemeClr val="bg1"/>
+                          </a:solidFill>
+                          <a:prstDash val="solid"/>
+                          <a:round/>
+                          <a:headEnd type="none" w="med" len="med"/>
+                          <a:tailEnd type="none" w="med" len="med"/>
+                        </a:lnL>
+                      </a:tcPr>
+                    </a:tc>
+                    <a:tc gridSpan="5">
+                      <a:txBody>
+                        <a:bodyPr/>
+                        <a:lstStyle/>
+                        <a:p>
+                          <a:pPr algn="ctr"/>
+                          <a:r>
+                            <a:rPr kumimoji="1" lang="ja-JP" altLang="en-US"/>
+                            <a:t>最小項</a:t>
+                          </a:r>
+                        </a:p>
+                      </a:txBody>
+                      <a:tcPr anchor="ctr">
+                        <a:solidFill>
+                          <a:srgbClr val="156082"/>
+                        </a:solidFill>
+                      </a:tcPr>
+                    </a:tc>
+                    <a:tc hMerge="1">
+                      <a:txBody>
+                        <a:bodyPr/>
+                        <a:lstStyle/>
+                        <a:p>
+                          <a:endParaRPr kumimoji="1" lang="ja-JP" altLang="en-US"/>
+                        </a:p>
+                      </a:txBody>
+                      <a:tcPr/>
+                    </a:tc>
+                    <a:tc hMerge="1">
+                      <a:txBody>
+                        <a:bodyPr/>
+                        <a:lstStyle/>
+                        <a:p>
+                          <a:pPr algn="ctr"/>
+                          <a:endParaRPr kumimoji="1" lang="ja-JP" altLang="en-US"/>
+                        </a:p>
+                      </a:txBody>
+                      <a:tcPr anchor="ctr"/>
+                    </a:tc>
+                    <a:tc hMerge="1">
+                      <a:txBody>
+                        <a:bodyPr/>
+                        <a:lstStyle/>
+                        <a:p>
+                          <a:pPr algn="ctr"/>
+                          <a:endParaRPr kumimoji="1" lang="ja-JP" altLang="en-US"/>
+                        </a:p>
+                      </a:txBody>
+                      <a:tcPr anchor="ctr"/>
+                    </a:tc>
+                    <a:tc hMerge="1">
+                      <a:txBody>
+                        <a:bodyPr/>
+                        <a:lstStyle/>
+                        <a:p>
+                          <a:pPr algn="ctr"/>
+                          <a:endParaRPr kumimoji="1" lang="ja-JP" altLang="en-US"/>
+                        </a:p>
+                      </a:txBody>
+                      <a:tcPr anchor="ctr"/>
+                    </a:tc>
+                    <a:extLst>
+                      <a:ext uri="{0D108BD9-81ED-4DB2-BD59-A6C34878D82A}">
+                        <a16:rowId xmlns:a16="http://schemas.microsoft.com/office/drawing/2014/main" val="3253329725"/>
+                      </a:ext>
+                    </a:extLst>
+                  </a:tr>
+                  <a:tr h="476392">
+                    <a:tc vMerge="1">
+                      <a:txBody>
+                        <a:bodyPr/>
+                        <a:lstStyle/>
+                        <a:p>
+                          <a:pPr algn="ctr"/>
+                          <a:endParaRPr kumimoji="1" lang="ja-JP" altLang="en-US" b="1"/>
+                        </a:p>
+                      </a:txBody>
+                      <a:tcPr anchor="ctr">
+                        <a:lnL w="38100" cap="flat" cmpd="sng" algn="ctr">
+                          <a:solidFill>
+                            <a:schemeClr val="bg1"/>
+                          </a:solidFill>
+                          <a:prstDash val="solid"/>
+                          <a:round/>
+                          <a:headEnd type="none" w="med" len="med"/>
+                          <a:tailEnd type="none" w="med" len="med"/>
+                        </a:lnL>
+                      </a:tcPr>
+                    </a:tc>
+                    <a:tc>
+                      <a:txBody>
+                        <a:bodyPr/>
+                        <a:lstStyle/>
+                        <a:p>
+                          <a:endParaRPr lang="ja-JP"/>
+                        </a:p>
+                      </a:txBody>
+                      <a:tcPr anchor="ctr">
+                        <a:blipFill>
+                          <a:blip r:embed="rId3"/>
+                          <a:stretch>
+                            <a:fillRect l="-103704" t="-81579" r="-406173" b="-207895"/>
+                          </a:stretch>
+                        </a:blipFill>
+                      </a:tcPr>
+                    </a:tc>
+                    <a:tc>
+                      <a:txBody>
+                        <a:bodyPr/>
+                        <a:lstStyle/>
+                        <a:p>
+                          <a:endParaRPr lang="ja-JP"/>
+                        </a:p>
+                      </a:txBody>
+                      <a:tcPr anchor="ctr">
+                        <a:blipFill>
+                          <a:blip r:embed="rId3"/>
+                          <a:stretch>
+                            <a:fillRect l="-201220" t="-81579" r="-301220" b="-207895"/>
+                          </a:stretch>
+                        </a:blipFill>
+                      </a:tcPr>
+                    </a:tc>
+                    <a:tc>
+                      <a:txBody>
+                        <a:bodyPr/>
+                        <a:lstStyle/>
+                        <a:p>
+                          <a:endParaRPr lang="ja-JP"/>
+                        </a:p>
+                      </a:txBody>
+                      <a:tcPr anchor="ctr">
+                        <a:blipFill>
+                          <a:blip r:embed="rId3"/>
+                          <a:stretch>
+                            <a:fillRect l="-304938" t="-81579" r="-204938" b="-207895"/>
+                          </a:stretch>
+                        </a:blipFill>
+                      </a:tcPr>
+                    </a:tc>
+                    <a:tc>
+                      <a:txBody>
+                        <a:bodyPr/>
+                        <a:lstStyle/>
+                        <a:p>
+                          <a:endParaRPr lang="ja-JP"/>
+                        </a:p>
+                      </a:txBody>
+                      <a:tcPr anchor="ctr">
+                        <a:blipFill>
+                          <a:blip r:embed="rId3"/>
+                          <a:stretch>
+                            <a:fillRect l="-400000" t="-81579" r="-102439" b="-207895"/>
+                          </a:stretch>
+                        </a:blipFill>
+                      </a:tcPr>
+                    </a:tc>
+                    <a:tc>
+                      <a:txBody>
+                        <a:bodyPr/>
+                        <a:lstStyle/>
+                        <a:p>
+                          <a:endParaRPr lang="ja-JP"/>
+                        </a:p>
+                      </a:txBody>
+                      <a:tcPr anchor="ctr">
+                        <a:blipFill>
+                          <a:blip r:embed="rId3"/>
+                          <a:stretch>
+                            <a:fillRect l="-506173" t="-81579" r="-3704" b="-207895"/>
+                          </a:stretch>
+                        </a:blipFill>
+                      </a:tcPr>
+                    </a:tc>
+                    <a:extLst>
+                      <a:ext uri="{0D108BD9-81ED-4DB2-BD59-A6C34878D82A}">
+                        <a16:rowId xmlns:a16="http://schemas.microsoft.com/office/drawing/2014/main" val="2156847811"/>
+                      </a:ext>
+                    </a:extLst>
+                  </a:tr>
+                  <a:tr h="476392">
+                    <a:tc>
+                      <a:txBody>
+                        <a:bodyPr/>
+                        <a:lstStyle/>
+                        <a:p>
+                          <a:endParaRPr lang="ja-JP"/>
+                        </a:p>
+                      </a:txBody>
+                      <a:tcPr anchor="ctr">
+                        <a:lnL w="38100" cap="flat" cmpd="sng" algn="ctr">
+                          <a:solidFill>
+                            <a:schemeClr val="bg1"/>
+                          </a:solidFill>
+                          <a:prstDash val="solid"/>
+                          <a:round/>
+                          <a:headEnd type="none" w="med" len="med"/>
+                          <a:tailEnd type="none" w="med" len="med"/>
+                        </a:lnL>
+                        <a:blipFill>
+                          <a:blip r:embed="rId3"/>
+                          <a:stretch>
+                            <a:fillRect l="-2439" t="-186486" r="-500000" b="-113514"/>
+                          </a:stretch>
+                        </a:blipFill>
+                      </a:tcPr>
+                    </a:tc>
+                    <a:tc>
+                      <a:txBody>
+                        <a:bodyPr/>
+                        <a:lstStyle/>
+                        <a:p>
+                          <a:pPr marL="0" marR="0" lvl="0" indent="0" algn="ctr" defTabSz="914400" rtl="0" eaLnBrk="1" fontAlgn="auto" latinLnBrk="0" hangingPunct="1">
+                            <a:lnSpc>
+                              <a:spcPct val="100000"/>
+                            </a:lnSpc>
+                            <a:spcBef>
+                              <a:spcPts val="0"/>
+                            </a:spcBef>
+                            <a:spcAft>
+                              <a:spcPts val="0"/>
+                            </a:spcAft>
+                            <a:buClrTx/>
+                            <a:buSzTx/>
+                            <a:buFontTx/>
+                            <a:buNone/>
+                            <a:tabLst/>
+                            <a:defRPr/>
+                          </a:pPr>
+                          <a:endParaRPr kumimoji="1" lang="ja-JP" altLang="en-US" b="1"/>
+                        </a:p>
+                      </a:txBody>
+                      <a:tcPr anchor="ctr"/>
+                    </a:tc>
+                    <a:tc>
+                      <a:txBody>
+                        <a:bodyPr/>
+                        <a:lstStyle/>
+                        <a:p>
+                          <a:pPr marL="0" marR="0" lvl="0" indent="0" algn="ctr" defTabSz="914400" rtl="0" eaLnBrk="1" fontAlgn="auto" latinLnBrk="0" hangingPunct="1">
+                            <a:lnSpc>
+                              <a:spcPct val="100000"/>
+                            </a:lnSpc>
+                            <a:spcBef>
+                              <a:spcPts val="0"/>
+                            </a:spcBef>
+                            <a:spcAft>
+                              <a:spcPts val="0"/>
+                            </a:spcAft>
+                            <a:buClrTx/>
+                            <a:buSzTx/>
+                            <a:buFontTx/>
+                            <a:buNone/>
+                            <a:tabLst/>
+                            <a:defRPr/>
+                          </a:pPr>
+                          <a:r>
+                            <a:rPr kumimoji="1" lang="ja-JP" altLang="en-US" b="1"/>
+                            <a:t>◎</a:t>
+                          </a:r>
+                        </a:p>
+                      </a:txBody>
+                      <a:tcPr anchor="ctr"/>
+                    </a:tc>
+                    <a:tc>
+                      <a:txBody>
+                        <a:bodyPr/>
+                        <a:lstStyle/>
+                        <a:p>
+                          <a:pPr marL="0" marR="0" lvl="0" indent="0" algn="ctr" defTabSz="914400" rtl="0" eaLnBrk="1" fontAlgn="auto" latinLnBrk="0" hangingPunct="1">
+                            <a:lnSpc>
+                              <a:spcPct val="100000"/>
+                            </a:lnSpc>
+                            <a:spcBef>
+                              <a:spcPts val="0"/>
+                            </a:spcBef>
+                            <a:spcAft>
+                              <a:spcPts val="0"/>
+                            </a:spcAft>
+                            <a:buClrTx/>
+                            <a:buSzTx/>
+                            <a:buFontTx/>
+                            <a:buNone/>
+                            <a:tabLst/>
+                            <a:defRPr/>
+                          </a:pPr>
+                          <a:r>
+                            <a:rPr kumimoji="1" lang="ja-JP" altLang="en-US" b="1"/>
+                            <a:t>◎</a:t>
+                          </a:r>
+                        </a:p>
+                      </a:txBody>
+                      <a:tcPr anchor="ctr"/>
+                    </a:tc>
+                    <a:tc>
+                      <a:txBody>
+                        <a:bodyPr/>
+                        <a:lstStyle/>
+                        <a:p>
+                          <a:pPr marL="0" marR="0" lvl="0" indent="0" algn="ctr" defTabSz="914400" rtl="0" eaLnBrk="1" fontAlgn="auto" latinLnBrk="0" hangingPunct="1">
+                            <a:lnSpc>
+                              <a:spcPct val="100000"/>
+                            </a:lnSpc>
+                            <a:spcBef>
+                              <a:spcPts val="0"/>
+                            </a:spcBef>
+                            <a:spcAft>
+                              <a:spcPts val="0"/>
+                            </a:spcAft>
+                            <a:buClrTx/>
+                            <a:buSzTx/>
+                            <a:buFontTx/>
+                            <a:buNone/>
+                            <a:tabLst/>
+                            <a:defRPr/>
+                          </a:pPr>
+                          <a:r>
+                            <a:rPr kumimoji="1" lang="ja-JP" altLang="en-US" b="1"/>
+                            <a:t>◎</a:t>
+                          </a:r>
+                        </a:p>
+                      </a:txBody>
+                      <a:tcPr anchor="ctr"/>
+                    </a:tc>
+                    <a:tc>
+                      <a:txBody>
+                        <a:bodyPr/>
+                        <a:lstStyle/>
+                        <a:p>
+                          <a:pPr marL="0" marR="0" lvl="0" indent="0" algn="ctr" defTabSz="914400" rtl="0" eaLnBrk="1" fontAlgn="auto" latinLnBrk="0" hangingPunct="1">
+                            <a:lnSpc>
+                              <a:spcPct val="100000"/>
+                            </a:lnSpc>
+                            <a:spcBef>
+                              <a:spcPts val="0"/>
+                            </a:spcBef>
+                            <a:spcAft>
+                              <a:spcPts val="0"/>
+                            </a:spcAft>
+                            <a:buClrTx/>
+                            <a:buSzTx/>
+                            <a:buFontTx/>
+                            <a:buNone/>
+                            <a:tabLst/>
+                            <a:defRPr/>
+                          </a:pPr>
+                          <a:r>
+                            <a:rPr kumimoji="1" lang="ja-JP" altLang="en-US" b="1"/>
+                            <a:t>◎</a:t>
+                          </a:r>
+                        </a:p>
+                      </a:txBody>
+                      <a:tcPr anchor="ctr"/>
+                    </a:tc>
+                    <a:extLst>
+                      <a:ext uri="{0D108BD9-81ED-4DB2-BD59-A6C34878D82A}">
+                        <a16:rowId xmlns:a16="http://schemas.microsoft.com/office/drawing/2014/main" val="497217108"/>
+                      </a:ext>
+                    </a:extLst>
+                  </a:tr>
+                  <a:tr h="476392">
+                    <a:tc>
+                      <a:txBody>
+                        <a:bodyPr/>
+                        <a:lstStyle/>
+                        <a:p>
+                          <a:endParaRPr lang="ja-JP"/>
+                        </a:p>
+                      </a:txBody>
+                      <a:tcPr anchor="ctr">
+                        <a:lnL w="38100" cap="flat" cmpd="sng" algn="ctr">
+                          <a:solidFill>
+                            <a:schemeClr val="bg1"/>
+                          </a:solidFill>
+                          <a:prstDash val="solid"/>
+                          <a:round/>
+                          <a:headEnd type="none" w="med" len="med"/>
+                          <a:tailEnd type="none" w="med" len="med"/>
+                        </a:lnL>
+                        <a:blipFill>
+                          <a:blip r:embed="rId3"/>
+                          <a:stretch>
+                            <a:fillRect l="-2439" t="-278947" r="-500000" b="-10526"/>
+                          </a:stretch>
+                        </a:blipFill>
+                      </a:tcPr>
+                    </a:tc>
+                    <a:tc>
+                      <a:txBody>
+                        <a:bodyPr/>
+                        <a:lstStyle/>
+                        <a:p>
+                          <a:pPr marL="0" marR="0" lvl="0" indent="0" algn="ctr" defTabSz="914400" rtl="0" eaLnBrk="1" fontAlgn="auto" latinLnBrk="0" hangingPunct="1">
+                            <a:lnSpc>
+                              <a:spcPct val="100000"/>
+                            </a:lnSpc>
+                            <a:spcBef>
+                              <a:spcPts val="0"/>
+                            </a:spcBef>
+                            <a:spcAft>
+                              <a:spcPts val="0"/>
+                            </a:spcAft>
+                            <a:buClrTx/>
+                            <a:buSzTx/>
+                            <a:buFontTx/>
+                            <a:buNone/>
+                            <a:tabLst/>
+                            <a:defRPr/>
+                          </a:pPr>
+                          <a:r>
+                            <a:rPr kumimoji="1" lang="ja-JP" altLang="en-US" b="1"/>
+                            <a:t>◎</a:t>
+                          </a:r>
+                        </a:p>
+                      </a:txBody>
+                      <a:tcPr anchor="ctr"/>
+                    </a:tc>
+                    <a:tc>
+                      <a:txBody>
+                        <a:bodyPr/>
+                        <a:lstStyle/>
+                        <a:p>
+                          <a:pPr marL="0" marR="0" lvl="0" indent="0" algn="ctr" defTabSz="914400" rtl="0" eaLnBrk="1" fontAlgn="auto" latinLnBrk="0" hangingPunct="1">
+                            <a:lnSpc>
+                              <a:spcPct val="100000"/>
+                            </a:lnSpc>
+                            <a:spcBef>
+                              <a:spcPts val="0"/>
+                            </a:spcBef>
+                            <a:spcAft>
+                              <a:spcPts val="0"/>
+                            </a:spcAft>
+                            <a:buClrTx/>
+                            <a:buSzTx/>
+                            <a:buFontTx/>
+                            <a:buNone/>
+                            <a:tabLst/>
+                            <a:defRPr/>
+                          </a:pPr>
+                          <a:endParaRPr kumimoji="1" lang="ja-JP" altLang="en-US" b="1"/>
+                        </a:p>
+                      </a:txBody>
+                      <a:tcPr anchor="ctr"/>
+                    </a:tc>
+                    <a:tc>
+                      <a:txBody>
+                        <a:bodyPr/>
+                        <a:lstStyle/>
+                        <a:p>
+                          <a:pPr marL="0" marR="0" lvl="0" indent="0" algn="ctr" defTabSz="914400" rtl="0" eaLnBrk="1" fontAlgn="auto" latinLnBrk="0" hangingPunct="1">
+                            <a:lnSpc>
+                              <a:spcPct val="100000"/>
+                            </a:lnSpc>
+                            <a:spcBef>
+                              <a:spcPts val="0"/>
+                            </a:spcBef>
+                            <a:spcAft>
+                              <a:spcPts val="0"/>
+                            </a:spcAft>
+                            <a:buClrTx/>
+                            <a:buSzTx/>
+                            <a:buFontTx/>
+                            <a:buNone/>
+                            <a:tabLst/>
+                            <a:defRPr/>
+                          </a:pPr>
+                          <a:endParaRPr kumimoji="1" lang="ja-JP" altLang="en-US" b="1"/>
+                        </a:p>
+                      </a:txBody>
+                      <a:tcPr anchor="ctr"/>
+                    </a:tc>
+                    <a:tc>
+                      <a:txBody>
+                        <a:bodyPr/>
+                        <a:lstStyle/>
+                        <a:p>
+                          <a:pPr marL="0" marR="0" lvl="0" indent="0" algn="ctr" defTabSz="914400" rtl="0" eaLnBrk="1" fontAlgn="auto" latinLnBrk="0" hangingPunct="1">
+                            <a:lnSpc>
+                              <a:spcPct val="100000"/>
+                            </a:lnSpc>
+                            <a:spcBef>
+                              <a:spcPts val="0"/>
+                            </a:spcBef>
+                            <a:spcAft>
+                              <a:spcPts val="0"/>
+                            </a:spcAft>
+                            <a:buClrTx/>
+                            <a:buSzTx/>
+                            <a:buFontTx/>
+                            <a:buNone/>
+                            <a:tabLst/>
+                            <a:defRPr/>
+                          </a:pPr>
+                          <a:r>
+                            <a:rPr kumimoji="1" lang="ja-JP" altLang="en-US" b="1"/>
+                            <a:t>◎</a:t>
+                          </a:r>
+                        </a:p>
+                      </a:txBody>
+                      <a:tcPr anchor="ctr"/>
+                    </a:tc>
+                    <a:tc>
+                      <a:txBody>
+                        <a:bodyPr/>
+                        <a:lstStyle/>
+                        <a:p>
+                          <a:pPr marL="0" marR="0" lvl="0" indent="0" algn="ctr" defTabSz="914400" rtl="0" eaLnBrk="1" fontAlgn="auto" latinLnBrk="0" hangingPunct="1">
+                            <a:lnSpc>
+                              <a:spcPct val="100000"/>
+                            </a:lnSpc>
+                            <a:spcBef>
+                              <a:spcPts val="0"/>
+                            </a:spcBef>
+                            <a:spcAft>
+                              <a:spcPts val="0"/>
+                            </a:spcAft>
+                            <a:buClrTx/>
+                            <a:buSzTx/>
+                            <a:buFontTx/>
+                            <a:buNone/>
+                            <a:tabLst/>
+                            <a:defRPr/>
+                          </a:pPr>
+                          <a:r>
+                            <a:rPr kumimoji="1" lang="ja-JP" altLang="en-US" b="1"/>
+                            <a:t>◎</a:t>
+                          </a:r>
+                        </a:p>
+                      </a:txBody>
+                      <a:tcPr anchor="ctr"/>
+                    </a:tc>
+                    <a:extLst>
+                      <a:ext uri="{0D108BD9-81ED-4DB2-BD59-A6C34878D82A}">
+                        <a16:rowId xmlns:a16="http://schemas.microsoft.com/office/drawing/2014/main" val="1605274719"/>
+                      </a:ext>
+                    </a:extLst>
+                  </a:tr>
+                </a:tbl>
+              </a:graphicData>
+            </a:graphic>
+          </p:graphicFrame>
+        </mc:Fallback>
+      </mc:AlternateContent>
+    </p:spTree>
+    <p:extLst>
+      <p:ext uri="{BB962C8B-B14F-4D97-AF65-F5344CB8AC3E}">
+        <p14:creationId xmlns:p14="http://schemas.microsoft.com/office/powerpoint/2010/main" val="3320220801"/>
       </p:ext>
     </p:extLst>
   </p:cSld>
@@ -19156,8 +24291,8 @@
           </a:p>
         </p:txBody>
       </p:sp>
-      <mc:AlternateContent xmlns:mc="http://schemas.openxmlformats.org/markup-compatibility/2006">
-        <mc:Choice xmlns:a14="http://schemas.microsoft.com/office/drawing/2010/main" Requires="a14">
+      <mc:AlternateContent xmlns:mc="http://schemas.openxmlformats.org/markup-compatibility/2006" xmlns:a14="http://schemas.microsoft.com/office/drawing/2010/main">
+        <mc:Choice Requires="a14">
           <p:sp>
             <p:nvSpPr>
               <p:cNvPr id="9" name="テキスト ボックス 8">
@@ -19228,7 +24363,7 @@
             </p:txBody>
           </p:sp>
         </mc:Choice>
-        <mc:Fallback>
+        <mc:Fallback xmlns="">
           <p:sp>
             <p:nvSpPr>
               <p:cNvPr id="9" name="テキスト ボックス 8">
@@ -20996,8 +26131,8 @@
           </a:p>
         </p:txBody>
       </p:sp>
-      <mc:AlternateContent xmlns:mc="http://schemas.openxmlformats.org/markup-compatibility/2006">
-        <mc:Choice xmlns:a14="http://schemas.microsoft.com/office/drawing/2010/main" Requires="a14">
+      <mc:AlternateContent xmlns:mc="http://schemas.openxmlformats.org/markup-compatibility/2006" xmlns:a14="http://schemas.microsoft.com/office/drawing/2010/main">
+        <mc:Choice Requires="a14">
           <p:sp>
             <p:nvSpPr>
               <p:cNvPr id="6" name="テキスト ボックス 5">
@@ -21068,7 +26203,7 @@
             </p:txBody>
           </p:sp>
         </mc:Choice>
-        <mc:Fallback>
+        <mc:Fallback xmlns="">
           <p:sp>
             <p:nvSpPr>
               <p:cNvPr id="6" name="テキスト ボックス 5">
@@ -22059,8 +27194,8 @@
           </a:p>
         </p:txBody>
       </p:sp>
-      <mc:AlternateContent xmlns:mc="http://schemas.openxmlformats.org/markup-compatibility/2006">
-        <mc:Choice xmlns:a14="http://schemas.microsoft.com/office/drawing/2010/main" Requires="a14">
+      <mc:AlternateContent xmlns:mc="http://schemas.openxmlformats.org/markup-compatibility/2006" xmlns:a14="http://schemas.microsoft.com/office/drawing/2010/main">
+        <mc:Choice Requires="a14">
           <p:sp>
             <p:nvSpPr>
               <p:cNvPr id="6" name="テキスト ボックス 5">
@@ -22186,7 +27321,7 @@
             </p:txBody>
           </p:sp>
         </mc:Choice>
-        <mc:Fallback>
+        <mc:Fallback xmlns="">
           <p:sp>
             <p:nvSpPr>
               <p:cNvPr id="6" name="テキスト ボックス 5">
@@ -22261,8 +27396,8 @@
           <a:chExt cx="0" cy="0"/>
         </a:xfrm>
       </p:grpSpPr>
-      <mc:AlternateContent xmlns:mc="http://schemas.openxmlformats.org/markup-compatibility/2006">
-        <mc:Choice xmlns:a14="http://schemas.microsoft.com/office/drawing/2010/main" Requires="a14">
+      <mc:AlternateContent xmlns:mc="http://schemas.openxmlformats.org/markup-compatibility/2006" xmlns:a14="http://schemas.microsoft.com/office/drawing/2010/main">
+        <mc:Choice Requires="a14">
           <p:graphicFrame>
             <p:nvGraphicFramePr>
               <p:cNvPr id="4" name="表 3">
@@ -23362,7 +28497,7 @@
             </a:graphic>
           </p:graphicFrame>
         </mc:Choice>
-        <mc:Fallback>
+        <mc:Fallback xmlns="">
           <p:graphicFrame>
             <p:nvGraphicFramePr>
               <p:cNvPr id="4" name="表 3">
@@ -24710,8 +29845,8 @@
           </a:fontRef>
         </p:style>
       </p:cxnSp>
-      <mc:AlternateContent xmlns:mc="http://schemas.openxmlformats.org/markup-compatibility/2006">
-        <mc:Choice xmlns:a14="http://schemas.microsoft.com/office/drawing/2010/main" Requires="a14">
+      <mc:AlternateContent xmlns:mc="http://schemas.openxmlformats.org/markup-compatibility/2006" xmlns:a14="http://schemas.microsoft.com/office/drawing/2010/main">
+        <mc:Choice Requires="a14">
           <p:graphicFrame>
             <p:nvGraphicFramePr>
               <p:cNvPr id="53" name="表 52">
@@ -25865,7 +31000,7 @@
             </a:graphic>
           </p:graphicFrame>
         </mc:Choice>
-        <mc:Fallback>
+        <mc:Fallback xmlns="">
           <p:graphicFrame>
             <p:nvGraphicFramePr>
               <p:cNvPr id="53" name="表 52">
@@ -26535,8 +31670,8 @@
           <a:chExt cx="0" cy="0"/>
         </a:xfrm>
       </p:grpSpPr>
-      <mc:AlternateContent xmlns:mc="http://schemas.openxmlformats.org/markup-compatibility/2006">
-        <mc:Choice xmlns:a14="http://schemas.microsoft.com/office/drawing/2010/main" Requires="a14">
+      <mc:AlternateContent xmlns:mc="http://schemas.openxmlformats.org/markup-compatibility/2006" xmlns:a14="http://schemas.microsoft.com/office/drawing/2010/main">
+        <mc:Choice Requires="a14">
           <p:graphicFrame>
             <p:nvGraphicFramePr>
               <p:cNvPr id="5" name="表 4">
@@ -28083,7 +33218,7 @@
             </a:graphic>
           </p:graphicFrame>
         </mc:Choice>
-        <mc:Fallback>
+        <mc:Fallback xmlns="">
           <p:graphicFrame>
             <p:nvGraphicFramePr>
               <p:cNvPr id="5" name="表 4">
